--- a/shared_src/poster/CSREU_Poster Draft.pptx
+++ b/shared_src/poster/CSREU_Poster Draft.pptx
@@ -2,12 +2,12 @@
 <file path=ppt/presentation.xml><?xml version="1.0" encoding="utf-8"?>
 <p:presentation xmlns:a="http://schemas.openxmlformats.org/drawingml/2006/main" xmlns:r="http://schemas.openxmlformats.org/officeDocument/2006/relationships" xmlns:p="http://schemas.openxmlformats.org/presentationml/2006/main" saveSubsetFonts="1">
   <p:sldMasterIdLst>
-    <p:sldMasterId id="2147484101" r:id="rId1"/>
+    <p:sldMasterId id="2147484113" r:id="rId1"/>
   </p:sldMasterIdLst>
   <p:sldIdLst>
-    <p:sldId id="260" r:id="rId2"/>
+    <p:sldId id="262" r:id="rId2"/>
   </p:sldIdLst>
-  <p:sldSz cx="43891200" cy="32918400"/>
+  <p:sldSz cx="32918400" cy="21945600"/>
   <p:notesSz cx="6858000" cy="9144000"/>
   <p:defaultTextStyle>
     <a:defPPr>
@@ -105,14 +105,23 @@
     </a:lvl9pPr>
   </p:defaultTextStyle>
   <p:extLst>
+    <p:ext uri="{521415D9-36F7-43E2-AB2F-B90AF26B5E84}">
+      <p14:sectionLst xmlns:p14="http://schemas.microsoft.com/office/powerpoint/2010/main">
+        <p14:section name="Untitled Section" id="{4AECE578-DD38-4918-BB4E-B95F761B401C}">
+          <p14:sldIdLst>
+            <p14:sldId id="262"/>
+          </p14:sldIdLst>
+        </p14:section>
+      </p14:sectionLst>
+    </p:ext>
     <p:ext uri="{EFAFB233-063F-42B5-8137-9DF3F51BA10A}">
       <p15:sldGuideLst xmlns:p15="http://schemas.microsoft.com/office/powerpoint/2012/main">
-        <p15:guide id="1" orient="horz" pos="10368" userDrawn="1">
+        <p15:guide id="1" orient="horz" pos="6912" userDrawn="1">
           <p15:clr>
             <a:srgbClr val="A4A3A4"/>
           </p15:clr>
         </p15:guide>
-        <p15:guide id="2" pos="13824" userDrawn="1">
+        <p15:guide id="2" pos="10368" userDrawn="1">
           <p15:clr>
             <a:srgbClr val="A4A3A4"/>
           </p15:clr>
@@ -152,15 +161,15 @@
         </p:nvSpPr>
         <p:spPr>
           <a:xfrm>
-            <a:off x="3291840" y="5387342"/>
-            <a:ext cx="37307520" cy="11460480"/>
+            <a:off x="2468880" y="3591562"/>
+            <a:ext cx="27980640" cy="7640320"/>
           </a:xfrm>
         </p:spPr>
         <p:txBody>
           <a:bodyPr anchor="b"/>
           <a:lstStyle>
             <a:lvl1pPr algn="ctr">
-              <a:defRPr sz="28800"/>
+              <a:defRPr sz="19200"/>
             </a:lvl1pPr>
           </a:lstStyle>
           <a:p>
@@ -184,8 +193,8 @@
         </p:nvSpPr>
         <p:spPr>
           <a:xfrm>
-            <a:off x="5486400" y="17289782"/>
-            <a:ext cx="32918400" cy="7947658"/>
+            <a:off x="4114800" y="11526522"/>
+            <a:ext cx="24688800" cy="5298438"/>
           </a:xfrm>
         </p:spPr>
         <p:txBody>
@@ -193,39 +202,39 @@
           <a:lstStyle>
             <a:lvl1pPr marL="0" indent="0" algn="ctr">
               <a:buNone/>
-              <a:defRPr sz="11520"/>
+              <a:defRPr sz="7680"/>
             </a:lvl1pPr>
-            <a:lvl2pPr marL="2194560" indent="0" algn="ctr">
+            <a:lvl2pPr marL="1463040" indent="0" algn="ctr">
               <a:buNone/>
-              <a:defRPr sz="9600"/>
+              <a:defRPr sz="6400"/>
             </a:lvl2pPr>
-            <a:lvl3pPr marL="4389120" indent="0" algn="ctr">
+            <a:lvl3pPr marL="2926080" indent="0" algn="ctr">
               <a:buNone/>
-              <a:defRPr sz="8640"/>
+              <a:defRPr sz="5760"/>
             </a:lvl3pPr>
-            <a:lvl4pPr marL="6583680" indent="0" algn="ctr">
+            <a:lvl4pPr marL="4389120" indent="0" algn="ctr">
               <a:buNone/>
-              <a:defRPr sz="7680"/>
+              <a:defRPr sz="5120"/>
             </a:lvl4pPr>
-            <a:lvl5pPr marL="8778240" indent="0" algn="ctr">
+            <a:lvl5pPr marL="5852160" indent="0" algn="ctr">
               <a:buNone/>
-              <a:defRPr sz="7680"/>
+              <a:defRPr sz="5120"/>
             </a:lvl5pPr>
-            <a:lvl6pPr marL="10972800" indent="0" algn="ctr">
+            <a:lvl6pPr marL="7315200" indent="0" algn="ctr">
               <a:buNone/>
-              <a:defRPr sz="7680"/>
+              <a:defRPr sz="5120"/>
             </a:lvl6pPr>
-            <a:lvl7pPr marL="13167360" indent="0" algn="ctr">
+            <a:lvl7pPr marL="8778240" indent="0" algn="ctr">
               <a:buNone/>
-              <a:defRPr sz="7680"/>
+              <a:defRPr sz="5120"/>
             </a:lvl7pPr>
-            <a:lvl8pPr marL="15361920" indent="0" algn="ctr">
+            <a:lvl8pPr marL="10241280" indent="0" algn="ctr">
               <a:buNone/>
-              <a:defRPr sz="7680"/>
+              <a:defRPr sz="5120"/>
             </a:lvl8pPr>
-            <a:lvl9pPr marL="17556480" indent="0" algn="ctr">
+            <a:lvl9pPr marL="11704320" indent="0" algn="ctr">
               <a:buNone/>
-              <a:defRPr sz="7680"/>
+              <a:defRPr sz="5120"/>
             </a:lvl9pPr>
           </a:lstStyle>
           <a:p>
@@ -254,7 +263,7 @@
           <a:p>
             <a:fld id="{C8F2B027-CDB8-4684-A62D-BD27F8BC2621}" type="datetimeFigureOut">
               <a:rPr lang="en-US" smtClean="0"/>
-              <a:t>8/1/2018</a:t>
+              <a:t>8/6/2018</a:t>
             </a:fld>
             <a:endParaRPr lang="en-US" dirty="0"/>
           </a:p>
@@ -305,7 +314,7 @@
     </p:spTree>
     <p:extLst>
       <p:ext uri="{BB962C8B-B14F-4D97-AF65-F5344CB8AC3E}">
-        <p14:creationId xmlns:p14="http://schemas.microsoft.com/office/powerpoint/2010/main" val="3736885512"/>
+        <p14:creationId xmlns:p14="http://schemas.microsoft.com/office/powerpoint/2010/main" val="1768128716"/>
       </p:ext>
     </p:extLst>
   </p:cSld>
@@ -424,7 +433,7 @@
           <a:p>
             <a:fld id="{C8F2B027-CDB8-4684-A62D-BD27F8BC2621}" type="datetimeFigureOut">
               <a:rPr lang="en-US" smtClean="0"/>
-              <a:t>8/1/2018</a:t>
+              <a:t>8/6/2018</a:t>
             </a:fld>
             <a:endParaRPr lang="en-US" dirty="0"/>
           </a:p>
@@ -475,7 +484,7 @@
     </p:spTree>
     <p:extLst>
       <p:ext uri="{BB962C8B-B14F-4D97-AF65-F5344CB8AC3E}">
-        <p14:creationId xmlns:p14="http://schemas.microsoft.com/office/powerpoint/2010/main" val="2378995349"/>
+        <p14:creationId xmlns:p14="http://schemas.microsoft.com/office/powerpoint/2010/main" val="2604128018"/>
       </p:ext>
     </p:extLst>
   </p:cSld>
@@ -514,8 +523,8 @@
         </p:nvSpPr>
         <p:spPr>
           <a:xfrm>
-            <a:off x="31409642" y="1752600"/>
-            <a:ext cx="9464040" cy="27896822"/>
+            <a:off x="23557232" y="1168400"/>
+            <a:ext cx="7098030" cy="18597882"/>
           </a:xfrm>
         </p:spPr>
         <p:txBody>
@@ -542,8 +551,8 @@
         </p:nvSpPr>
         <p:spPr>
           <a:xfrm>
-            <a:off x="3017522" y="1752600"/>
-            <a:ext cx="27843480" cy="27896822"/>
+            <a:off x="2263142" y="1168400"/>
+            <a:ext cx="20882610" cy="18597882"/>
           </a:xfrm>
         </p:spPr>
         <p:txBody>
@@ -604,7 +613,7 @@
           <a:p>
             <a:fld id="{C8F2B027-CDB8-4684-A62D-BD27F8BC2621}" type="datetimeFigureOut">
               <a:rPr lang="en-US" smtClean="0"/>
-              <a:t>8/1/2018</a:t>
+              <a:t>8/6/2018</a:t>
             </a:fld>
             <a:endParaRPr lang="en-US" dirty="0"/>
           </a:p>
@@ -655,7 +664,7 @@
     </p:spTree>
     <p:extLst>
       <p:ext uri="{BB962C8B-B14F-4D97-AF65-F5344CB8AC3E}">
-        <p14:creationId xmlns:p14="http://schemas.microsoft.com/office/powerpoint/2010/main" val="2491583684"/>
+        <p14:creationId xmlns:p14="http://schemas.microsoft.com/office/powerpoint/2010/main" val="836764172"/>
       </p:ext>
     </p:extLst>
   </p:cSld>
@@ -774,7 +783,7 @@
           <a:p>
             <a:fld id="{C8F2B027-CDB8-4684-A62D-BD27F8BC2621}" type="datetimeFigureOut">
               <a:rPr lang="en-US" smtClean="0"/>
-              <a:t>8/1/2018</a:t>
+              <a:t>8/6/2018</a:t>
             </a:fld>
             <a:endParaRPr lang="en-US" dirty="0"/>
           </a:p>
@@ -825,7 +834,7 @@
     </p:spTree>
     <p:extLst>
       <p:ext uri="{BB962C8B-B14F-4D97-AF65-F5344CB8AC3E}">
-        <p14:creationId xmlns:p14="http://schemas.microsoft.com/office/powerpoint/2010/main" val="3948069352"/>
+        <p14:creationId xmlns:p14="http://schemas.microsoft.com/office/powerpoint/2010/main" val="1618594619"/>
       </p:ext>
     </p:extLst>
   </p:cSld>
@@ -864,15 +873,15 @@
         </p:nvSpPr>
         <p:spPr>
           <a:xfrm>
-            <a:off x="2994662" y="8206749"/>
-            <a:ext cx="37856160" cy="13693138"/>
+            <a:off x="2245997" y="5471167"/>
+            <a:ext cx="28392120" cy="9128758"/>
           </a:xfrm>
         </p:spPr>
         <p:txBody>
           <a:bodyPr anchor="b"/>
           <a:lstStyle>
             <a:lvl1pPr>
-              <a:defRPr sz="28800"/>
+              <a:defRPr sz="19200"/>
             </a:lvl1pPr>
           </a:lstStyle>
           <a:p>
@@ -896,8 +905,8 @@
         </p:nvSpPr>
         <p:spPr>
           <a:xfrm>
-            <a:off x="2994662" y="22029429"/>
-            <a:ext cx="37856160" cy="7200898"/>
+            <a:off x="2245997" y="14686287"/>
+            <a:ext cx="28392120" cy="4800598"/>
           </a:xfrm>
         </p:spPr>
         <p:txBody>
@@ -905,15 +914,15 @@
           <a:lstStyle>
             <a:lvl1pPr marL="0" indent="0">
               <a:buNone/>
-              <a:defRPr sz="11520">
+              <a:defRPr sz="7680">
                 <a:solidFill>
                   <a:schemeClr val="tx1"/>
                 </a:solidFill>
               </a:defRPr>
             </a:lvl1pPr>
-            <a:lvl2pPr marL="2194560" indent="0">
+            <a:lvl2pPr marL="1463040" indent="0">
               <a:buNone/>
-              <a:defRPr sz="9600">
+              <a:defRPr sz="6400">
                 <a:solidFill>
                   <a:schemeClr val="tx1">
                     <a:tint val="75000"/>
@@ -921,9 +930,9 @@
                 </a:solidFill>
               </a:defRPr>
             </a:lvl2pPr>
-            <a:lvl3pPr marL="4389120" indent="0">
+            <a:lvl3pPr marL="2926080" indent="0">
               <a:buNone/>
-              <a:defRPr sz="8640">
+              <a:defRPr sz="5760">
                 <a:solidFill>
                   <a:schemeClr val="tx1">
                     <a:tint val="75000"/>
@@ -931,9 +940,9 @@
                 </a:solidFill>
               </a:defRPr>
             </a:lvl3pPr>
-            <a:lvl4pPr marL="6583680" indent="0">
+            <a:lvl4pPr marL="4389120" indent="0">
               <a:buNone/>
-              <a:defRPr sz="7680">
+              <a:defRPr sz="5120">
                 <a:solidFill>
                   <a:schemeClr val="tx1">
                     <a:tint val="75000"/>
@@ -941,9 +950,9 @@
                 </a:solidFill>
               </a:defRPr>
             </a:lvl4pPr>
-            <a:lvl5pPr marL="8778240" indent="0">
+            <a:lvl5pPr marL="5852160" indent="0">
               <a:buNone/>
-              <a:defRPr sz="7680">
+              <a:defRPr sz="5120">
                 <a:solidFill>
                   <a:schemeClr val="tx1">
                     <a:tint val="75000"/>
@@ -951,9 +960,9 @@
                 </a:solidFill>
               </a:defRPr>
             </a:lvl5pPr>
-            <a:lvl6pPr marL="10972800" indent="0">
+            <a:lvl6pPr marL="7315200" indent="0">
               <a:buNone/>
-              <a:defRPr sz="7680">
+              <a:defRPr sz="5120">
                 <a:solidFill>
                   <a:schemeClr val="tx1">
                     <a:tint val="75000"/>
@@ -961,9 +970,9 @@
                 </a:solidFill>
               </a:defRPr>
             </a:lvl6pPr>
-            <a:lvl7pPr marL="13167360" indent="0">
+            <a:lvl7pPr marL="8778240" indent="0">
               <a:buNone/>
-              <a:defRPr sz="7680">
+              <a:defRPr sz="5120">
                 <a:solidFill>
                   <a:schemeClr val="tx1">
                     <a:tint val="75000"/>
@@ -971,9 +980,9 @@
                 </a:solidFill>
               </a:defRPr>
             </a:lvl7pPr>
-            <a:lvl8pPr marL="15361920" indent="0">
+            <a:lvl8pPr marL="10241280" indent="0">
               <a:buNone/>
-              <a:defRPr sz="7680">
+              <a:defRPr sz="5120">
                 <a:solidFill>
                   <a:schemeClr val="tx1">
                     <a:tint val="75000"/>
@@ -981,9 +990,9 @@
                 </a:solidFill>
               </a:defRPr>
             </a:lvl8pPr>
-            <a:lvl9pPr marL="17556480" indent="0">
+            <a:lvl9pPr marL="11704320" indent="0">
               <a:buNone/>
-              <a:defRPr sz="7680">
+              <a:defRPr sz="5120">
                 <a:solidFill>
                   <a:schemeClr val="tx1">
                     <a:tint val="75000"/>
@@ -1018,7 +1027,7 @@
           <a:p>
             <a:fld id="{C8F2B027-CDB8-4684-A62D-BD27F8BC2621}" type="datetimeFigureOut">
               <a:rPr lang="en-US" smtClean="0"/>
-              <a:t>8/1/2018</a:t>
+              <a:t>8/6/2018</a:t>
             </a:fld>
             <a:endParaRPr lang="en-US" dirty="0"/>
           </a:p>
@@ -1069,7 +1078,7 @@
     </p:spTree>
     <p:extLst>
       <p:ext uri="{BB962C8B-B14F-4D97-AF65-F5344CB8AC3E}">
-        <p14:creationId xmlns:p14="http://schemas.microsoft.com/office/powerpoint/2010/main" val="1287114711"/>
+        <p14:creationId xmlns:p14="http://schemas.microsoft.com/office/powerpoint/2010/main" val="1293119584"/>
       </p:ext>
     </p:extLst>
   </p:cSld>
@@ -1131,8 +1140,8 @@
         </p:nvSpPr>
         <p:spPr>
           <a:xfrm>
-            <a:off x="3017520" y="8763000"/>
-            <a:ext cx="18653760" cy="20886422"/>
+            <a:off x="2263140" y="5842000"/>
+            <a:ext cx="13990320" cy="13924282"/>
           </a:xfrm>
         </p:spPr>
         <p:txBody>
@@ -1188,8 +1197,8 @@
         </p:nvSpPr>
         <p:spPr>
           <a:xfrm>
-            <a:off x="22219920" y="8763000"/>
-            <a:ext cx="18653760" cy="20886422"/>
+            <a:off x="16664940" y="5842000"/>
+            <a:ext cx="13990320" cy="13924282"/>
           </a:xfrm>
         </p:spPr>
         <p:txBody>
@@ -1250,7 +1259,7 @@
           <a:p>
             <a:fld id="{C8F2B027-CDB8-4684-A62D-BD27F8BC2621}" type="datetimeFigureOut">
               <a:rPr lang="en-US" smtClean="0"/>
-              <a:t>8/1/2018</a:t>
+              <a:t>8/6/2018</a:t>
             </a:fld>
             <a:endParaRPr lang="en-US" dirty="0"/>
           </a:p>
@@ -1301,7 +1310,7 @@
     </p:spTree>
     <p:extLst>
       <p:ext uri="{BB962C8B-B14F-4D97-AF65-F5344CB8AC3E}">
-        <p14:creationId xmlns:p14="http://schemas.microsoft.com/office/powerpoint/2010/main" val="1130825453"/>
+        <p14:creationId xmlns:p14="http://schemas.microsoft.com/office/powerpoint/2010/main" val="129247391"/>
       </p:ext>
     </p:extLst>
   </p:cSld>
@@ -1340,8 +1349,8 @@
         </p:nvSpPr>
         <p:spPr>
           <a:xfrm>
-            <a:off x="3023237" y="1752607"/>
-            <a:ext cx="37856160" cy="6362702"/>
+            <a:off x="2267428" y="1168405"/>
+            <a:ext cx="28392120" cy="4241802"/>
           </a:xfrm>
         </p:spPr>
         <p:txBody>
@@ -1368,8 +1377,8 @@
         </p:nvSpPr>
         <p:spPr>
           <a:xfrm>
-            <a:off x="3023242" y="8069582"/>
-            <a:ext cx="18568032" cy="3954778"/>
+            <a:off x="2267431" y="5379722"/>
+            <a:ext cx="13926024" cy="2636518"/>
           </a:xfrm>
         </p:spPr>
         <p:txBody>
@@ -1377,39 +1386,39 @@
           <a:lstStyle>
             <a:lvl1pPr marL="0" indent="0">
               <a:buNone/>
-              <a:defRPr sz="11520" b="1"/>
+              <a:defRPr sz="7680" b="1"/>
             </a:lvl1pPr>
-            <a:lvl2pPr marL="2194560" indent="0">
+            <a:lvl2pPr marL="1463040" indent="0">
               <a:buNone/>
-              <a:defRPr sz="9600" b="1"/>
+              <a:defRPr sz="6400" b="1"/>
             </a:lvl2pPr>
-            <a:lvl3pPr marL="4389120" indent="0">
+            <a:lvl3pPr marL="2926080" indent="0">
               <a:buNone/>
-              <a:defRPr sz="8640" b="1"/>
+              <a:defRPr sz="5760" b="1"/>
             </a:lvl3pPr>
-            <a:lvl4pPr marL="6583680" indent="0">
+            <a:lvl4pPr marL="4389120" indent="0">
               <a:buNone/>
-              <a:defRPr sz="7680" b="1"/>
+              <a:defRPr sz="5120" b="1"/>
             </a:lvl4pPr>
-            <a:lvl5pPr marL="8778240" indent="0">
+            <a:lvl5pPr marL="5852160" indent="0">
               <a:buNone/>
-              <a:defRPr sz="7680" b="1"/>
+              <a:defRPr sz="5120" b="1"/>
             </a:lvl5pPr>
-            <a:lvl6pPr marL="10972800" indent="0">
+            <a:lvl6pPr marL="7315200" indent="0">
               <a:buNone/>
-              <a:defRPr sz="7680" b="1"/>
+              <a:defRPr sz="5120" b="1"/>
             </a:lvl6pPr>
-            <a:lvl7pPr marL="13167360" indent="0">
+            <a:lvl7pPr marL="8778240" indent="0">
               <a:buNone/>
-              <a:defRPr sz="7680" b="1"/>
+              <a:defRPr sz="5120" b="1"/>
             </a:lvl7pPr>
-            <a:lvl8pPr marL="15361920" indent="0">
+            <a:lvl8pPr marL="10241280" indent="0">
               <a:buNone/>
-              <a:defRPr sz="7680" b="1"/>
+              <a:defRPr sz="5120" b="1"/>
             </a:lvl8pPr>
-            <a:lvl9pPr marL="17556480" indent="0">
+            <a:lvl9pPr marL="11704320" indent="0">
               <a:buNone/>
-              <a:defRPr sz="7680" b="1"/>
+              <a:defRPr sz="5120" b="1"/>
             </a:lvl9pPr>
           </a:lstStyle>
           <a:p>
@@ -1433,8 +1442,8 @@
         </p:nvSpPr>
         <p:spPr>
           <a:xfrm>
-            <a:off x="3023242" y="12024360"/>
-            <a:ext cx="18568032" cy="17686022"/>
+            <a:off x="2267431" y="8016240"/>
+            <a:ext cx="13926024" cy="11790682"/>
           </a:xfrm>
         </p:spPr>
         <p:txBody>
@@ -1490,8 +1499,8 @@
         </p:nvSpPr>
         <p:spPr>
           <a:xfrm>
-            <a:off x="22219922" y="8069582"/>
-            <a:ext cx="18659477" cy="3954778"/>
+            <a:off x="16664942" y="5379722"/>
+            <a:ext cx="13994608" cy="2636518"/>
           </a:xfrm>
         </p:spPr>
         <p:txBody>
@@ -1499,39 +1508,39 @@
           <a:lstStyle>
             <a:lvl1pPr marL="0" indent="0">
               <a:buNone/>
-              <a:defRPr sz="11520" b="1"/>
+              <a:defRPr sz="7680" b="1"/>
             </a:lvl1pPr>
-            <a:lvl2pPr marL="2194560" indent="0">
+            <a:lvl2pPr marL="1463040" indent="0">
               <a:buNone/>
-              <a:defRPr sz="9600" b="1"/>
+              <a:defRPr sz="6400" b="1"/>
             </a:lvl2pPr>
-            <a:lvl3pPr marL="4389120" indent="0">
+            <a:lvl3pPr marL="2926080" indent="0">
               <a:buNone/>
-              <a:defRPr sz="8640" b="1"/>
+              <a:defRPr sz="5760" b="1"/>
             </a:lvl3pPr>
-            <a:lvl4pPr marL="6583680" indent="0">
+            <a:lvl4pPr marL="4389120" indent="0">
               <a:buNone/>
-              <a:defRPr sz="7680" b="1"/>
+              <a:defRPr sz="5120" b="1"/>
             </a:lvl4pPr>
-            <a:lvl5pPr marL="8778240" indent="0">
+            <a:lvl5pPr marL="5852160" indent="0">
               <a:buNone/>
-              <a:defRPr sz="7680" b="1"/>
+              <a:defRPr sz="5120" b="1"/>
             </a:lvl5pPr>
-            <a:lvl6pPr marL="10972800" indent="0">
+            <a:lvl6pPr marL="7315200" indent="0">
               <a:buNone/>
-              <a:defRPr sz="7680" b="1"/>
+              <a:defRPr sz="5120" b="1"/>
             </a:lvl6pPr>
-            <a:lvl7pPr marL="13167360" indent="0">
+            <a:lvl7pPr marL="8778240" indent="0">
               <a:buNone/>
-              <a:defRPr sz="7680" b="1"/>
+              <a:defRPr sz="5120" b="1"/>
             </a:lvl7pPr>
-            <a:lvl8pPr marL="15361920" indent="0">
+            <a:lvl8pPr marL="10241280" indent="0">
               <a:buNone/>
-              <a:defRPr sz="7680" b="1"/>
+              <a:defRPr sz="5120" b="1"/>
             </a:lvl8pPr>
-            <a:lvl9pPr marL="17556480" indent="0">
+            <a:lvl9pPr marL="11704320" indent="0">
               <a:buNone/>
-              <a:defRPr sz="7680" b="1"/>
+              <a:defRPr sz="5120" b="1"/>
             </a:lvl9pPr>
           </a:lstStyle>
           <a:p>
@@ -1555,8 +1564,8 @@
         </p:nvSpPr>
         <p:spPr>
           <a:xfrm>
-            <a:off x="22219922" y="12024360"/>
-            <a:ext cx="18659477" cy="17686022"/>
+            <a:off x="16664942" y="8016240"/>
+            <a:ext cx="13994608" cy="11790682"/>
           </a:xfrm>
         </p:spPr>
         <p:txBody>
@@ -1617,7 +1626,7 @@
           <a:p>
             <a:fld id="{C8F2B027-CDB8-4684-A62D-BD27F8BC2621}" type="datetimeFigureOut">
               <a:rPr lang="en-US" smtClean="0"/>
-              <a:t>8/1/2018</a:t>
+              <a:t>8/6/2018</a:t>
             </a:fld>
             <a:endParaRPr lang="en-US" dirty="0"/>
           </a:p>
@@ -1668,7 +1677,7 @@
     </p:spTree>
     <p:extLst>
       <p:ext uri="{BB962C8B-B14F-4D97-AF65-F5344CB8AC3E}">
-        <p14:creationId xmlns:p14="http://schemas.microsoft.com/office/powerpoint/2010/main" val="387681080"/>
+        <p14:creationId xmlns:p14="http://schemas.microsoft.com/office/powerpoint/2010/main" val="3719165369"/>
       </p:ext>
     </p:extLst>
   </p:cSld>
@@ -1735,7 +1744,7 @@
           <a:p>
             <a:fld id="{C8F2B027-CDB8-4684-A62D-BD27F8BC2621}" type="datetimeFigureOut">
               <a:rPr lang="en-US" smtClean="0"/>
-              <a:t>8/1/2018</a:t>
+              <a:t>8/6/2018</a:t>
             </a:fld>
             <a:endParaRPr lang="en-US" dirty="0"/>
           </a:p>
@@ -1786,7 +1795,7 @@
     </p:spTree>
     <p:extLst>
       <p:ext uri="{BB962C8B-B14F-4D97-AF65-F5344CB8AC3E}">
-        <p14:creationId xmlns:p14="http://schemas.microsoft.com/office/powerpoint/2010/main" val="3451782504"/>
+        <p14:creationId xmlns:p14="http://schemas.microsoft.com/office/powerpoint/2010/main" val="289955464"/>
       </p:ext>
     </p:extLst>
   </p:cSld>
@@ -1830,7 +1839,7 @@
           <a:p>
             <a:fld id="{C8F2B027-CDB8-4684-A62D-BD27F8BC2621}" type="datetimeFigureOut">
               <a:rPr lang="en-US" smtClean="0"/>
-              <a:t>8/1/2018</a:t>
+              <a:t>8/6/2018</a:t>
             </a:fld>
             <a:endParaRPr lang="en-US" dirty="0"/>
           </a:p>
@@ -1881,7 +1890,7 @@
     </p:spTree>
     <p:extLst>
       <p:ext uri="{BB962C8B-B14F-4D97-AF65-F5344CB8AC3E}">
-        <p14:creationId xmlns:p14="http://schemas.microsoft.com/office/powerpoint/2010/main" val="2879318929"/>
+        <p14:creationId xmlns:p14="http://schemas.microsoft.com/office/powerpoint/2010/main" val="2794176268"/>
       </p:ext>
     </p:extLst>
   </p:cSld>
@@ -1920,15 +1929,15 @@
         </p:nvSpPr>
         <p:spPr>
           <a:xfrm>
-            <a:off x="3023237" y="2194560"/>
-            <a:ext cx="14156054" cy="7680960"/>
+            <a:off x="2267428" y="1463040"/>
+            <a:ext cx="10617041" cy="5120640"/>
           </a:xfrm>
         </p:spPr>
         <p:txBody>
           <a:bodyPr anchor="b"/>
           <a:lstStyle>
             <a:lvl1pPr>
-              <a:defRPr sz="15360"/>
+              <a:defRPr sz="10240"/>
             </a:lvl1pPr>
           </a:lstStyle>
           <a:p>
@@ -1952,39 +1961,39 @@
         </p:nvSpPr>
         <p:spPr>
           <a:xfrm>
-            <a:off x="18659477" y="4739647"/>
-            <a:ext cx="22219920" cy="23393400"/>
+            <a:off x="13994608" y="3159765"/>
+            <a:ext cx="16664940" cy="15595600"/>
           </a:xfrm>
         </p:spPr>
         <p:txBody>
           <a:bodyPr/>
           <a:lstStyle>
             <a:lvl1pPr>
-              <a:defRPr sz="15360"/>
+              <a:defRPr sz="10240"/>
             </a:lvl1pPr>
             <a:lvl2pPr>
-              <a:defRPr sz="13440"/>
+              <a:defRPr sz="8960"/>
             </a:lvl2pPr>
             <a:lvl3pPr>
-              <a:defRPr sz="11520"/>
+              <a:defRPr sz="7680"/>
             </a:lvl3pPr>
             <a:lvl4pPr>
-              <a:defRPr sz="9600"/>
+              <a:defRPr sz="6400"/>
             </a:lvl4pPr>
             <a:lvl5pPr>
-              <a:defRPr sz="9600"/>
+              <a:defRPr sz="6400"/>
             </a:lvl5pPr>
             <a:lvl6pPr>
-              <a:defRPr sz="9600"/>
+              <a:defRPr sz="6400"/>
             </a:lvl6pPr>
             <a:lvl7pPr>
-              <a:defRPr sz="9600"/>
+              <a:defRPr sz="6400"/>
             </a:lvl7pPr>
             <a:lvl8pPr>
-              <a:defRPr sz="9600"/>
+              <a:defRPr sz="6400"/>
             </a:lvl8pPr>
             <a:lvl9pPr>
-              <a:defRPr sz="9600"/>
+              <a:defRPr sz="6400"/>
             </a:lvl9pPr>
           </a:lstStyle>
           <a:p>
@@ -2037,8 +2046,8 @@
         </p:nvSpPr>
         <p:spPr>
           <a:xfrm>
-            <a:off x="3023237" y="9875520"/>
-            <a:ext cx="14156054" cy="18295622"/>
+            <a:off x="2267428" y="6583680"/>
+            <a:ext cx="10617041" cy="12197082"/>
           </a:xfrm>
         </p:spPr>
         <p:txBody>
@@ -2046,39 +2055,39 @@
           <a:lstStyle>
             <a:lvl1pPr marL="0" indent="0">
               <a:buNone/>
-              <a:defRPr sz="7680"/>
+              <a:defRPr sz="5120"/>
             </a:lvl1pPr>
-            <a:lvl2pPr marL="2194560" indent="0">
+            <a:lvl2pPr marL="1463040" indent="0">
               <a:buNone/>
-              <a:defRPr sz="6720"/>
+              <a:defRPr sz="4480"/>
             </a:lvl2pPr>
-            <a:lvl3pPr marL="4389120" indent="0">
+            <a:lvl3pPr marL="2926080" indent="0">
               <a:buNone/>
-              <a:defRPr sz="5760"/>
+              <a:defRPr sz="3840"/>
             </a:lvl3pPr>
-            <a:lvl4pPr marL="6583680" indent="0">
+            <a:lvl4pPr marL="4389120" indent="0">
               <a:buNone/>
-              <a:defRPr sz="4800"/>
+              <a:defRPr sz="3200"/>
             </a:lvl4pPr>
-            <a:lvl5pPr marL="8778240" indent="0">
+            <a:lvl5pPr marL="5852160" indent="0">
               <a:buNone/>
-              <a:defRPr sz="4800"/>
+              <a:defRPr sz="3200"/>
             </a:lvl5pPr>
-            <a:lvl6pPr marL="10972800" indent="0">
+            <a:lvl6pPr marL="7315200" indent="0">
               <a:buNone/>
-              <a:defRPr sz="4800"/>
+              <a:defRPr sz="3200"/>
             </a:lvl6pPr>
-            <a:lvl7pPr marL="13167360" indent="0">
+            <a:lvl7pPr marL="8778240" indent="0">
               <a:buNone/>
-              <a:defRPr sz="4800"/>
+              <a:defRPr sz="3200"/>
             </a:lvl7pPr>
-            <a:lvl8pPr marL="15361920" indent="0">
+            <a:lvl8pPr marL="10241280" indent="0">
               <a:buNone/>
-              <a:defRPr sz="4800"/>
+              <a:defRPr sz="3200"/>
             </a:lvl8pPr>
-            <a:lvl9pPr marL="17556480" indent="0">
+            <a:lvl9pPr marL="11704320" indent="0">
               <a:buNone/>
-              <a:defRPr sz="4800"/>
+              <a:defRPr sz="3200"/>
             </a:lvl9pPr>
           </a:lstStyle>
           <a:p>
@@ -2107,7 +2116,7 @@
           <a:p>
             <a:fld id="{C8F2B027-CDB8-4684-A62D-BD27F8BC2621}" type="datetimeFigureOut">
               <a:rPr lang="en-US" smtClean="0"/>
-              <a:t>8/1/2018</a:t>
+              <a:t>8/6/2018</a:t>
             </a:fld>
             <a:endParaRPr lang="en-US" dirty="0"/>
           </a:p>
@@ -2158,7 +2167,7 @@
     </p:spTree>
     <p:extLst>
       <p:ext uri="{BB962C8B-B14F-4D97-AF65-F5344CB8AC3E}">
-        <p14:creationId xmlns:p14="http://schemas.microsoft.com/office/powerpoint/2010/main" val="3793721399"/>
+        <p14:creationId xmlns:p14="http://schemas.microsoft.com/office/powerpoint/2010/main" val="3694410056"/>
       </p:ext>
     </p:extLst>
   </p:cSld>
@@ -2197,15 +2206,15 @@
         </p:nvSpPr>
         <p:spPr>
           <a:xfrm>
-            <a:off x="3023237" y="2194560"/>
-            <a:ext cx="14156054" cy="7680960"/>
+            <a:off x="2267428" y="1463040"/>
+            <a:ext cx="10617041" cy="5120640"/>
           </a:xfrm>
         </p:spPr>
         <p:txBody>
           <a:bodyPr anchor="b"/>
           <a:lstStyle>
             <a:lvl1pPr>
-              <a:defRPr sz="15360"/>
+              <a:defRPr sz="10240"/>
             </a:lvl1pPr>
           </a:lstStyle>
           <a:p>
@@ -2229,8 +2238,8 @@
         </p:nvSpPr>
         <p:spPr>
           <a:xfrm>
-            <a:off x="18659477" y="4739647"/>
-            <a:ext cx="22219920" cy="23393400"/>
+            <a:off x="13994608" y="3159765"/>
+            <a:ext cx="16664940" cy="15595600"/>
           </a:xfrm>
         </p:spPr>
         <p:txBody>
@@ -2238,39 +2247,39 @@
           <a:lstStyle>
             <a:lvl1pPr marL="0" indent="0">
               <a:buNone/>
-              <a:defRPr sz="15360"/>
+              <a:defRPr sz="10240"/>
             </a:lvl1pPr>
-            <a:lvl2pPr marL="2194560" indent="0">
+            <a:lvl2pPr marL="1463040" indent="0">
               <a:buNone/>
-              <a:defRPr sz="13440"/>
+              <a:defRPr sz="8960"/>
             </a:lvl2pPr>
-            <a:lvl3pPr marL="4389120" indent="0">
+            <a:lvl3pPr marL="2926080" indent="0">
               <a:buNone/>
-              <a:defRPr sz="11520"/>
+              <a:defRPr sz="7680"/>
             </a:lvl3pPr>
-            <a:lvl4pPr marL="6583680" indent="0">
+            <a:lvl4pPr marL="4389120" indent="0">
               <a:buNone/>
-              <a:defRPr sz="9600"/>
+              <a:defRPr sz="6400"/>
             </a:lvl4pPr>
-            <a:lvl5pPr marL="8778240" indent="0">
+            <a:lvl5pPr marL="5852160" indent="0">
               <a:buNone/>
-              <a:defRPr sz="9600"/>
+              <a:defRPr sz="6400"/>
             </a:lvl5pPr>
-            <a:lvl6pPr marL="10972800" indent="0">
+            <a:lvl6pPr marL="7315200" indent="0">
               <a:buNone/>
-              <a:defRPr sz="9600"/>
+              <a:defRPr sz="6400"/>
             </a:lvl6pPr>
-            <a:lvl7pPr marL="13167360" indent="0">
+            <a:lvl7pPr marL="8778240" indent="0">
               <a:buNone/>
-              <a:defRPr sz="9600"/>
+              <a:defRPr sz="6400"/>
             </a:lvl7pPr>
-            <a:lvl8pPr marL="15361920" indent="0">
+            <a:lvl8pPr marL="10241280" indent="0">
               <a:buNone/>
-              <a:defRPr sz="9600"/>
+              <a:defRPr sz="6400"/>
             </a:lvl8pPr>
-            <a:lvl9pPr marL="17556480" indent="0">
+            <a:lvl9pPr marL="11704320" indent="0">
               <a:buNone/>
-              <a:defRPr sz="9600"/>
+              <a:defRPr sz="6400"/>
             </a:lvl9pPr>
           </a:lstStyle>
           <a:p>
@@ -2294,8 +2303,8 @@
         </p:nvSpPr>
         <p:spPr>
           <a:xfrm>
-            <a:off x="3023237" y="9875520"/>
-            <a:ext cx="14156054" cy="18295622"/>
+            <a:off x="2267428" y="6583680"/>
+            <a:ext cx="10617041" cy="12197082"/>
           </a:xfrm>
         </p:spPr>
         <p:txBody>
@@ -2303,39 +2312,39 @@
           <a:lstStyle>
             <a:lvl1pPr marL="0" indent="0">
               <a:buNone/>
-              <a:defRPr sz="7680"/>
+              <a:defRPr sz="5120"/>
             </a:lvl1pPr>
-            <a:lvl2pPr marL="2194560" indent="0">
+            <a:lvl2pPr marL="1463040" indent="0">
               <a:buNone/>
-              <a:defRPr sz="6720"/>
+              <a:defRPr sz="4480"/>
             </a:lvl2pPr>
-            <a:lvl3pPr marL="4389120" indent="0">
+            <a:lvl3pPr marL="2926080" indent="0">
               <a:buNone/>
-              <a:defRPr sz="5760"/>
+              <a:defRPr sz="3840"/>
             </a:lvl3pPr>
-            <a:lvl4pPr marL="6583680" indent="0">
+            <a:lvl4pPr marL="4389120" indent="0">
               <a:buNone/>
-              <a:defRPr sz="4800"/>
+              <a:defRPr sz="3200"/>
             </a:lvl4pPr>
-            <a:lvl5pPr marL="8778240" indent="0">
+            <a:lvl5pPr marL="5852160" indent="0">
               <a:buNone/>
-              <a:defRPr sz="4800"/>
+              <a:defRPr sz="3200"/>
             </a:lvl5pPr>
-            <a:lvl6pPr marL="10972800" indent="0">
+            <a:lvl6pPr marL="7315200" indent="0">
               <a:buNone/>
-              <a:defRPr sz="4800"/>
+              <a:defRPr sz="3200"/>
             </a:lvl6pPr>
-            <a:lvl7pPr marL="13167360" indent="0">
+            <a:lvl7pPr marL="8778240" indent="0">
               <a:buNone/>
-              <a:defRPr sz="4800"/>
+              <a:defRPr sz="3200"/>
             </a:lvl7pPr>
-            <a:lvl8pPr marL="15361920" indent="0">
+            <a:lvl8pPr marL="10241280" indent="0">
               <a:buNone/>
-              <a:defRPr sz="4800"/>
+              <a:defRPr sz="3200"/>
             </a:lvl8pPr>
-            <a:lvl9pPr marL="17556480" indent="0">
+            <a:lvl9pPr marL="11704320" indent="0">
               <a:buNone/>
-              <a:defRPr sz="4800"/>
+              <a:defRPr sz="3200"/>
             </a:lvl9pPr>
           </a:lstStyle>
           <a:p>
@@ -2364,7 +2373,7 @@
           <a:p>
             <a:fld id="{C8F2B027-CDB8-4684-A62D-BD27F8BC2621}" type="datetimeFigureOut">
               <a:rPr lang="en-US" smtClean="0"/>
-              <a:t>8/1/2018</a:t>
+              <a:t>8/6/2018</a:t>
             </a:fld>
             <a:endParaRPr lang="en-US" dirty="0"/>
           </a:p>
@@ -2415,7 +2424,7 @@
     </p:spTree>
     <p:extLst>
       <p:ext uri="{BB962C8B-B14F-4D97-AF65-F5344CB8AC3E}">
-        <p14:creationId xmlns:p14="http://schemas.microsoft.com/office/powerpoint/2010/main" val="266276997"/>
+        <p14:creationId xmlns:p14="http://schemas.microsoft.com/office/powerpoint/2010/main" val="2615596715"/>
       </p:ext>
     </p:extLst>
   </p:cSld>
@@ -2459,8 +2468,8 @@
         </p:nvSpPr>
         <p:spPr>
           <a:xfrm>
-            <a:off x="3017520" y="1752607"/>
-            <a:ext cx="37856160" cy="6362702"/>
+            <a:off x="2263140" y="1168405"/>
+            <a:ext cx="28392120" cy="4241802"/>
           </a:xfrm>
           <a:prstGeom prst="rect">
             <a:avLst/>
@@ -2492,8 +2501,8 @@
         </p:nvSpPr>
         <p:spPr>
           <a:xfrm>
-            <a:off x="3017520" y="8763000"/>
-            <a:ext cx="37856160" cy="20886422"/>
+            <a:off x="2263140" y="5842000"/>
+            <a:ext cx="28392120" cy="13924282"/>
           </a:xfrm>
           <a:prstGeom prst="rect">
             <a:avLst/>
@@ -2554,8 +2563,8 @@
         </p:nvSpPr>
         <p:spPr>
           <a:xfrm>
-            <a:off x="3017520" y="30510487"/>
-            <a:ext cx="9875520" cy="1752600"/>
+            <a:off x="2263140" y="20340325"/>
+            <a:ext cx="7406640" cy="1168400"/>
           </a:xfrm>
           <a:prstGeom prst="rect">
             <a:avLst/>
@@ -2565,7 +2574,7 @@
           <a:bodyPr vert="horz" lIns="91440" tIns="45720" rIns="91440" bIns="45720" rtlCol="0" anchor="ctr"/>
           <a:lstStyle>
             <a:lvl1pPr algn="l">
-              <a:defRPr sz="5760">
+              <a:defRPr sz="3840">
                 <a:solidFill>
                   <a:schemeClr val="tx1">
                     <a:tint val="75000"/>
@@ -2577,7 +2586,7 @@
           <a:p>
             <a:fld id="{C8F2B027-CDB8-4684-A62D-BD27F8BC2621}" type="datetimeFigureOut">
               <a:rPr lang="en-US" smtClean="0"/>
-              <a:t>8/1/2018</a:t>
+              <a:t>8/6/2018</a:t>
             </a:fld>
             <a:endParaRPr lang="en-US" dirty="0"/>
           </a:p>
@@ -2595,8 +2604,8 @@
         </p:nvSpPr>
         <p:spPr>
           <a:xfrm>
-            <a:off x="14538960" y="30510487"/>
-            <a:ext cx="14813280" cy="1752600"/>
+            <a:off x="10904220" y="20340325"/>
+            <a:ext cx="11109960" cy="1168400"/>
           </a:xfrm>
           <a:prstGeom prst="rect">
             <a:avLst/>
@@ -2606,7 +2615,7 @@
           <a:bodyPr vert="horz" lIns="91440" tIns="45720" rIns="91440" bIns="45720" rtlCol="0" anchor="ctr"/>
           <a:lstStyle>
             <a:lvl1pPr algn="ctr">
-              <a:defRPr sz="5760">
+              <a:defRPr sz="3840">
                 <a:solidFill>
                   <a:schemeClr val="tx1">
                     <a:tint val="75000"/>
@@ -2632,8 +2641,8 @@
         </p:nvSpPr>
         <p:spPr>
           <a:xfrm>
-            <a:off x="30998160" y="30510487"/>
-            <a:ext cx="9875520" cy="1752600"/>
+            <a:off x="23248620" y="20340325"/>
+            <a:ext cx="7406640" cy="1168400"/>
           </a:xfrm>
           <a:prstGeom prst="rect">
             <a:avLst/>
@@ -2643,7 +2652,7 @@
           <a:bodyPr vert="horz" lIns="91440" tIns="45720" rIns="91440" bIns="45720" rtlCol="0" anchor="ctr"/>
           <a:lstStyle>
             <a:lvl1pPr algn="r">
-              <a:defRPr sz="5760">
+              <a:defRPr sz="3840">
                 <a:solidFill>
                   <a:schemeClr val="tx1">
                     <a:tint val="75000"/>
@@ -2664,27 +2673,27 @@
     </p:spTree>
     <p:extLst>
       <p:ext uri="{BB962C8B-B14F-4D97-AF65-F5344CB8AC3E}">
-        <p14:creationId xmlns:p14="http://schemas.microsoft.com/office/powerpoint/2010/main" val="1602354129"/>
+        <p14:creationId xmlns:p14="http://schemas.microsoft.com/office/powerpoint/2010/main" val="3875078803"/>
       </p:ext>
     </p:extLst>
   </p:cSld>
   <p:clrMap bg1="lt1" tx1="dk1" bg2="lt2" tx2="dk2" accent1="accent1" accent2="accent2" accent3="accent3" accent4="accent4" accent5="accent5" accent6="accent6" hlink="hlink" folHlink="folHlink"/>
   <p:sldLayoutIdLst>
-    <p:sldLayoutId id="2147484102" r:id="rId1"/>
-    <p:sldLayoutId id="2147484103" r:id="rId2"/>
-    <p:sldLayoutId id="2147484104" r:id="rId3"/>
-    <p:sldLayoutId id="2147484105" r:id="rId4"/>
-    <p:sldLayoutId id="2147484106" r:id="rId5"/>
-    <p:sldLayoutId id="2147484107" r:id="rId6"/>
-    <p:sldLayoutId id="2147484108" r:id="rId7"/>
-    <p:sldLayoutId id="2147484109" r:id="rId8"/>
-    <p:sldLayoutId id="2147484110" r:id="rId9"/>
-    <p:sldLayoutId id="2147484111" r:id="rId10"/>
-    <p:sldLayoutId id="2147484112" r:id="rId11"/>
+    <p:sldLayoutId id="2147484114" r:id="rId1"/>
+    <p:sldLayoutId id="2147484115" r:id="rId2"/>
+    <p:sldLayoutId id="2147484116" r:id="rId3"/>
+    <p:sldLayoutId id="2147484117" r:id="rId4"/>
+    <p:sldLayoutId id="2147484118" r:id="rId5"/>
+    <p:sldLayoutId id="2147484119" r:id="rId6"/>
+    <p:sldLayoutId id="2147484120" r:id="rId7"/>
+    <p:sldLayoutId id="2147484121" r:id="rId8"/>
+    <p:sldLayoutId id="2147484122" r:id="rId9"/>
+    <p:sldLayoutId id="2147484123" r:id="rId10"/>
+    <p:sldLayoutId id="2147484124" r:id="rId11"/>
   </p:sldLayoutIdLst>
   <p:txStyles>
     <p:titleStyle>
-      <a:lvl1pPr algn="l" defTabSz="4389120" rtl="0" eaLnBrk="1" latinLnBrk="0" hangingPunct="1">
+      <a:lvl1pPr algn="l" defTabSz="2926080" rtl="0" eaLnBrk="1" latinLnBrk="0" hangingPunct="1">
         <a:lnSpc>
           <a:spcPct val="90000"/>
         </a:lnSpc>
@@ -2692,7 +2701,7 @@
           <a:spcPct val="0"/>
         </a:spcBef>
         <a:buNone/>
-        <a:defRPr sz="21120" kern="1200">
+        <a:defRPr sz="14080" kern="1200">
           <a:solidFill>
             <a:schemeClr val="tx1"/>
           </a:solidFill>
@@ -2703,16 +2712,16 @@
       </a:lvl1pPr>
     </p:titleStyle>
     <p:bodyStyle>
-      <a:lvl1pPr marL="1097280" indent="-1097280" algn="l" defTabSz="4389120" rtl="0" eaLnBrk="1" latinLnBrk="0" hangingPunct="1">
+      <a:lvl1pPr marL="731520" indent="-731520" algn="l" defTabSz="2926080" rtl="0" eaLnBrk="1" latinLnBrk="0" hangingPunct="1">
         <a:lnSpc>
           <a:spcPct val="90000"/>
         </a:lnSpc>
         <a:spcBef>
-          <a:spcPts val="4800"/>
+          <a:spcPts val="3200"/>
         </a:spcBef>
         <a:buFont typeface="Arial" panose="020B0604020202020204" pitchFamily="34" charset="0"/>
         <a:buChar char="•"/>
-        <a:defRPr sz="13440" kern="1200">
+        <a:defRPr sz="8960" kern="1200">
           <a:solidFill>
             <a:schemeClr val="tx1"/>
           </a:solidFill>
@@ -2721,16 +2730,16 @@
           <a:cs typeface="+mn-cs"/>
         </a:defRPr>
       </a:lvl1pPr>
-      <a:lvl2pPr marL="3291840" indent="-1097280" algn="l" defTabSz="4389120" rtl="0" eaLnBrk="1" latinLnBrk="0" hangingPunct="1">
+      <a:lvl2pPr marL="2194560" indent="-731520" algn="l" defTabSz="2926080" rtl="0" eaLnBrk="1" latinLnBrk="0" hangingPunct="1">
         <a:lnSpc>
           <a:spcPct val="90000"/>
         </a:lnSpc>
         <a:spcBef>
-          <a:spcPts val="2400"/>
+          <a:spcPts val="1600"/>
         </a:spcBef>
         <a:buFont typeface="Arial" panose="020B0604020202020204" pitchFamily="34" charset="0"/>
         <a:buChar char="•"/>
-        <a:defRPr sz="11520" kern="1200">
+        <a:defRPr sz="7680" kern="1200">
           <a:solidFill>
             <a:schemeClr val="tx1"/>
           </a:solidFill>
@@ -2739,16 +2748,16 @@
           <a:cs typeface="+mn-cs"/>
         </a:defRPr>
       </a:lvl2pPr>
-      <a:lvl3pPr marL="5486400" indent="-1097280" algn="l" defTabSz="4389120" rtl="0" eaLnBrk="1" latinLnBrk="0" hangingPunct="1">
+      <a:lvl3pPr marL="3657600" indent="-731520" algn="l" defTabSz="2926080" rtl="0" eaLnBrk="1" latinLnBrk="0" hangingPunct="1">
         <a:lnSpc>
           <a:spcPct val="90000"/>
         </a:lnSpc>
         <a:spcBef>
-          <a:spcPts val="2400"/>
+          <a:spcPts val="1600"/>
         </a:spcBef>
         <a:buFont typeface="Arial" panose="020B0604020202020204" pitchFamily="34" charset="0"/>
         <a:buChar char="•"/>
-        <a:defRPr sz="9600" kern="1200">
+        <a:defRPr sz="6400" kern="1200">
           <a:solidFill>
             <a:schemeClr val="tx1"/>
           </a:solidFill>
@@ -2757,16 +2766,16 @@
           <a:cs typeface="+mn-cs"/>
         </a:defRPr>
       </a:lvl3pPr>
-      <a:lvl4pPr marL="7680960" indent="-1097280" algn="l" defTabSz="4389120" rtl="0" eaLnBrk="1" latinLnBrk="0" hangingPunct="1">
+      <a:lvl4pPr marL="5120640" indent="-731520" algn="l" defTabSz="2926080" rtl="0" eaLnBrk="1" latinLnBrk="0" hangingPunct="1">
         <a:lnSpc>
           <a:spcPct val="90000"/>
         </a:lnSpc>
         <a:spcBef>
-          <a:spcPts val="2400"/>
+          <a:spcPts val="1600"/>
         </a:spcBef>
         <a:buFont typeface="Arial" panose="020B0604020202020204" pitchFamily="34" charset="0"/>
         <a:buChar char="•"/>
-        <a:defRPr sz="8640" kern="1200">
+        <a:defRPr sz="5760" kern="1200">
           <a:solidFill>
             <a:schemeClr val="tx1"/>
           </a:solidFill>
@@ -2775,16 +2784,16 @@
           <a:cs typeface="+mn-cs"/>
         </a:defRPr>
       </a:lvl4pPr>
-      <a:lvl5pPr marL="9875520" indent="-1097280" algn="l" defTabSz="4389120" rtl="0" eaLnBrk="1" latinLnBrk="0" hangingPunct="1">
+      <a:lvl5pPr marL="6583680" indent="-731520" algn="l" defTabSz="2926080" rtl="0" eaLnBrk="1" latinLnBrk="0" hangingPunct="1">
         <a:lnSpc>
           <a:spcPct val="90000"/>
         </a:lnSpc>
         <a:spcBef>
-          <a:spcPts val="2400"/>
+          <a:spcPts val="1600"/>
         </a:spcBef>
         <a:buFont typeface="Arial" panose="020B0604020202020204" pitchFamily="34" charset="0"/>
         <a:buChar char="•"/>
-        <a:defRPr sz="8640" kern="1200">
+        <a:defRPr sz="5760" kern="1200">
           <a:solidFill>
             <a:schemeClr val="tx1"/>
           </a:solidFill>
@@ -2793,16 +2802,16 @@
           <a:cs typeface="+mn-cs"/>
         </a:defRPr>
       </a:lvl5pPr>
-      <a:lvl6pPr marL="12070080" indent="-1097280" algn="l" defTabSz="4389120" rtl="0" eaLnBrk="1" latinLnBrk="0" hangingPunct="1">
+      <a:lvl6pPr marL="8046720" indent="-731520" algn="l" defTabSz="2926080" rtl="0" eaLnBrk="1" latinLnBrk="0" hangingPunct="1">
         <a:lnSpc>
           <a:spcPct val="90000"/>
         </a:lnSpc>
         <a:spcBef>
-          <a:spcPts val="2400"/>
+          <a:spcPts val="1600"/>
         </a:spcBef>
         <a:buFont typeface="Arial" panose="020B0604020202020204" pitchFamily="34" charset="0"/>
         <a:buChar char="•"/>
-        <a:defRPr sz="8640" kern="1200">
+        <a:defRPr sz="5760" kern="1200">
           <a:solidFill>
             <a:schemeClr val="tx1"/>
           </a:solidFill>
@@ -2811,16 +2820,16 @@
           <a:cs typeface="+mn-cs"/>
         </a:defRPr>
       </a:lvl6pPr>
-      <a:lvl7pPr marL="14264640" indent="-1097280" algn="l" defTabSz="4389120" rtl="0" eaLnBrk="1" latinLnBrk="0" hangingPunct="1">
+      <a:lvl7pPr marL="9509760" indent="-731520" algn="l" defTabSz="2926080" rtl="0" eaLnBrk="1" latinLnBrk="0" hangingPunct="1">
         <a:lnSpc>
           <a:spcPct val="90000"/>
         </a:lnSpc>
         <a:spcBef>
-          <a:spcPts val="2400"/>
+          <a:spcPts val="1600"/>
         </a:spcBef>
         <a:buFont typeface="Arial" panose="020B0604020202020204" pitchFamily="34" charset="0"/>
         <a:buChar char="•"/>
-        <a:defRPr sz="8640" kern="1200">
+        <a:defRPr sz="5760" kern="1200">
           <a:solidFill>
             <a:schemeClr val="tx1"/>
           </a:solidFill>
@@ -2829,16 +2838,16 @@
           <a:cs typeface="+mn-cs"/>
         </a:defRPr>
       </a:lvl7pPr>
-      <a:lvl8pPr marL="16459200" indent="-1097280" algn="l" defTabSz="4389120" rtl="0" eaLnBrk="1" latinLnBrk="0" hangingPunct="1">
+      <a:lvl8pPr marL="10972800" indent="-731520" algn="l" defTabSz="2926080" rtl="0" eaLnBrk="1" latinLnBrk="0" hangingPunct="1">
         <a:lnSpc>
           <a:spcPct val="90000"/>
         </a:lnSpc>
         <a:spcBef>
-          <a:spcPts val="2400"/>
+          <a:spcPts val="1600"/>
         </a:spcBef>
         <a:buFont typeface="Arial" panose="020B0604020202020204" pitchFamily="34" charset="0"/>
         <a:buChar char="•"/>
-        <a:defRPr sz="8640" kern="1200">
+        <a:defRPr sz="5760" kern="1200">
           <a:solidFill>
             <a:schemeClr val="tx1"/>
           </a:solidFill>
@@ -2847,16 +2856,16 @@
           <a:cs typeface="+mn-cs"/>
         </a:defRPr>
       </a:lvl8pPr>
-      <a:lvl9pPr marL="18653760" indent="-1097280" algn="l" defTabSz="4389120" rtl="0" eaLnBrk="1" latinLnBrk="0" hangingPunct="1">
+      <a:lvl9pPr marL="12435840" indent="-731520" algn="l" defTabSz="2926080" rtl="0" eaLnBrk="1" latinLnBrk="0" hangingPunct="1">
         <a:lnSpc>
           <a:spcPct val="90000"/>
         </a:lnSpc>
         <a:spcBef>
-          <a:spcPts val="2400"/>
+          <a:spcPts val="1600"/>
         </a:spcBef>
         <a:buFont typeface="Arial" panose="020B0604020202020204" pitchFamily="34" charset="0"/>
         <a:buChar char="•"/>
-        <a:defRPr sz="8640" kern="1200">
+        <a:defRPr sz="5760" kern="1200">
           <a:solidFill>
             <a:schemeClr val="tx1"/>
           </a:solidFill>
@@ -2870,8 +2879,8 @@
       <a:defPPr>
         <a:defRPr lang="en-US"/>
       </a:defPPr>
-      <a:lvl1pPr marL="0" algn="l" defTabSz="4389120" rtl="0" eaLnBrk="1" latinLnBrk="0" hangingPunct="1">
-        <a:defRPr sz="8640" kern="1200">
+      <a:lvl1pPr marL="0" algn="l" defTabSz="2926080" rtl="0" eaLnBrk="1" latinLnBrk="0" hangingPunct="1">
+        <a:defRPr sz="5760" kern="1200">
           <a:solidFill>
             <a:schemeClr val="tx1"/>
           </a:solidFill>
@@ -2880,8 +2889,8 @@
           <a:cs typeface="+mn-cs"/>
         </a:defRPr>
       </a:lvl1pPr>
-      <a:lvl2pPr marL="2194560" algn="l" defTabSz="4389120" rtl="0" eaLnBrk="1" latinLnBrk="0" hangingPunct="1">
-        <a:defRPr sz="8640" kern="1200">
+      <a:lvl2pPr marL="1463040" algn="l" defTabSz="2926080" rtl="0" eaLnBrk="1" latinLnBrk="0" hangingPunct="1">
+        <a:defRPr sz="5760" kern="1200">
           <a:solidFill>
             <a:schemeClr val="tx1"/>
           </a:solidFill>
@@ -2890,8 +2899,8 @@
           <a:cs typeface="+mn-cs"/>
         </a:defRPr>
       </a:lvl2pPr>
-      <a:lvl3pPr marL="4389120" algn="l" defTabSz="4389120" rtl="0" eaLnBrk="1" latinLnBrk="0" hangingPunct="1">
-        <a:defRPr sz="8640" kern="1200">
+      <a:lvl3pPr marL="2926080" algn="l" defTabSz="2926080" rtl="0" eaLnBrk="1" latinLnBrk="0" hangingPunct="1">
+        <a:defRPr sz="5760" kern="1200">
           <a:solidFill>
             <a:schemeClr val="tx1"/>
           </a:solidFill>
@@ -2900,8 +2909,8 @@
           <a:cs typeface="+mn-cs"/>
         </a:defRPr>
       </a:lvl3pPr>
-      <a:lvl4pPr marL="6583680" algn="l" defTabSz="4389120" rtl="0" eaLnBrk="1" latinLnBrk="0" hangingPunct="1">
-        <a:defRPr sz="8640" kern="1200">
+      <a:lvl4pPr marL="4389120" algn="l" defTabSz="2926080" rtl="0" eaLnBrk="1" latinLnBrk="0" hangingPunct="1">
+        <a:defRPr sz="5760" kern="1200">
           <a:solidFill>
             <a:schemeClr val="tx1"/>
           </a:solidFill>
@@ -2910,8 +2919,8 @@
           <a:cs typeface="+mn-cs"/>
         </a:defRPr>
       </a:lvl4pPr>
-      <a:lvl5pPr marL="8778240" algn="l" defTabSz="4389120" rtl="0" eaLnBrk="1" latinLnBrk="0" hangingPunct="1">
-        <a:defRPr sz="8640" kern="1200">
+      <a:lvl5pPr marL="5852160" algn="l" defTabSz="2926080" rtl="0" eaLnBrk="1" latinLnBrk="0" hangingPunct="1">
+        <a:defRPr sz="5760" kern="1200">
           <a:solidFill>
             <a:schemeClr val="tx1"/>
           </a:solidFill>
@@ -2920,8 +2929,8 @@
           <a:cs typeface="+mn-cs"/>
         </a:defRPr>
       </a:lvl5pPr>
-      <a:lvl6pPr marL="10972800" algn="l" defTabSz="4389120" rtl="0" eaLnBrk="1" latinLnBrk="0" hangingPunct="1">
-        <a:defRPr sz="8640" kern="1200">
+      <a:lvl6pPr marL="7315200" algn="l" defTabSz="2926080" rtl="0" eaLnBrk="1" latinLnBrk="0" hangingPunct="1">
+        <a:defRPr sz="5760" kern="1200">
           <a:solidFill>
             <a:schemeClr val="tx1"/>
           </a:solidFill>
@@ -2930,8 +2939,8 @@
           <a:cs typeface="+mn-cs"/>
         </a:defRPr>
       </a:lvl6pPr>
-      <a:lvl7pPr marL="13167360" algn="l" defTabSz="4389120" rtl="0" eaLnBrk="1" latinLnBrk="0" hangingPunct="1">
-        <a:defRPr sz="8640" kern="1200">
+      <a:lvl7pPr marL="8778240" algn="l" defTabSz="2926080" rtl="0" eaLnBrk="1" latinLnBrk="0" hangingPunct="1">
+        <a:defRPr sz="5760" kern="1200">
           <a:solidFill>
             <a:schemeClr val="tx1"/>
           </a:solidFill>
@@ -2940,8 +2949,8 @@
           <a:cs typeface="+mn-cs"/>
         </a:defRPr>
       </a:lvl7pPr>
-      <a:lvl8pPr marL="15361920" algn="l" defTabSz="4389120" rtl="0" eaLnBrk="1" latinLnBrk="0" hangingPunct="1">
-        <a:defRPr sz="8640" kern="1200">
+      <a:lvl8pPr marL="10241280" algn="l" defTabSz="2926080" rtl="0" eaLnBrk="1" latinLnBrk="0" hangingPunct="1">
+        <a:defRPr sz="5760" kern="1200">
           <a:solidFill>
             <a:schemeClr val="tx1"/>
           </a:solidFill>
@@ -2950,8 +2959,8 @@
           <a:cs typeface="+mn-cs"/>
         </a:defRPr>
       </a:lvl8pPr>
-      <a:lvl9pPr marL="17556480" algn="l" defTabSz="4389120" rtl="0" eaLnBrk="1" latinLnBrk="0" hangingPunct="1">
-        <a:defRPr sz="8640" kern="1200">
+      <a:lvl9pPr marL="11704320" algn="l" defTabSz="2926080" rtl="0" eaLnBrk="1" latinLnBrk="0" hangingPunct="1">
+        <a:defRPr sz="5760" kern="1200">
           <a:solidFill>
             <a:schemeClr val="tx1"/>
           </a:solidFill>
@@ -2984,6 +2993,112 @@
       </p:grpSpPr>
       <p:sp>
         <p:nvSpPr>
+          <p:cNvPr id="90" name="Rectangle: Rounded Corners 89">
+            <a:extLst>
+              <a:ext uri="{FF2B5EF4-FFF2-40B4-BE49-F238E27FC236}">
+                <a16:creationId xmlns:a16="http://schemas.microsoft.com/office/drawing/2014/main" id="{B0438D6C-2E00-40A6-B9CE-1B88D6B14644}"/>
+              </a:ext>
+            </a:extLst>
+          </p:cNvPr>
+          <p:cNvSpPr/>
+          <p:nvPr/>
+        </p:nvSpPr>
+        <p:spPr>
+          <a:xfrm>
+            <a:off x="16571068" y="16874489"/>
+            <a:ext cx="5983983" cy="2141437"/>
+          </a:xfrm>
+          <a:prstGeom prst="roundRect">
+            <a:avLst/>
+          </a:prstGeom>
+          <a:solidFill>
+            <a:srgbClr val="99CCFF"/>
+          </a:solidFill>
+        </p:spPr>
+        <p:style>
+          <a:lnRef idx="1">
+            <a:schemeClr val="accent5"/>
+          </a:lnRef>
+          <a:fillRef idx="2">
+            <a:schemeClr val="accent5"/>
+          </a:fillRef>
+          <a:effectRef idx="1">
+            <a:schemeClr val="accent5"/>
+          </a:effectRef>
+          <a:fontRef idx="minor">
+            <a:schemeClr val="dk1"/>
+          </a:fontRef>
+        </p:style>
+        <p:txBody>
+          <a:bodyPr rtlCol="0" anchor="ctr"/>
+          <a:lstStyle/>
+          <a:p>
+            <a:pPr algn="ctr"/>
+            <a:endParaRPr lang="en-US">
+              <a:solidFill>
+                <a:schemeClr val="tx1"/>
+              </a:solidFill>
+              <a:latin typeface="Arial" panose="020B0604020202020204" pitchFamily="34" charset="0"/>
+              <a:cs typeface="Arial" panose="020B0604020202020204" pitchFamily="34" charset="0"/>
+            </a:endParaRPr>
+          </a:p>
+        </p:txBody>
+      </p:sp>
+      <p:sp>
+        <p:nvSpPr>
+          <p:cNvPr id="3" name="Rectangle: Rounded Corners 2">
+            <a:extLst>
+              <a:ext uri="{FF2B5EF4-FFF2-40B4-BE49-F238E27FC236}">
+                <a16:creationId xmlns:a16="http://schemas.microsoft.com/office/drawing/2014/main" id="{D4C7A37A-CACA-4CD6-8526-3888A9825463}"/>
+              </a:ext>
+            </a:extLst>
+          </p:cNvPr>
+          <p:cNvSpPr/>
+          <p:nvPr/>
+        </p:nvSpPr>
+        <p:spPr>
+          <a:xfrm>
+            <a:off x="10335749" y="16878726"/>
+            <a:ext cx="5875297" cy="2821862"/>
+          </a:xfrm>
+          <a:prstGeom prst="roundRect">
+            <a:avLst/>
+          </a:prstGeom>
+          <a:solidFill>
+            <a:srgbClr val="99CCFF"/>
+          </a:solidFill>
+        </p:spPr>
+        <p:style>
+          <a:lnRef idx="1">
+            <a:schemeClr val="accent5"/>
+          </a:lnRef>
+          <a:fillRef idx="2">
+            <a:schemeClr val="accent5"/>
+          </a:fillRef>
+          <a:effectRef idx="1">
+            <a:schemeClr val="accent5"/>
+          </a:effectRef>
+          <a:fontRef idx="minor">
+            <a:schemeClr val="dk1"/>
+          </a:fontRef>
+        </p:style>
+        <p:txBody>
+          <a:bodyPr rtlCol="0" anchor="ctr"/>
+          <a:lstStyle/>
+          <a:p>
+            <a:pPr algn="ctr"/>
+            <a:endParaRPr lang="en-US">
+              <a:solidFill>
+                <a:schemeClr val="tx1"/>
+              </a:solidFill>
+              <a:latin typeface="Arial" panose="020B0604020202020204" pitchFamily="34" charset="0"/>
+              <a:cs typeface="Arial" panose="020B0604020202020204" pitchFamily="34" charset="0"/>
+            </a:endParaRPr>
+          </a:p>
+        </p:txBody>
+      </p:sp>
+      <p:sp>
+        <p:nvSpPr>
           <p:cNvPr id="69" name="Rectangle: Rounded Corners 68">
             <a:extLst>
               <a:ext uri="{FF2B5EF4-FFF2-40B4-BE49-F238E27FC236}">
@@ -2996,8 +3111,8 @@
         </p:nvSpPr>
         <p:spPr>
           <a:xfrm>
-            <a:off x="0" y="78105"/>
-            <a:ext cx="43891200" cy="6284161"/>
+            <a:off x="0" y="-1251"/>
+            <a:ext cx="32918400" cy="4189441"/>
           </a:xfrm>
           <a:prstGeom prst="roundRect">
             <a:avLst>
@@ -3053,7 +3168,7 @@
           <a:lstStyle/>
           <a:p>
             <a:pPr algn="ctr"/>
-            <a:endParaRPr lang="en-US" sz="5867" b="1" dirty="0">
+            <a:endParaRPr lang="en-US" sz="3912" b="1" dirty="0">
               <a:solidFill>
                 <a:schemeClr val="tx1"/>
               </a:solidFill>
@@ -3077,8 +3192,8 @@
         </p:nvSpPr>
         <p:spPr>
           <a:xfrm>
-            <a:off x="609601" y="32897"/>
-            <a:ext cx="42671999" cy="6820713"/>
+            <a:off x="2235202" y="-113536"/>
+            <a:ext cx="28447999" cy="4731808"/>
           </a:xfrm>
           <a:prstGeom prst="rect">
             <a:avLst/>
@@ -3091,7 +3206,7 @@
           <a:lstStyle/>
           <a:p>
             <a:pPr algn="ctr"/>
-            <a:endParaRPr lang="en-US" sz="4400" b="1" dirty="0">
+            <a:endParaRPr lang="en-US" sz="2933" b="1" dirty="0">
               <a:latin typeface="Arial" panose="020B0604020202020204" pitchFamily="34" charset="0"/>
               <a:cs typeface="Arial" panose="020B0604020202020204" pitchFamily="34" charset="0"/>
             </a:endParaRPr>
@@ -3099,144 +3214,178 @@
           <a:p>
             <a:pPr algn="ctr"/>
             <a:r>
-              <a:rPr lang="en-US" sz="8800" b="1" dirty="0">
-                <a:latin typeface="Arial" panose="020B0604020202020204" pitchFamily="34" charset="0"/>
-                <a:cs typeface="Arial" panose="020B0604020202020204" pitchFamily="34" charset="0"/>
-              </a:rPr>
-              <a:t>Applied Machine Learning Image Classification </a:t>
+              <a:rPr lang="en-US" sz="6000" b="1" dirty="0">
+                <a:latin typeface="Arial" panose="020B0604020202020204" pitchFamily="34" charset="0"/>
+                <a:cs typeface="Arial" panose="020B0604020202020204" pitchFamily="34" charset="0"/>
+              </a:rPr>
+              <a:t>Image Classification of Dewetting Microscopy</a:t>
             </a:r>
           </a:p>
           <a:p>
             <a:pPr algn="ctr"/>
             <a:r>
-              <a:rPr lang="en-US" sz="8800" b="1" dirty="0">
-                <a:latin typeface="Arial" panose="020B0604020202020204" pitchFamily="34" charset="0"/>
-                <a:cs typeface="Arial" panose="020B0604020202020204" pitchFamily="34" charset="0"/>
-              </a:rPr>
-              <a:t>for </a:t>
-            </a:r>
-            <a:r>
-              <a:rPr lang="en-US" sz="8800" b="1" dirty="0" err="1">
-                <a:latin typeface="Arial" panose="020B0604020202020204" pitchFamily="34" charset="0"/>
-                <a:cs typeface="Arial" panose="020B0604020202020204" pitchFamily="34" charset="0"/>
-              </a:rPr>
-              <a:t>Dewetting</a:t>
-            </a:r>
-            <a:r>
-              <a:rPr lang="en-US" sz="8800" b="1" dirty="0">
-                <a:latin typeface="Arial" panose="020B0604020202020204" pitchFamily="34" charset="0"/>
-                <a:cs typeface="Arial" panose="020B0604020202020204" pitchFamily="34" charset="0"/>
-              </a:rPr>
-              <a:t> Microscopy</a:t>
-            </a:r>
-            <a:endParaRPr lang="en-US" sz="8800" dirty="0"/>
+              <a:rPr lang="en-US" sz="6000" b="1" dirty="0">
+                <a:latin typeface="Arial" panose="020B0604020202020204" pitchFamily="34" charset="0"/>
+                <a:cs typeface="Arial" panose="020B0604020202020204" pitchFamily="34" charset="0"/>
+              </a:rPr>
+              <a:t>Using Artificial Neural Networks</a:t>
+            </a:r>
+            <a:endParaRPr lang="en-US" sz="6000" dirty="0">
+              <a:latin typeface="Arial" panose="020B0604020202020204" pitchFamily="34" charset="0"/>
+              <a:cs typeface="Arial" panose="020B0604020202020204" pitchFamily="34" charset="0"/>
+            </a:endParaRPr>
           </a:p>
           <a:p>
             <a:pPr algn="ctr"/>
-            <a:endParaRPr lang="en-US" sz="3733" baseline="30000" dirty="0"/>
+            <a:endParaRPr lang="en-US" sz="2489" baseline="30000" dirty="0">
+              <a:latin typeface="Arial" panose="020B0604020202020204" pitchFamily="34" charset="0"/>
+              <a:cs typeface="Arial" panose="020B0604020202020204" pitchFamily="34" charset="0"/>
+            </a:endParaRPr>
           </a:p>
           <a:p>
             <a:pPr algn="ctr"/>
             <a:r>
-              <a:rPr lang="en-US" sz="5500" baseline="30000" dirty="0"/>
+              <a:rPr lang="en-US" sz="4000" baseline="30000" dirty="0">
+                <a:latin typeface="Arial" panose="020B0604020202020204" pitchFamily="34" charset="0"/>
+                <a:cs typeface="Arial" panose="020B0604020202020204" pitchFamily="34" charset="0"/>
+              </a:rPr>
               <a:t>1 </a:t>
             </a:r>
             <a:r>
-              <a:rPr lang="en-US" sz="5500" dirty="0"/>
+              <a:rPr lang="en-US" sz="4000" dirty="0">
+                <a:latin typeface="Arial" panose="020B0604020202020204" pitchFamily="34" charset="0"/>
+                <a:cs typeface="Arial" panose="020B0604020202020204" pitchFamily="34" charset="0"/>
+              </a:rPr>
               <a:t>Kim C, </a:t>
             </a:r>
             <a:r>
-              <a:rPr lang="en-US" sz="5500" baseline="30000" dirty="0"/>
+              <a:rPr lang="en-US" sz="4000" baseline="30000" dirty="0">
+                <a:latin typeface="Arial" panose="020B0604020202020204" pitchFamily="34" charset="0"/>
+                <a:cs typeface="Arial" panose="020B0604020202020204" pitchFamily="34" charset="0"/>
+              </a:rPr>
               <a:t>2 </a:t>
             </a:r>
             <a:r>
-              <a:rPr lang="en-US" sz="5500" dirty="0"/>
+              <a:rPr lang="en-US" sz="4000" dirty="0">
+                <a:latin typeface="Arial" panose="020B0604020202020204" pitchFamily="34" charset="0"/>
+                <a:cs typeface="Arial" panose="020B0604020202020204" pitchFamily="34" charset="0"/>
+              </a:rPr>
               <a:t>Sutrisno R, </a:t>
             </a:r>
             <a:r>
-              <a:rPr lang="en-US" sz="5500" baseline="30000" dirty="0"/>
+              <a:rPr lang="en-US" sz="4000" baseline="30000" dirty="0">
+                <a:latin typeface="Arial" panose="020B0604020202020204" pitchFamily="34" charset="0"/>
+                <a:cs typeface="Arial" panose="020B0604020202020204" pitchFamily="34" charset="0"/>
+              </a:rPr>
               <a:t>3 </a:t>
             </a:r>
             <a:r>
-              <a:rPr lang="en-US" sz="5500" dirty="0"/>
+              <a:rPr lang="en-US" sz="4000" dirty="0">
+                <a:latin typeface="Arial" panose="020B0604020202020204" pitchFamily="34" charset="0"/>
+                <a:cs typeface="Arial" panose="020B0604020202020204" pitchFamily="34" charset="0"/>
+              </a:rPr>
               <a:t>Chua K, </a:t>
             </a:r>
             <a:r>
-              <a:rPr lang="en-US" sz="5500" baseline="30000" dirty="0"/>
+              <a:rPr lang="en-US" sz="4000" baseline="30000" dirty="0">
+                <a:latin typeface="Arial" panose="020B0604020202020204" pitchFamily="34" charset="0"/>
+                <a:cs typeface="Arial" panose="020B0604020202020204" pitchFamily="34" charset="0"/>
+              </a:rPr>
               <a:t>4 </a:t>
             </a:r>
             <a:r>
-              <a:rPr lang="en-US" sz="5500" dirty="0"/>
+              <a:rPr lang="en-US" sz="4000" dirty="0">
+                <a:latin typeface="Arial" panose="020B0604020202020204" pitchFamily="34" charset="0"/>
+                <a:cs typeface="Arial" panose="020B0604020202020204" pitchFamily="34" charset="0"/>
+              </a:rPr>
               <a:t>Karim A, </a:t>
             </a:r>
             <a:r>
-              <a:rPr lang="en-US" sz="5500" baseline="30000" dirty="0"/>
-              <a:t>5 </a:t>
-            </a:r>
-            <a:r>
-              <a:rPr lang="en-US" sz="5500" dirty="0"/>
+              <a:rPr lang="en-US" sz="4000" baseline="30000" dirty="0">
+                <a:latin typeface="Arial" panose="020B0604020202020204" pitchFamily="34" charset="0"/>
+                <a:cs typeface="Arial" panose="020B0604020202020204" pitchFamily="34" charset="0"/>
+              </a:rPr>
+              <a:t>2 </a:t>
+            </a:r>
+            <a:r>
+              <a:rPr lang="en-US" sz="4000" dirty="0">
+                <a:latin typeface="Arial" panose="020B0604020202020204" pitchFamily="34" charset="0"/>
+                <a:cs typeface="Arial" panose="020B0604020202020204" pitchFamily="34" charset="0"/>
+              </a:rPr>
               <a:t>Toti G</a:t>
             </a:r>
           </a:p>
           <a:p>
             <a:pPr algn="ctr"/>
             <a:r>
-              <a:rPr lang="en-US" sz="4000" baseline="30000" dirty="0"/>
+              <a:rPr lang="en-US" sz="3000" baseline="30000" dirty="0">
+                <a:latin typeface="Arial" panose="020B0604020202020204" pitchFamily="34" charset="0"/>
+                <a:cs typeface="Arial" panose="020B0604020202020204" pitchFamily="34" charset="0"/>
+              </a:rPr>
               <a:t>1 </a:t>
             </a:r>
             <a:r>
-              <a:rPr lang="en-US" sz="4000" dirty="0"/>
+              <a:rPr lang="en-US" sz="3000" dirty="0">
+                <a:latin typeface="Arial" panose="020B0604020202020204" pitchFamily="34" charset="0"/>
+                <a:cs typeface="Arial" panose="020B0604020202020204" pitchFamily="34" charset="0"/>
+              </a:rPr>
               <a:t>Brown University, Providence, RI; </a:t>
             </a:r>
             <a:r>
-              <a:rPr lang="en-US" sz="4000" baseline="30000" dirty="0"/>
+              <a:rPr lang="en-US" sz="3000" baseline="30000" dirty="0">
+                <a:latin typeface="Arial" panose="020B0604020202020204" pitchFamily="34" charset="0"/>
+                <a:cs typeface="Arial" panose="020B0604020202020204" pitchFamily="34" charset="0"/>
+              </a:rPr>
               <a:t>2 </a:t>
             </a:r>
             <a:r>
-              <a:rPr lang="en-US" sz="4000" dirty="0"/>
-              <a:t>University of Houston, Houston, TX; </a:t>
-            </a:r>
-            <a:r>
-              <a:rPr lang="en-US" sz="4000" baseline="30000" dirty="0"/>
+              <a:rPr lang="en-US" sz="3000" dirty="0">
+                <a:latin typeface="Arial" panose="020B0604020202020204" pitchFamily="34" charset="0"/>
+                <a:cs typeface="Arial" panose="020B0604020202020204" pitchFamily="34" charset="0"/>
+              </a:rPr>
+              <a:t>Department of Computer Science, University of Houston, Houston, TX;</a:t>
+            </a:r>
+          </a:p>
+          <a:p>
+            <a:pPr algn="ctr"/>
+            <a:r>
+              <a:rPr lang="en-US" sz="3000" baseline="30000" dirty="0">
+                <a:latin typeface="Arial" panose="020B0604020202020204" pitchFamily="34" charset="0"/>
+                <a:cs typeface="Arial" panose="020B0604020202020204" pitchFamily="34" charset="0"/>
+              </a:rPr>
               <a:t>3</a:t>
             </a:r>
             <a:r>
-              <a:rPr lang="en-US" sz="4000" dirty="0"/>
+              <a:rPr lang="en-US" sz="3000" dirty="0">
+                <a:latin typeface="Arial" panose="020B0604020202020204" pitchFamily="34" charset="0"/>
+                <a:cs typeface="Arial" panose="020B0604020202020204" pitchFamily="34" charset="0"/>
+              </a:rPr>
               <a:t>Cornell University, Ithaca, NY; </a:t>
             </a:r>
             <a:r>
-              <a:rPr lang="en-US" sz="4000" baseline="30000" dirty="0"/>
+              <a:rPr lang="en-US" sz="3000" baseline="30000" dirty="0">
+                <a:latin typeface="Arial" panose="020B0604020202020204" pitchFamily="34" charset="0"/>
+                <a:cs typeface="Arial" panose="020B0604020202020204" pitchFamily="34" charset="0"/>
+              </a:rPr>
               <a:t>4</a:t>
             </a:r>
             <a:r>
-              <a:rPr lang="en-US" sz="4000" dirty="0"/>
-              <a:t> Department of </a:t>
-            </a:r>
-          </a:p>
-          <a:p>
-            <a:pPr algn="ctr"/>
-            <a:r>
-              <a:rPr lang="en-US" sz="4000" dirty="0"/>
-              <a:t>Chemical and Biomolecular Engineering, University of Houston;</a:t>
-            </a:r>
-            <a:r>
-              <a:rPr lang="en-US" sz="4000" baseline="30000" dirty="0"/>
-              <a:t> 5</a:t>
-            </a:r>
-            <a:r>
-              <a:rPr lang="en-US" sz="4000" dirty="0"/>
-              <a:t> Department of Computer Science, University of Houston  </a:t>
+              <a:rPr lang="en-US" sz="3000" dirty="0">
+                <a:latin typeface="Arial" panose="020B0604020202020204" pitchFamily="34" charset="0"/>
+                <a:cs typeface="Arial" panose="020B0604020202020204" pitchFamily="34" charset="0"/>
+              </a:rPr>
+              <a:t> Department of Chemical and Biomolecular Engineering, University of Houston</a:t>
             </a:r>
           </a:p>
           <a:p>
             <a:pPr algn="ctr"/>
             <a:br>
-              <a:rPr lang="en-US" sz="2667" dirty="0">
+              <a:rPr lang="en-US" sz="1778" dirty="0">
                 <a:latin typeface="Arial" panose="020B0604020202020204" pitchFamily="34" charset="0"/>
                 <a:cs typeface="Arial" panose="020B0604020202020204" pitchFamily="34" charset="0"/>
               </a:rPr>
             </a:br>
-            <a:endParaRPr lang="en-US" sz="2667" dirty="0">
+            <a:endParaRPr lang="en-US" sz="1778" dirty="0">
               <a:latin typeface="Arial" panose="020B0604020202020204" pitchFamily="34" charset="0"/>
               <a:cs typeface="Arial" panose="020B0604020202020204" pitchFamily="34" charset="0"/>
             </a:endParaRPr>
@@ -3257,8 +3406,8 @@
         </p:nvSpPr>
         <p:spPr>
           <a:xfrm>
-            <a:off x="609601" y="6934811"/>
-            <a:ext cx="12562253" cy="1280160"/>
+            <a:off x="223186" y="4420270"/>
+            <a:ext cx="9689683" cy="914400"/>
           </a:xfrm>
           <a:prstGeom prst="roundRect">
             <a:avLst>
@@ -3317,14 +3466,14 @@
           <a:p>
             <a:pPr algn="ctr"/>
             <a:r>
-              <a:rPr lang="en-US" sz="5867" b="1" dirty="0">
+              <a:rPr lang="en-US" sz="4000" b="1" dirty="0">
                 <a:solidFill>
                   <a:schemeClr val="tx1"/>
                 </a:solidFill>
                 <a:latin typeface="Arial" panose="020B0604020202020204" pitchFamily="34" charset="0"/>
                 <a:cs typeface="Arial" panose="020B0604020202020204" pitchFamily="34" charset="0"/>
               </a:rPr>
-              <a:t>BACKGROUND</a:t>
+              <a:t>ABSTRACT</a:t>
             </a:r>
           </a:p>
         </p:txBody>
@@ -3343,8 +3492,8 @@
         </p:nvSpPr>
         <p:spPr>
           <a:xfrm>
-            <a:off x="751840" y="16511041"/>
-            <a:ext cx="12562253" cy="1371600"/>
+            <a:off x="250390" y="10564438"/>
+            <a:ext cx="9628612" cy="914400"/>
           </a:xfrm>
           <a:prstGeom prst="roundRect">
             <a:avLst>
@@ -3403,14 +3552,14 @@
           <a:p>
             <a:pPr algn="ctr"/>
             <a:r>
-              <a:rPr lang="en-US" sz="5867" b="1" dirty="0">
+              <a:rPr lang="en-US" sz="4000" b="1" dirty="0">
                 <a:solidFill>
                   <a:schemeClr val="tx1"/>
                 </a:solidFill>
                 <a:latin typeface="Arial" panose="020B0604020202020204" pitchFamily="34" charset="0"/>
                 <a:cs typeface="Arial" panose="020B0604020202020204" pitchFamily="34" charset="0"/>
               </a:rPr>
-              <a:t>OBJECTIVES</a:t>
+              <a:t>BACKGROUND</a:t>
             </a:r>
           </a:p>
         </p:txBody>
@@ -3435,8 +3584,8 @@
         </p:blipFill>
         <p:spPr>
           <a:xfrm>
-            <a:off x="36740657" y="22599916"/>
-            <a:ext cx="142240" cy="451049"/>
+            <a:off x="26322573" y="13085413"/>
+            <a:ext cx="94827" cy="300699"/>
           </a:xfrm>
           <a:prstGeom prst="rect">
             <a:avLst/>
@@ -3457,8 +3606,8 @@
         </p:nvSpPr>
         <p:spPr>
           <a:xfrm>
-            <a:off x="36740658" y="22609262"/>
-            <a:ext cx="119397" cy="311501"/>
+            <a:off x="26322574" y="13091645"/>
+            <a:ext cx="79598" cy="207667"/>
           </a:xfrm>
           <a:prstGeom prst="rect">
             <a:avLst/>
@@ -3478,26 +3627,21 @@
                 <a:spcPct val="107000"/>
               </a:lnSpc>
               <a:spcAft>
-                <a:spcPts val="1067"/>
+                <a:spcPts val="711"/>
               </a:spcAft>
             </a:pPr>
             <a:r>
-              <a:rPr lang="en-US" sz="1467" dirty="0">
-                <a:solidFill>
-                  <a:srgbClr val="000000"/>
-                </a:solidFill>
-                <a:latin typeface="Georgia" panose="02040502050405020303" pitchFamily="18" charset="0"/>
+              <a:rPr lang="en-US" sz="978" dirty="0">
+                <a:latin typeface="Arial" panose="020B0604020202020204" pitchFamily="34" charset="0"/>
                 <a:ea typeface="Georgia" panose="02040502050405020303" pitchFamily="18" charset="0"/>
-                <a:cs typeface="Georgia" panose="02040502050405020303" pitchFamily="18" charset="0"/>
+                <a:cs typeface="Arial" panose="020B0604020202020204" pitchFamily="34" charset="0"/>
               </a:rPr>
               <a:t>  </a:t>
             </a:r>
-            <a:endParaRPr lang="en-US" sz="1600" dirty="0">
-              <a:solidFill>
-                <a:srgbClr val="000000"/>
-              </a:solidFill>
-              <a:latin typeface="Times New Roman" panose="02020603050405020304" pitchFamily="18" charset="0"/>
+            <a:endParaRPr lang="en-US" sz="1067" dirty="0">
+              <a:latin typeface="Arial" panose="020B0604020202020204" pitchFamily="34" charset="0"/>
               <a:ea typeface="Times New Roman" panose="02020603050405020304" pitchFamily="18" charset="0"/>
+              <a:cs typeface="Arial" panose="020B0604020202020204" pitchFamily="34" charset="0"/>
             </a:endParaRPr>
           </a:p>
         </p:txBody>
@@ -3516,8 +3660,8 @@
         </p:nvSpPr>
         <p:spPr>
           <a:xfrm>
-            <a:off x="36830066" y="22593820"/>
-            <a:ext cx="65189" cy="338589"/>
+            <a:off x="26382181" y="13081349"/>
+            <a:ext cx="43459" cy="225726"/>
           </a:xfrm>
           <a:prstGeom prst="rect">
             <a:avLst/>
@@ -3537,26 +3681,21 @@
                 <a:spcPct val="107000"/>
               </a:lnSpc>
               <a:spcAft>
-                <a:spcPts val="1067"/>
+                <a:spcPts val="711"/>
               </a:spcAft>
             </a:pPr>
             <a:r>
-              <a:rPr lang="en-US" sz="1600" dirty="0">
-                <a:solidFill>
-                  <a:srgbClr val="000000"/>
-                </a:solidFill>
-                <a:latin typeface="Georgia" panose="02040502050405020303" pitchFamily="18" charset="0"/>
+              <a:rPr lang="en-US" sz="1067" dirty="0">
+                <a:latin typeface="Arial" panose="020B0604020202020204" pitchFamily="34" charset="0"/>
                 <a:ea typeface="Georgia" panose="02040502050405020303" pitchFamily="18" charset="0"/>
-                <a:cs typeface="Georgia" panose="02040502050405020303" pitchFamily="18" charset="0"/>
+                <a:cs typeface="Arial" panose="020B0604020202020204" pitchFamily="34" charset="0"/>
               </a:rPr>
               <a:t> </a:t>
             </a:r>
-            <a:endParaRPr lang="en-US" sz="1600" dirty="0">
-              <a:solidFill>
-                <a:srgbClr val="000000"/>
-              </a:solidFill>
-              <a:latin typeface="Times New Roman" panose="02020603050405020304" pitchFamily="18" charset="0"/>
+            <a:endParaRPr lang="en-US" sz="1067" dirty="0">
+              <a:latin typeface="Arial" panose="020B0604020202020204" pitchFamily="34" charset="0"/>
               <a:ea typeface="Times New Roman" panose="02020603050405020304" pitchFamily="18" charset="0"/>
+              <a:cs typeface="Arial" panose="020B0604020202020204" pitchFamily="34" charset="0"/>
             </a:endParaRPr>
           </a:p>
         </p:txBody>
@@ -3575,8 +3714,8 @@
         </p:nvSpPr>
         <p:spPr>
           <a:xfrm>
-            <a:off x="30719347" y="6934811"/>
-            <a:ext cx="12745073" cy="1371600"/>
+            <a:off x="23151831" y="4420270"/>
+            <a:ext cx="9532014" cy="914400"/>
           </a:xfrm>
           <a:prstGeom prst="roundRect">
             <a:avLst>
@@ -3635,14 +3774,14 @@
           <a:p>
             <a:pPr algn="ctr"/>
             <a:r>
-              <a:rPr lang="en-US" sz="5867" b="1" dirty="0">
+              <a:rPr lang="en-US" sz="4000" b="1" dirty="0">
                 <a:solidFill>
                   <a:schemeClr val="tx1"/>
                 </a:solidFill>
                 <a:latin typeface="Arial" panose="020B0604020202020204" pitchFamily="34" charset="0"/>
                 <a:cs typeface="Arial" panose="020B0604020202020204" pitchFamily="34" charset="0"/>
               </a:rPr>
-              <a:t>DISCUSSION</a:t>
+              <a:t>RESULTS</a:t>
             </a:r>
           </a:p>
         </p:txBody>
@@ -3661,8 +3800,8 @@
         </p:nvSpPr>
         <p:spPr>
           <a:xfrm>
-            <a:off x="13548007" y="28283740"/>
-            <a:ext cx="16627191" cy="1280160"/>
+            <a:off x="23159981" y="15166242"/>
+            <a:ext cx="9532014" cy="914400"/>
           </a:xfrm>
           <a:prstGeom prst="roundRect">
             <a:avLst>
@@ -3721,7 +3860,7 @@
           <a:p>
             <a:pPr algn="ctr"/>
             <a:r>
-              <a:rPr lang="en-US" sz="5867" b="1" dirty="0">
+              <a:rPr lang="en-US" sz="4000" b="1" dirty="0">
                 <a:solidFill>
                   <a:schemeClr val="tx1"/>
                 </a:solidFill>
@@ -3747,8 +3886,8 @@
         </p:nvSpPr>
         <p:spPr>
           <a:xfrm>
-            <a:off x="30719347" y="14968492"/>
-            <a:ext cx="12562252" cy="1371600"/>
+            <a:off x="23159981" y="11745775"/>
+            <a:ext cx="9532014" cy="914400"/>
           </a:xfrm>
           <a:prstGeom prst="roundRect">
             <a:avLst>
@@ -3807,14 +3946,14 @@
           <a:p>
             <a:pPr algn="ctr"/>
             <a:r>
-              <a:rPr lang="en-US" sz="5867" b="1" dirty="0">
+              <a:rPr lang="en-US" sz="4000" b="1" dirty="0">
                 <a:solidFill>
                   <a:schemeClr val="tx1"/>
                 </a:solidFill>
                 <a:latin typeface="Arial" panose="020B0604020202020204" pitchFamily="34" charset="0"/>
                 <a:cs typeface="Arial" panose="020B0604020202020204" pitchFamily="34" charset="0"/>
               </a:rPr>
-              <a:t>CONCLUSION</a:t>
+              <a:t>CONCLUSIONS</a:t>
             </a:r>
           </a:p>
         </p:txBody>
@@ -3850,8 +3989,8 @@
         </p:blipFill>
         <p:spPr>
           <a:xfrm>
-            <a:off x="1214385" y="1697080"/>
-            <a:ext cx="3457681" cy="3457681"/>
+            <a:off x="778934" y="1061421"/>
+            <a:ext cx="2099732" cy="2099732"/>
           </a:xfrm>
           <a:prstGeom prst="rect">
             <a:avLst/>
@@ -3887,8 +4026,8 @@
         </p:blipFill>
         <p:spPr bwMode="auto">
           <a:xfrm>
-            <a:off x="39638445" y="1691005"/>
-            <a:ext cx="3038370" cy="3058360"/>
+            <a:off x="29783446" y="655303"/>
+            <a:ext cx="2612314" cy="2629500"/>
           </a:xfrm>
           <a:prstGeom prst="rect">
             <a:avLst/>
@@ -3933,8 +4072,8 @@
         </p:blipFill>
         <p:spPr>
           <a:xfrm>
-            <a:off x="6974369" y="27176277"/>
-            <a:ext cx="5775008" cy="4297680"/>
+            <a:off x="5084072" y="18163537"/>
+            <a:ext cx="4054793" cy="3017520"/>
           </a:xfrm>
           <a:prstGeom prst="rect">
             <a:avLst/>
@@ -3969,8 +4108,8 @@
         </p:blipFill>
         <p:spPr>
           <a:xfrm>
-            <a:off x="792903" y="27176277"/>
-            <a:ext cx="5775008" cy="4297680"/>
+            <a:off x="861865" y="18146154"/>
+            <a:ext cx="4054793" cy="3017520"/>
           </a:xfrm>
           <a:prstGeom prst="rect">
             <a:avLst/>
@@ -4005,8 +4144,8 @@
         </p:blipFill>
         <p:spPr>
           <a:xfrm>
-            <a:off x="782591" y="22557974"/>
-            <a:ext cx="5775008" cy="4297680"/>
+            <a:off x="861865" y="15011698"/>
+            <a:ext cx="4054793" cy="3017520"/>
           </a:xfrm>
           <a:prstGeom prst="rect">
             <a:avLst/>
@@ -4041,80 +4180,14 @@
         </p:blipFill>
         <p:spPr>
           <a:xfrm>
-            <a:off x="6974369" y="22557974"/>
-            <a:ext cx="5775008" cy="4297680"/>
+            <a:off x="5084072" y="15011698"/>
+            <a:ext cx="4054793" cy="3017520"/>
           </a:xfrm>
           <a:prstGeom prst="rect">
             <a:avLst/>
           </a:prstGeom>
         </p:spPr>
       </p:pic>
-      <p:sp>
-        <p:nvSpPr>
-          <p:cNvPr id="19" name="Rectangle 18">
-            <a:extLst>
-              <a:ext uri="{FF2B5EF4-FFF2-40B4-BE49-F238E27FC236}">
-                <a16:creationId xmlns:a16="http://schemas.microsoft.com/office/drawing/2014/main" id="{8241A758-E773-4275-BA48-478CDDCC2B11}"/>
-              </a:ext>
-            </a:extLst>
-          </p:cNvPr>
-          <p:cNvSpPr/>
-          <p:nvPr/>
-        </p:nvSpPr>
-        <p:spPr>
-          <a:xfrm>
-            <a:off x="609601" y="8559010"/>
-            <a:ext cx="12562253" cy="7478970"/>
-          </a:xfrm>
-          <a:prstGeom prst="rect">
-            <a:avLst/>
-          </a:prstGeom>
-        </p:spPr>
-        <p:txBody>
-          <a:bodyPr wrap="square">
-            <a:spAutoFit/>
-          </a:bodyPr>
-          <a:lstStyle/>
-          <a:p>
-            <a:pPr algn="just"/>
-            <a:r>
-              <a:rPr lang="en-US" sz="4000" dirty="0">
-                <a:latin typeface="Arial" panose="020B0604020202020204" pitchFamily="34" charset="0"/>
-                <a:cs typeface="Arial" panose="020B0604020202020204" pitchFamily="34" charset="0"/>
-              </a:rPr>
-              <a:t>With the increasing usage of thin polymer film coatings in industrial applications, there exists a need for a theoretical framework which models the stability of these coatings with respect to certain thermodynamic hyperparameters. Contemporary approaches to model these relations institute a combinatorial approach to exploring the hyperparameter space and quantifying the degree of </a:t>
-            </a:r>
-            <a:r>
-              <a:rPr lang="en-US" sz="4000" dirty="0" err="1">
-                <a:latin typeface="Arial" panose="020B0604020202020204" pitchFamily="34" charset="0"/>
-                <a:cs typeface="Arial" panose="020B0604020202020204" pitchFamily="34" charset="0"/>
-              </a:rPr>
-              <a:t>dewetting</a:t>
-            </a:r>
-            <a:r>
-              <a:rPr lang="en-US" sz="4000" dirty="0">
-                <a:latin typeface="Arial" panose="020B0604020202020204" pitchFamily="34" charset="0"/>
-                <a:cs typeface="Arial" panose="020B0604020202020204" pitchFamily="34" charset="0"/>
-              </a:rPr>
-              <a:t> manually. To expedite this process, we look at techniques in image processing for feature extraction to use in a machine learning model for classification of </a:t>
-            </a:r>
-            <a:r>
-              <a:rPr lang="en-US" sz="4000" dirty="0" err="1">
-                <a:latin typeface="Arial" panose="020B0604020202020204" pitchFamily="34" charset="0"/>
-                <a:cs typeface="Arial" panose="020B0604020202020204" pitchFamily="34" charset="0"/>
-              </a:rPr>
-              <a:t>dewetting</a:t>
-            </a:r>
-            <a:r>
-              <a:rPr lang="en-US" sz="4000" dirty="0">
-                <a:latin typeface="Arial" panose="020B0604020202020204" pitchFamily="34" charset="0"/>
-                <a:cs typeface="Arial" panose="020B0604020202020204" pitchFamily="34" charset="0"/>
-              </a:rPr>
-              <a:t> stages based off of optical and spectral microcopy.</a:t>
-            </a:r>
-          </a:p>
-        </p:txBody>
-      </p:sp>
       <p:sp>
         <p:nvSpPr>
           <p:cNvPr id="22" name="Rectangle 21">
@@ -4129,12 +4202,17 @@
         </p:nvSpPr>
         <p:spPr>
           <a:xfrm>
-            <a:off x="599740" y="18200214"/>
-            <a:ext cx="12172940" cy="3939540"/>
+            <a:off x="64772" y="11585737"/>
+            <a:ext cx="9785119" cy="3211135"/>
           </a:xfrm>
           <a:prstGeom prst="rect">
             <a:avLst/>
           </a:prstGeom>
+          <a:ln>
+            <a:solidFill>
+              <a:schemeClr val="bg1"/>
+            </a:solidFill>
+          </a:ln>
         </p:spPr>
         <p:txBody>
           <a:bodyPr wrap="square">
@@ -4142,65 +4220,51 @@
           </a:bodyPr>
           <a:lstStyle/>
           <a:p>
-            <a:pPr marL="742950" indent="-742950" algn="just">
+            <a:pPr marL="279400" indent="-279400" algn="just">
               <a:spcAft>
-                <a:spcPts val="600"/>
+                <a:spcPts val="400"/>
               </a:spcAft>
-              <a:buFont typeface="+mj-lt"/>
-              <a:buAutoNum type="arabicPeriod"/>
+              <a:buFont typeface="Arial" panose="020B0604020202020204" pitchFamily="34" charset="0"/>
+              <a:buChar char="•"/>
             </a:pPr>
             <a:r>
-              <a:rPr lang="en-US" sz="4000" dirty="0">
-                <a:latin typeface="Arial" panose="020B0604020202020204" pitchFamily="34" charset="0"/>
-                <a:cs typeface="Arial" panose="020B0604020202020204" pitchFamily="34" charset="0"/>
-              </a:rPr>
-              <a:t>Extract independent features from microscopy images using image processing techniques</a:t>
-            </a:r>
-          </a:p>
-          <a:p>
-            <a:pPr marL="742950" indent="-742950" algn="just">
+              <a:rPr lang="en-US" sz="2800" dirty="0">
+                <a:latin typeface="Arial" panose="020B0604020202020204" pitchFamily="34" charset="0"/>
+                <a:cs typeface="Arial" panose="020B0604020202020204" pitchFamily="34" charset="0"/>
+              </a:rPr>
+              <a:t>Dewetting is a process that leads thin polymer coatings to separate from their substrate. It occurs when conditions are more favorable for molecules of a liquid to coalesce.</a:t>
+            </a:r>
+          </a:p>
+          <a:p>
+            <a:pPr marL="279400" indent="-279400" algn="just">
               <a:spcAft>
-                <a:spcPts val="600"/>
+                <a:spcPts val="400"/>
               </a:spcAft>
-              <a:buFont typeface="+mj-lt"/>
-              <a:buAutoNum type="arabicPeriod"/>
+              <a:buFont typeface="Arial" panose="020B0604020202020204" pitchFamily="34" charset="0"/>
+              <a:buChar char="•"/>
             </a:pPr>
             <a:r>
-              <a:rPr lang="en-US" sz="4000" dirty="0">
-                <a:latin typeface="Arial" panose="020B0604020202020204" pitchFamily="34" charset="0"/>
-                <a:cs typeface="Arial" panose="020B0604020202020204" pitchFamily="34" charset="0"/>
-              </a:rPr>
-              <a:t>Train a machine learning model for </a:t>
-            </a:r>
-            <a:r>
-              <a:rPr lang="en-US" sz="4000" dirty="0" err="1">
-                <a:latin typeface="Arial" panose="020B0604020202020204" pitchFamily="34" charset="0"/>
-                <a:cs typeface="Arial" panose="020B0604020202020204" pitchFamily="34" charset="0"/>
-              </a:rPr>
-              <a:t>dewetting</a:t>
-            </a:r>
-            <a:r>
-              <a:rPr lang="en-US" sz="4000" dirty="0">
-                <a:latin typeface="Arial" panose="020B0604020202020204" pitchFamily="34" charset="0"/>
-                <a:cs typeface="Arial" panose="020B0604020202020204" pitchFamily="34" charset="0"/>
-              </a:rPr>
-              <a:t> classification (See Figs. 1-4)</a:t>
-            </a:r>
-          </a:p>
-          <a:p>
-            <a:pPr marL="742950" indent="-742950" algn="just">
+              <a:rPr lang="en-US" sz="2800" dirty="0">
+                <a:latin typeface="Arial" panose="020B0604020202020204" pitchFamily="34" charset="0"/>
+                <a:cs typeface="Arial" panose="020B0604020202020204" pitchFamily="34" charset="0"/>
+              </a:rPr>
+              <a:t>Chemical engineers are interested in determining what conditions bring to different degrees of dewetting.</a:t>
+            </a:r>
+          </a:p>
+          <a:p>
+            <a:pPr marL="279400" indent="-279400" algn="just">
               <a:spcAft>
-                <a:spcPts val="600"/>
+                <a:spcPts val="400"/>
               </a:spcAft>
-              <a:buFont typeface="+mj-lt"/>
-              <a:buAutoNum type="arabicPeriod"/>
+              <a:buFont typeface="Arial" panose="020B0604020202020204" pitchFamily="34" charset="0"/>
+              <a:buChar char="•"/>
             </a:pPr>
             <a:r>
-              <a:rPr lang="en-US" sz="4000" dirty="0">
-                <a:latin typeface="Arial" panose="020B0604020202020204" pitchFamily="34" charset="0"/>
-                <a:cs typeface="Arial" panose="020B0604020202020204" pitchFamily="34" charset="0"/>
-              </a:rPr>
-              <a:t>Optimize model hyperparameters to achieve a 90% testing accuracy</a:t>
+              <a:rPr lang="en-US" sz="2800" dirty="0">
+                <a:latin typeface="Arial" panose="020B0604020202020204" pitchFamily="34" charset="0"/>
+                <a:cs typeface="Arial" panose="020B0604020202020204" pitchFamily="34" charset="0"/>
+              </a:rPr>
+              <a:t>Machine learning can be used for classification of dewetting stages.</a:t>
             </a:r>
           </a:p>
         </p:txBody>
@@ -4219,8 +4283,8 @@
         </p:nvSpPr>
         <p:spPr>
           <a:xfrm>
-            <a:off x="13548008" y="19381663"/>
-            <a:ext cx="16627191" cy="1371600"/>
+            <a:off x="10046166" y="15194339"/>
+            <a:ext cx="12729688" cy="914400"/>
           </a:xfrm>
           <a:prstGeom prst="roundRect">
             <a:avLst>
@@ -4279,53 +4343,18 @@
           <a:p>
             <a:pPr algn="ctr"/>
             <a:r>
-              <a:rPr lang="en-US" sz="5867" b="1" dirty="0">
+              <a:rPr lang="en-US" sz="4000" b="1" dirty="0">
                 <a:solidFill>
                   <a:schemeClr val="tx1"/>
                 </a:solidFill>
                 <a:latin typeface="Arial" panose="020B0604020202020204" pitchFamily="34" charset="0"/>
                 <a:cs typeface="Arial" panose="020B0604020202020204" pitchFamily="34" charset="0"/>
               </a:rPr>
-              <a:t>MODEL SELECTION</a:t>
-            </a:r>
-          </a:p>
-        </p:txBody>
-      </p:sp>
-      <p:pic>
-        <p:nvPicPr>
-          <p:cNvPr id="5" name="Picture 4">
-            <a:extLst>
-              <a:ext uri="{FF2B5EF4-FFF2-40B4-BE49-F238E27FC236}">
-                <a16:creationId xmlns:a16="http://schemas.microsoft.com/office/drawing/2014/main" id="{17C3EB77-0319-4F9F-9087-0F462BE7C24A}"/>
-              </a:ext>
-            </a:extLst>
-          </p:cNvPr>
-          <p:cNvPicPr>
-            <a:picLocks noChangeAspect="1"/>
-          </p:cNvPicPr>
-          <p:nvPr/>
-        </p:nvPicPr>
-        <p:blipFill rotWithShape="1">
-          <a:blip r:embed="rId10">
-            <a:extLst>
-              <a:ext uri="{28A0092B-C50C-407E-A947-70E740481C1C}">
-                <a14:useLocalDpi xmlns:a14="http://schemas.microsoft.com/office/drawing/2010/main" val="0"/>
-              </a:ext>
-            </a:extLst>
-          </a:blip>
-          <a:srcRect l="2829" t="8638" r="6409"/>
-          <a:stretch/>
-        </p:blipFill>
-        <p:spPr>
-          <a:xfrm>
-            <a:off x="22619194" y="21100725"/>
-            <a:ext cx="7721341" cy="5486400"/>
-          </a:xfrm>
-          <a:prstGeom prst="rect">
-            <a:avLst/>
-          </a:prstGeom>
-        </p:spPr>
-      </p:pic>
+              <a:t>NEURAL NETWORK (NN)</a:t>
+            </a:r>
+          </a:p>
+        </p:txBody>
+      </p:sp>
       <p:sp>
         <p:nvSpPr>
           <p:cNvPr id="27" name="Rectangle: Rounded Corners 26">
@@ -4340,8 +4369,8 @@
         </p:nvSpPr>
         <p:spPr>
           <a:xfrm>
-            <a:off x="30452450" y="28354837"/>
-            <a:ext cx="12964289" cy="1280160"/>
+            <a:off x="23236021" y="17688048"/>
+            <a:ext cx="9532014" cy="914400"/>
           </a:xfrm>
           <a:prstGeom prst="roundRect">
             <a:avLst>
@@ -4400,14 +4429,14 @@
           <a:p>
             <a:pPr algn="ctr"/>
             <a:r>
-              <a:rPr lang="en-US" sz="5867" b="1" dirty="0">
+              <a:rPr lang="en-US" sz="4000" b="1" dirty="0">
                 <a:solidFill>
                   <a:schemeClr val="tx1"/>
                 </a:solidFill>
                 <a:latin typeface="Arial" panose="020B0604020202020204" pitchFamily="34" charset="0"/>
                 <a:cs typeface="Arial" panose="020B0604020202020204" pitchFamily="34" charset="0"/>
               </a:rPr>
-              <a:t>REFERENCES</a:t>
+              <a:t>ACKNOWLEDGEMENTS</a:t>
             </a:r>
           </a:p>
         </p:txBody>
@@ -4426,8 +4455,8 @@
         </p:nvSpPr>
         <p:spPr>
           <a:xfrm>
-            <a:off x="13550666" y="6934811"/>
-            <a:ext cx="16789869" cy="1280160"/>
+            <a:off x="10046165" y="4410938"/>
+            <a:ext cx="12959367" cy="914400"/>
           </a:xfrm>
           <a:prstGeom prst="roundRect">
             <a:avLst>
@@ -4486,7 +4515,7 @@
           <a:p>
             <a:pPr algn="ctr"/>
             <a:r>
-              <a:rPr lang="en-US" sz="5867" b="1" dirty="0">
+              <a:rPr lang="en-US" sz="4000" b="1" dirty="0">
                 <a:solidFill>
                   <a:schemeClr val="tx1"/>
                 </a:solidFill>
@@ -4512,8 +4541,8 @@
         </p:nvSpPr>
         <p:spPr>
           <a:xfrm>
-            <a:off x="599740" y="31743781"/>
-            <a:ext cx="12562253" cy="646331"/>
+            <a:off x="609604" y="21286034"/>
+            <a:ext cx="8804044" cy="430887"/>
           </a:xfrm>
           <a:prstGeom prst="rect">
             <a:avLst/>
@@ -4527,29 +4556,15 @@
           <a:p>
             <a:pPr algn="ctr">
               <a:spcAft>
-                <a:spcPts val="600"/>
+                <a:spcPts val="400"/>
               </a:spcAft>
             </a:pPr>
             <a:r>
-              <a:rPr lang="en-US" sz="3600" dirty="0">
-                <a:latin typeface="Arial" panose="020B0604020202020204" pitchFamily="34" charset="0"/>
-                <a:cs typeface="Arial" panose="020B0604020202020204" pitchFamily="34" charset="0"/>
-              </a:rPr>
-              <a:t>Figs. 1-4: </a:t>
-            </a:r>
-            <a:r>
-              <a:rPr lang="en-US" sz="3600" dirty="0" err="1">
-                <a:latin typeface="Arial" panose="020B0604020202020204" pitchFamily="34" charset="0"/>
-                <a:cs typeface="Arial" panose="020B0604020202020204" pitchFamily="34" charset="0"/>
-              </a:rPr>
-              <a:t>Dewetting</a:t>
-            </a:r>
-            <a:r>
-              <a:rPr lang="en-US" sz="3600" dirty="0">
-                <a:latin typeface="Arial" panose="020B0604020202020204" pitchFamily="34" charset="0"/>
-                <a:cs typeface="Arial" panose="020B0604020202020204" pitchFamily="34" charset="0"/>
-              </a:rPr>
-              <a:t> Stages (None, Early, Intermediate, Late)  </a:t>
+              <a:rPr lang="en-US" sz="2200" dirty="0">
+                <a:latin typeface="Arial" panose="020B0604020202020204" pitchFamily="34" charset="0"/>
+                <a:cs typeface="Arial" panose="020B0604020202020204" pitchFamily="34" charset="0"/>
+              </a:rPr>
+              <a:t>Figs. 1-4: Dewetting Stages (None, Early, Intermediate, Late)  </a:t>
             </a:r>
           </a:p>
         </p:txBody>
@@ -4568,8 +4583,8 @@
         </p:nvSpPr>
         <p:spPr>
           <a:xfrm>
-            <a:off x="2546146" y="23275653"/>
-            <a:ext cx="2247899" cy="2862322"/>
+            <a:off x="2139962" y="15550802"/>
+            <a:ext cx="1498599" cy="1939313"/>
           </a:xfrm>
           <a:prstGeom prst="rect">
             <a:avLst/>
@@ -4583,15 +4598,15 @@
           <a:p>
             <a:pPr algn="ctr">
               <a:spcAft>
-                <a:spcPts val="600"/>
+                <a:spcPts val="400"/>
               </a:spcAft>
             </a:pPr>
             <a:r>
-              <a:rPr lang="en-US" sz="18000" dirty="0">
+              <a:rPr lang="en-US" sz="12002" dirty="0">
                 <a:solidFill>
                   <a:schemeClr val="accent4">
-                    <a:lumMod val="40000"/>
-                    <a:lumOff val="60000"/>
+                    <a:lumMod val="60000"/>
+                    <a:lumOff val="40000"/>
                   </a:schemeClr>
                 </a:solidFill>
                 <a:latin typeface="Arial" panose="020B0604020202020204" pitchFamily="34" charset="0"/>
@@ -4616,8 +4631,8 @@
         </p:nvSpPr>
         <p:spPr>
           <a:xfrm>
-            <a:off x="8737924" y="23275653"/>
-            <a:ext cx="2247899" cy="2862322"/>
+            <a:off x="6362169" y="15550802"/>
+            <a:ext cx="1498599" cy="1939313"/>
           </a:xfrm>
           <a:prstGeom prst="rect">
             <a:avLst/>
@@ -4631,15 +4646,15 @@
           <a:p>
             <a:pPr algn="ctr">
               <a:spcAft>
-                <a:spcPts val="600"/>
+                <a:spcPts val="400"/>
               </a:spcAft>
             </a:pPr>
             <a:r>
-              <a:rPr lang="en-US" sz="18000" dirty="0">
+              <a:rPr lang="en-US" sz="12002" dirty="0">
                 <a:solidFill>
                   <a:schemeClr val="accent4">
-                    <a:lumMod val="40000"/>
-                    <a:lumOff val="60000"/>
+                    <a:lumMod val="60000"/>
+                    <a:lumOff val="40000"/>
                   </a:schemeClr>
                 </a:solidFill>
                 <a:latin typeface="Arial" panose="020B0604020202020204" pitchFamily="34" charset="0"/>
@@ -4664,8 +4679,8 @@
         </p:nvSpPr>
         <p:spPr>
           <a:xfrm>
-            <a:off x="2556458" y="27893956"/>
-            <a:ext cx="2247899" cy="2862322"/>
+            <a:off x="2139962" y="18685258"/>
+            <a:ext cx="1498599" cy="1939313"/>
           </a:xfrm>
           <a:prstGeom prst="rect">
             <a:avLst/>
@@ -4679,15 +4694,15 @@
           <a:p>
             <a:pPr algn="ctr">
               <a:spcAft>
-                <a:spcPts val="600"/>
+                <a:spcPts val="400"/>
               </a:spcAft>
             </a:pPr>
             <a:r>
-              <a:rPr lang="en-US" sz="18000" dirty="0">
+              <a:rPr lang="en-US" sz="12002" dirty="0">
                 <a:solidFill>
                   <a:schemeClr val="accent4">
-                    <a:lumMod val="40000"/>
-                    <a:lumOff val="60000"/>
+                    <a:lumMod val="60000"/>
+                    <a:lumOff val="40000"/>
                   </a:schemeClr>
                 </a:solidFill>
                 <a:latin typeface="Arial" panose="020B0604020202020204" pitchFamily="34" charset="0"/>
@@ -4712,8 +4727,8 @@
         </p:nvSpPr>
         <p:spPr>
           <a:xfrm>
-            <a:off x="8737924" y="27893956"/>
-            <a:ext cx="2247899" cy="2862322"/>
+            <a:off x="6362169" y="18702641"/>
+            <a:ext cx="1498599" cy="1939313"/>
           </a:xfrm>
           <a:prstGeom prst="rect">
             <a:avLst/>
@@ -4727,15 +4742,15 @@
           <a:p>
             <a:pPr algn="ctr">
               <a:spcAft>
-                <a:spcPts val="600"/>
+                <a:spcPts val="400"/>
               </a:spcAft>
             </a:pPr>
             <a:r>
-              <a:rPr lang="en-US" sz="18000" dirty="0">
+              <a:rPr lang="en-US" sz="12002" dirty="0">
                 <a:solidFill>
                   <a:schemeClr val="accent4">
-                    <a:lumMod val="40000"/>
-                    <a:lumOff val="60000"/>
+                    <a:lumMod val="60000"/>
+                    <a:lumOff val="40000"/>
                   </a:schemeClr>
                 </a:solidFill>
                 <a:latin typeface="Arial" panose="020B0604020202020204" pitchFamily="34" charset="0"/>
@@ -4748,10 +4763,10 @@
       </p:sp>
       <p:sp>
         <p:nvSpPr>
-          <p:cNvPr id="55" name="Rectangle 54">
+          <p:cNvPr id="74" name="Rectangle 73">
             <a:extLst>
               <a:ext uri="{FF2B5EF4-FFF2-40B4-BE49-F238E27FC236}">
-                <a16:creationId xmlns:a16="http://schemas.microsoft.com/office/drawing/2014/main" id="{C241BAE5-D451-4DBE-9786-E65141798809}"/>
+                <a16:creationId xmlns:a16="http://schemas.microsoft.com/office/drawing/2014/main" id="{83F898C6-B35D-4251-A7B1-80FD869995EF}"/>
               </a:ext>
             </a:extLst>
           </p:cNvPr>
@@ -4760,8 +4775,8 @@
         </p:nvSpPr>
         <p:spPr>
           <a:xfrm>
-            <a:off x="13873394" y="8561273"/>
-            <a:ext cx="16301805" cy="3785652"/>
+            <a:off x="23171285" y="16151487"/>
+            <a:ext cx="9484979" cy="1436291"/>
           </a:xfrm>
           <a:prstGeom prst="rect">
             <a:avLst/>
@@ -4773,114 +4788,45 @@
           </a:bodyPr>
           <a:lstStyle/>
           <a:p>
-            <a:pPr algn="just"/>
-            <a:r>
-              <a:rPr lang="en-US" sz="4000" b="1" dirty="0">
-                <a:latin typeface="Arial" panose="020B0604020202020204" pitchFamily="34" charset="0"/>
-                <a:cs typeface="Arial" panose="020B0604020202020204" pitchFamily="34" charset="0"/>
-              </a:rPr>
-              <a:t>Grayscale</a:t>
-            </a:r>
-            <a:r>
-              <a:rPr lang="en-US" sz="4000" dirty="0">
-                <a:latin typeface="Arial" panose="020B0604020202020204" pitchFamily="34" charset="0"/>
-                <a:cs typeface="Arial" panose="020B0604020202020204" pitchFamily="34" charset="0"/>
-              </a:rPr>
-              <a:t> and </a:t>
-            </a:r>
-            <a:r>
-              <a:rPr lang="en-US" sz="4000" b="1" dirty="0">
-                <a:latin typeface="Arial" panose="020B0604020202020204" pitchFamily="34" charset="0"/>
-                <a:cs typeface="Arial" panose="020B0604020202020204" pitchFamily="34" charset="0"/>
-              </a:rPr>
-              <a:t>saturation</a:t>
-            </a:r>
-            <a:r>
-              <a:rPr lang="en-US" sz="4000" dirty="0">
-                <a:latin typeface="Arial" panose="020B0604020202020204" pitchFamily="34" charset="0"/>
-                <a:cs typeface="Arial" panose="020B0604020202020204" pitchFamily="34" charset="0"/>
-              </a:rPr>
-              <a:t> images were generated for each image. The effects of unwanted microscopy artifacts were mitigated by normalizing each image dataset by their respective mean filters. </a:t>
-            </a:r>
-            <a:r>
-              <a:rPr lang="en-US" sz="4000" b="1" dirty="0">
-                <a:latin typeface="Arial" panose="020B0604020202020204" pitchFamily="34" charset="0"/>
-                <a:cs typeface="Arial" panose="020B0604020202020204" pitchFamily="34" charset="0"/>
-              </a:rPr>
-              <a:t>Entropy</a:t>
-            </a:r>
-            <a:r>
-              <a:rPr lang="en-US" sz="4000" dirty="0">
-                <a:latin typeface="Arial" panose="020B0604020202020204" pitchFamily="34" charset="0"/>
-                <a:cs typeface="Arial" panose="020B0604020202020204" pitchFamily="34" charset="0"/>
-              </a:rPr>
-              <a:t>, </a:t>
-            </a:r>
-            <a:r>
-              <a:rPr lang="en-US" sz="4000" b="1" dirty="0">
-                <a:latin typeface="Arial" panose="020B0604020202020204" pitchFamily="34" charset="0"/>
-                <a:cs typeface="Arial" panose="020B0604020202020204" pitchFamily="34" charset="0"/>
-              </a:rPr>
-              <a:t>skewness</a:t>
-            </a:r>
-            <a:r>
-              <a:rPr lang="en-US" sz="4000" dirty="0">
-                <a:latin typeface="Arial" panose="020B0604020202020204" pitchFamily="34" charset="0"/>
-                <a:cs typeface="Arial" panose="020B0604020202020204" pitchFamily="34" charset="0"/>
-              </a:rPr>
-              <a:t>, and </a:t>
-            </a:r>
-            <a:r>
-              <a:rPr lang="en-US" sz="4000" b="1" dirty="0">
-                <a:latin typeface="Arial" panose="020B0604020202020204" pitchFamily="34" charset="0"/>
-                <a:cs typeface="Arial" panose="020B0604020202020204" pitchFamily="34" charset="0"/>
-              </a:rPr>
-              <a:t>intensity variance</a:t>
-            </a:r>
-            <a:r>
-              <a:rPr lang="en-US" sz="4000" dirty="0">
-                <a:latin typeface="Arial" panose="020B0604020202020204" pitchFamily="34" charset="0"/>
-                <a:cs typeface="Arial" panose="020B0604020202020204" pitchFamily="34" charset="0"/>
-              </a:rPr>
-              <a:t> values were collected from </a:t>
-            </a:r>
-            <a:r>
-              <a:rPr lang="en-US" sz="4000" b="1" dirty="0">
-                <a:latin typeface="Arial" panose="020B0604020202020204" pitchFamily="34" charset="0"/>
-                <a:cs typeface="Arial" panose="020B0604020202020204" pitchFamily="34" charset="0"/>
-              </a:rPr>
-              <a:t>global</a:t>
-            </a:r>
-            <a:r>
-              <a:rPr lang="en-US" sz="4000" dirty="0">
-                <a:latin typeface="Arial" panose="020B0604020202020204" pitchFamily="34" charset="0"/>
-                <a:cs typeface="Arial" panose="020B0604020202020204" pitchFamily="34" charset="0"/>
-              </a:rPr>
-              <a:t> (entire image) and </a:t>
-            </a:r>
-            <a:r>
-              <a:rPr lang="en-US" sz="4000" b="1" dirty="0">
-                <a:latin typeface="Arial" panose="020B0604020202020204" pitchFamily="34" charset="0"/>
-                <a:cs typeface="Arial" panose="020B0604020202020204" pitchFamily="34" charset="0"/>
-              </a:rPr>
-              <a:t>local</a:t>
-            </a:r>
-            <a:r>
-              <a:rPr lang="en-US" sz="4000" dirty="0">
-                <a:latin typeface="Arial" panose="020B0604020202020204" pitchFamily="34" charset="0"/>
-                <a:cs typeface="Arial" panose="020B0604020202020204" pitchFamily="34" charset="0"/>
-              </a:rPr>
-              <a:t> (3x3 striding grid) perspectives, generating a total of twelve features. </a:t>
-            </a:r>
-          </a:p>
-        </p:txBody>
-      </p:sp>
-      <p:sp>
-        <p:nvSpPr>
-          <p:cNvPr id="56" name="Rectangle 55">
+            <a:pPr marL="514350" indent="-514350" algn="just">
+              <a:spcAft>
+                <a:spcPts val="400"/>
+              </a:spcAft>
+              <a:buFont typeface="+mj-lt"/>
+              <a:buAutoNum type="arabicPeriod"/>
+            </a:pPr>
+            <a:r>
+              <a:rPr lang="en-US" sz="2800" dirty="0">
+                <a:latin typeface="Arial" panose="020B0604020202020204" pitchFamily="34" charset="0"/>
+                <a:cs typeface="Arial" panose="020B0604020202020204" pitchFamily="34" charset="0"/>
+              </a:rPr>
+              <a:t>Increase training set size to enhance performance</a:t>
+            </a:r>
+          </a:p>
+          <a:p>
+            <a:pPr marL="514350" indent="-514350" algn="just">
+              <a:spcAft>
+                <a:spcPts val="400"/>
+              </a:spcAft>
+              <a:buFont typeface="+mj-lt"/>
+              <a:buAutoNum type="arabicPeriod"/>
+            </a:pPr>
+            <a:r>
+              <a:rPr lang="en-US" sz="2800" dirty="0">
+                <a:latin typeface="Arial" panose="020B0604020202020204" pitchFamily="34" charset="0"/>
+                <a:cs typeface="Arial" panose="020B0604020202020204" pitchFamily="34" charset="0"/>
+              </a:rPr>
+              <a:t>Test robustness of model across different polymer and image acquisition methods.</a:t>
+            </a:r>
+          </a:p>
+        </p:txBody>
+      </p:sp>
+      <p:sp>
+        <p:nvSpPr>
+          <p:cNvPr id="44" name="Rectangle 43">
             <a:extLst>
               <a:ext uri="{FF2B5EF4-FFF2-40B4-BE49-F238E27FC236}">
-                <a16:creationId xmlns:a16="http://schemas.microsoft.com/office/drawing/2014/main" id="{110459BD-D48C-4E88-8E77-196DE03E19F6}"/>
+                <a16:creationId xmlns:a16="http://schemas.microsoft.com/office/drawing/2014/main" id="{D577C65F-873D-42F6-AA33-813F68AD226A}"/>
               </a:ext>
             </a:extLst>
           </p:cNvPr>
@@ -4889,12 +4835,18 @@
         </p:nvSpPr>
         <p:spPr>
           <a:xfrm>
-            <a:off x="14442507" y="17624490"/>
-            <a:ext cx="6859160" cy="1277273"/>
+            <a:off x="936896" y="15079838"/>
+            <a:ext cx="1043016" cy="461665"/>
           </a:xfrm>
           <a:prstGeom prst="rect">
             <a:avLst/>
           </a:prstGeom>
+          <a:solidFill>
+            <a:schemeClr val="accent4">
+              <a:lumMod val="40000"/>
+              <a:lumOff val="60000"/>
+            </a:schemeClr>
+          </a:solidFill>
         </p:spPr>
         <p:txBody>
           <a:bodyPr wrap="square">
@@ -4904,39 +4856,169 @@
           <a:p>
             <a:pPr algn="ctr">
               <a:spcAft>
-                <a:spcPts val="600"/>
+                <a:spcPts val="400"/>
               </a:spcAft>
             </a:pPr>
             <a:r>
-              <a:rPr lang="en-US" sz="3600" dirty="0">
-                <a:latin typeface="Arial" panose="020B0604020202020204" pitchFamily="34" charset="0"/>
-                <a:cs typeface="Arial" panose="020B0604020202020204" pitchFamily="34" charset="0"/>
-              </a:rPr>
-              <a:t>Fig. 5: Grayscale Image After</a:t>
-            </a:r>
-          </a:p>
+              <a:rPr lang="en-US" sz="2400" dirty="0">
+                <a:latin typeface="Arial" panose="020B0604020202020204" pitchFamily="34" charset="0"/>
+                <a:cs typeface="Arial" panose="020B0604020202020204" pitchFamily="34" charset="0"/>
+              </a:rPr>
+              <a:t>n=4</a:t>
+            </a:r>
+          </a:p>
+        </p:txBody>
+      </p:sp>
+      <p:sp>
+        <p:nvSpPr>
+          <p:cNvPr id="46" name="Rectangle 45">
+            <a:extLst>
+              <a:ext uri="{FF2B5EF4-FFF2-40B4-BE49-F238E27FC236}">
+                <a16:creationId xmlns:a16="http://schemas.microsoft.com/office/drawing/2014/main" id="{A651070F-6B4F-434C-A843-D67DA7B4597B}"/>
+              </a:ext>
+            </a:extLst>
+          </p:cNvPr>
+          <p:cNvSpPr/>
+          <p:nvPr/>
+        </p:nvSpPr>
+        <p:spPr>
+          <a:xfrm>
+            <a:off x="940144" y="18227849"/>
+            <a:ext cx="1043016" cy="461665"/>
+          </a:xfrm>
+          <a:prstGeom prst="rect">
+            <a:avLst/>
+          </a:prstGeom>
+          <a:solidFill>
+            <a:schemeClr val="accent4">
+              <a:lumMod val="40000"/>
+              <a:lumOff val="60000"/>
+            </a:schemeClr>
+          </a:solidFill>
+        </p:spPr>
+        <p:txBody>
+          <a:bodyPr wrap="square">
+            <a:spAutoFit/>
+          </a:bodyPr>
+          <a:lstStyle/>
           <a:p>
             <a:pPr algn="ctr">
               <a:spcAft>
-                <a:spcPts val="600"/>
+                <a:spcPts val="400"/>
               </a:spcAft>
             </a:pPr>
             <a:r>
-              <a:rPr lang="en-US" sz="3600" dirty="0">
-                <a:latin typeface="Arial" panose="020B0604020202020204" pitchFamily="34" charset="0"/>
-                <a:cs typeface="Arial" panose="020B0604020202020204" pitchFamily="34" charset="0"/>
-              </a:rPr>
-              <a:t>Mean Filter Normalization (MFN) </a:t>
+              <a:rPr lang="en-US" sz="2400" dirty="0">
+                <a:latin typeface="Arial" panose="020B0604020202020204" pitchFamily="34" charset="0"/>
+                <a:cs typeface="Arial" panose="020B0604020202020204" pitchFamily="34" charset="0"/>
+              </a:rPr>
+              <a:t>n=25</a:t>
+            </a:r>
+          </a:p>
+        </p:txBody>
+      </p:sp>
+      <p:sp>
+        <p:nvSpPr>
+          <p:cNvPr id="47" name="Rectangle 46">
+            <a:extLst>
+              <a:ext uri="{FF2B5EF4-FFF2-40B4-BE49-F238E27FC236}">
+                <a16:creationId xmlns:a16="http://schemas.microsoft.com/office/drawing/2014/main" id="{FE240C92-56FE-402A-AB0A-6A38185006EF}"/>
+              </a:ext>
+            </a:extLst>
+          </p:cNvPr>
+          <p:cNvSpPr/>
+          <p:nvPr/>
+        </p:nvSpPr>
+        <p:spPr>
+          <a:xfrm>
+            <a:off x="5146724" y="18227848"/>
+            <a:ext cx="1043016" cy="461665"/>
+          </a:xfrm>
+          <a:prstGeom prst="rect">
+            <a:avLst/>
+          </a:prstGeom>
+          <a:solidFill>
+            <a:schemeClr val="accent4">
+              <a:lumMod val="40000"/>
+              <a:lumOff val="60000"/>
+            </a:schemeClr>
+          </a:solidFill>
+        </p:spPr>
+        <p:txBody>
+          <a:bodyPr wrap="square">
+            <a:spAutoFit/>
+          </a:bodyPr>
+          <a:lstStyle/>
+          <a:p>
+            <a:pPr algn="ctr">
+              <a:spcAft>
+                <a:spcPts val="400"/>
+              </a:spcAft>
+            </a:pPr>
+            <a:r>
+              <a:rPr lang="en-US" sz="2400" dirty="0">
+                <a:latin typeface="Arial" panose="020B0604020202020204" pitchFamily="34" charset="0"/>
+                <a:cs typeface="Arial" panose="020B0604020202020204" pitchFamily="34" charset="0"/>
+              </a:rPr>
+              <a:t>n=23</a:t>
+            </a:r>
+          </a:p>
+        </p:txBody>
+      </p:sp>
+      <p:sp>
+        <p:nvSpPr>
+          <p:cNvPr id="50" name="Rectangle 49">
+            <a:extLst>
+              <a:ext uri="{FF2B5EF4-FFF2-40B4-BE49-F238E27FC236}">
+                <a16:creationId xmlns:a16="http://schemas.microsoft.com/office/drawing/2014/main" id="{2E591171-FB79-493D-8361-FBF7CDC5E9E0}"/>
+              </a:ext>
+            </a:extLst>
+          </p:cNvPr>
+          <p:cNvSpPr/>
+          <p:nvPr/>
+        </p:nvSpPr>
+        <p:spPr>
+          <a:xfrm>
+            <a:off x="5142479" y="15079838"/>
+            <a:ext cx="1043016" cy="461665"/>
+          </a:xfrm>
+          <a:prstGeom prst="rect">
+            <a:avLst/>
+          </a:prstGeom>
+          <a:solidFill>
+            <a:schemeClr val="accent4">
+              <a:lumMod val="40000"/>
+              <a:lumOff val="60000"/>
+            </a:schemeClr>
+          </a:solidFill>
+        </p:spPr>
+        <p:txBody>
+          <a:bodyPr wrap="square">
+            <a:spAutoFit/>
+          </a:bodyPr>
+          <a:lstStyle/>
+          <a:p>
+            <a:pPr algn="ctr">
+              <a:spcAft>
+                <a:spcPts val="400"/>
+              </a:spcAft>
+            </a:pPr>
+            <a:r>
+              <a:rPr lang="en-US" sz="2400" dirty="0">
+                <a:latin typeface="Arial" panose="020B0604020202020204" pitchFamily="34" charset="0"/>
+                <a:cs typeface="Arial" panose="020B0604020202020204" pitchFamily="34" charset="0"/>
+              </a:rPr>
+              <a:t>n=11</a:t>
             </a:r>
           </a:p>
         </p:txBody>
       </p:sp>
       <p:grpSp>
         <p:nvGrpSpPr>
-          <p:cNvPr id="7" name="Group 6">
+          <p:cNvPr id="25" name="Group 24">
             <a:extLst>
               <a:ext uri="{FF2B5EF4-FFF2-40B4-BE49-F238E27FC236}">
-                <a16:creationId xmlns:a16="http://schemas.microsoft.com/office/drawing/2014/main" id="{28BCF6D2-78C7-4CFC-82E3-D7C37A7CA4FD}"/>
+                <a16:creationId xmlns:a16="http://schemas.microsoft.com/office/drawing/2014/main" id="{775F17E5-C2A2-42B2-8D67-253D1A332C20}"/>
               </a:ext>
             </a:extLst>
           </p:cNvPr>
@@ -4945,91 +5027,1333 @@
         </p:nvGrpSpPr>
         <p:grpSpPr>
           <a:xfrm>
-            <a:off x="14361444" y="12862896"/>
-            <a:ext cx="15168312" cy="4572000"/>
-            <a:chOff x="14439832" y="12862896"/>
-            <a:chExt cx="15168312" cy="4572000"/>
+            <a:off x="11102652" y="7024332"/>
+            <a:ext cx="10559154" cy="4045330"/>
+            <a:chOff x="14640787" y="9545904"/>
+            <a:chExt cx="15838728" cy="6067992"/>
           </a:xfrm>
         </p:grpSpPr>
-        <p:pic>
-          <p:nvPicPr>
-            <p:cNvPr id="26" name="Picture 25">
+        <p:grpSp>
+          <p:nvGrpSpPr>
+            <p:cNvPr id="20" name="Group 19">
               <a:extLst>
                 <a:ext uri="{FF2B5EF4-FFF2-40B4-BE49-F238E27FC236}">
-                  <a16:creationId xmlns:a16="http://schemas.microsoft.com/office/drawing/2014/main" id="{7B307927-EC10-4015-BC5C-D72D2C34A4CF}"/>
+                  <a16:creationId xmlns:a16="http://schemas.microsoft.com/office/drawing/2014/main" id="{7F32A410-740A-4609-8990-E6FA98A8C9E4}"/>
                 </a:ext>
               </a:extLst>
             </p:cNvPr>
-            <p:cNvPicPr>
-              <a:picLocks noChangeAspect="1"/>
-            </p:cNvPicPr>
+            <p:cNvGrpSpPr/>
             <p:nvPr/>
-          </p:nvPicPr>
-          <p:blipFill>
-            <a:blip r:embed="rId11">
+          </p:nvGrpSpPr>
+          <p:grpSpPr>
+            <a:xfrm>
+              <a:off x="14640787" y="9545905"/>
+              <a:ext cx="7690425" cy="5650114"/>
+              <a:chOff x="14804072" y="8809305"/>
+              <a:chExt cx="7690425" cy="5650114"/>
+            </a:xfrm>
+          </p:grpSpPr>
+          <p:sp>
+            <p:nvSpPr>
+              <p:cNvPr id="56" name="Rectangle 55">
+                <a:extLst>
+                  <a:ext uri="{FF2B5EF4-FFF2-40B4-BE49-F238E27FC236}">
+                    <a16:creationId xmlns:a16="http://schemas.microsoft.com/office/drawing/2014/main" id="{110459BD-D48C-4E88-8E77-196DE03E19F6}"/>
+                  </a:ext>
+                </a:extLst>
+              </p:cNvPr>
+              <p:cNvSpPr/>
+              <p:nvPr/>
+            </p:nvSpPr>
+            <p:spPr>
+              <a:xfrm>
+                <a:off x="14835320" y="13813089"/>
+                <a:ext cx="7659177" cy="646330"/>
+              </a:xfrm>
+              <a:prstGeom prst="rect">
+                <a:avLst/>
+              </a:prstGeom>
+            </p:spPr>
+            <p:txBody>
+              <a:bodyPr wrap="square">
+                <a:spAutoFit/>
+              </a:bodyPr>
+              <a:lstStyle/>
+              <a:p>
+                <a:pPr algn="ctr">
+                  <a:spcAft>
+                    <a:spcPts val="400"/>
+                  </a:spcAft>
+                </a:pPr>
+                <a:r>
+                  <a:rPr lang="en-US" sz="2200" dirty="0">
+                    <a:latin typeface="Arial" panose="020B0604020202020204" pitchFamily="34" charset="0"/>
+                    <a:cs typeface="Arial" panose="020B0604020202020204" pitchFamily="34" charset="0"/>
+                  </a:rPr>
+                  <a:t>Fig. 5: Grayscale Image After MFN </a:t>
+                </a:r>
+              </a:p>
+            </p:txBody>
+          </p:sp>
+          <p:pic>
+            <p:nvPicPr>
+              <p:cNvPr id="26" name="Picture 25">
+                <a:extLst>
+                  <a:ext uri="{FF2B5EF4-FFF2-40B4-BE49-F238E27FC236}">
+                    <a16:creationId xmlns:a16="http://schemas.microsoft.com/office/drawing/2014/main" id="{7B307927-EC10-4015-BC5C-D72D2C34A4CF}"/>
+                  </a:ext>
+                </a:extLst>
+              </p:cNvPr>
+              <p:cNvPicPr>
+                <a:picLocks noChangeAspect="1"/>
+              </p:cNvPicPr>
+              <p:nvPr/>
+            </p:nvPicPr>
+            <p:blipFill>
+              <a:blip r:embed="rId10">
+                <a:extLst>
+                  <a:ext uri="{28A0092B-C50C-407E-A947-70E740481C1C}">
+                    <a14:useLocalDpi xmlns:a14="http://schemas.microsoft.com/office/drawing/2010/main" val="0"/>
+                  </a:ext>
+                </a:extLst>
+              </a:blip>
+              <a:stretch>
+                <a:fillRect/>
+              </a:stretch>
+            </p:blipFill>
+            <p:spPr>
+              <a:xfrm>
+                <a:off x="14804072" y="8809305"/>
+                <a:ext cx="7372351" cy="4800600"/>
+              </a:xfrm>
+              <a:prstGeom prst="rect">
+                <a:avLst/>
+              </a:prstGeom>
+            </p:spPr>
+          </p:pic>
+        </p:grpSp>
+        <p:grpSp>
+          <p:nvGrpSpPr>
+            <p:cNvPr id="5" name="Group 4">
               <a:extLst>
-                <a:ext uri="{28A0092B-C50C-407E-A947-70E740481C1C}">
-                  <a14:useLocalDpi xmlns:a14="http://schemas.microsoft.com/office/drawing/2010/main" val="0"/>
+                <a:ext uri="{FF2B5EF4-FFF2-40B4-BE49-F238E27FC236}">
+                  <a16:creationId xmlns:a16="http://schemas.microsoft.com/office/drawing/2014/main" id="{4FAC45CE-7FCE-466D-90C2-DE9A14575652}"/>
                 </a:ext>
               </a:extLst>
-            </a:blip>
-            <a:stretch>
-              <a:fillRect/>
-            </a:stretch>
-          </p:blipFill>
+            </p:cNvPr>
+            <p:cNvGrpSpPr/>
+            <p:nvPr/>
+          </p:nvGrpSpPr>
+          <p:grpSpPr>
+            <a:xfrm>
+              <a:off x="23107167" y="9545904"/>
+              <a:ext cx="7372348" cy="4800598"/>
+              <a:chOff x="23296404" y="12862895"/>
+              <a:chExt cx="7372348" cy="4800598"/>
+            </a:xfrm>
+          </p:grpSpPr>
+          <p:pic>
+            <p:nvPicPr>
+              <p:cNvPr id="58" name="Picture 57">
+                <a:extLst>
+                  <a:ext uri="{FF2B5EF4-FFF2-40B4-BE49-F238E27FC236}">
+                    <a16:creationId xmlns:a16="http://schemas.microsoft.com/office/drawing/2014/main" id="{C96AAB21-CCA9-48BE-A612-6188A0D6666E}"/>
+                  </a:ext>
+                </a:extLst>
+              </p:cNvPr>
+              <p:cNvPicPr>
+                <a:picLocks noChangeAspect="1"/>
+              </p:cNvPicPr>
+              <p:nvPr/>
+            </p:nvPicPr>
+            <p:blipFill>
+              <a:blip r:embed="rId11">
+                <a:extLst>
+                  <a:ext uri="{28A0092B-C50C-407E-A947-70E740481C1C}">
+                    <a14:useLocalDpi xmlns:a14="http://schemas.microsoft.com/office/drawing/2010/main" val="0"/>
+                  </a:ext>
+                </a:extLst>
+              </a:blip>
+              <a:stretch>
+                <a:fillRect/>
+              </a:stretch>
+            </p:blipFill>
+            <p:spPr>
+              <a:xfrm>
+                <a:off x="23296404" y="12862895"/>
+                <a:ext cx="7372348" cy="4800598"/>
+              </a:xfrm>
+              <a:prstGeom prst="rect">
+                <a:avLst/>
+              </a:prstGeom>
+            </p:spPr>
+          </p:pic>
+          <p:sp>
+            <p:nvSpPr>
+              <p:cNvPr id="10" name="Rectangle 9">
+                <a:extLst>
+                  <a:ext uri="{FF2B5EF4-FFF2-40B4-BE49-F238E27FC236}">
+                    <a16:creationId xmlns:a16="http://schemas.microsoft.com/office/drawing/2014/main" id="{C42FA75D-94CC-465D-ABD3-8C3D144D599E}"/>
+                  </a:ext>
+                </a:extLst>
+              </p:cNvPr>
+              <p:cNvSpPr/>
+              <p:nvPr/>
+            </p:nvSpPr>
+            <p:spPr>
+              <a:xfrm>
+                <a:off x="23325587" y="12862896"/>
+                <a:ext cx="3803304" cy="2503374"/>
+              </a:xfrm>
+              <a:prstGeom prst="rect">
+                <a:avLst/>
+              </a:prstGeom>
+              <a:solidFill>
+                <a:srgbClr val="FF0000">
+                  <a:alpha val="10000"/>
+                </a:srgbClr>
+              </a:solidFill>
+              <a:ln w="76200">
+                <a:solidFill>
+                  <a:srgbClr val="FF0000"/>
+                </a:solidFill>
+                <a:prstDash val="dashDot"/>
+              </a:ln>
+            </p:spPr>
+            <p:style>
+              <a:lnRef idx="2">
+                <a:schemeClr val="accent1">
+                  <a:shade val="50000"/>
+                </a:schemeClr>
+              </a:lnRef>
+              <a:fillRef idx="1">
+                <a:schemeClr val="accent1"/>
+              </a:fillRef>
+              <a:effectRef idx="0">
+                <a:schemeClr val="accent1"/>
+              </a:effectRef>
+              <a:fontRef idx="minor">
+                <a:schemeClr val="lt1"/>
+              </a:fontRef>
+            </p:style>
+            <p:txBody>
+              <a:bodyPr rtlCol="0" anchor="ctr"/>
+              <a:lstStyle/>
+              <a:p>
+                <a:pPr algn="ctr"/>
+                <a:endParaRPr lang="en-US" sz="857">
+                  <a:solidFill>
+                    <a:schemeClr val="tx1"/>
+                  </a:solidFill>
+                  <a:latin typeface="Arial" panose="020B0604020202020204" pitchFamily="34" charset="0"/>
+                  <a:cs typeface="Arial" panose="020B0604020202020204" pitchFamily="34" charset="0"/>
+                </a:endParaRPr>
+              </a:p>
+            </p:txBody>
+          </p:sp>
+          <p:sp>
+            <p:nvSpPr>
+              <p:cNvPr id="65" name="Rectangle 64">
+                <a:extLst>
+                  <a:ext uri="{FF2B5EF4-FFF2-40B4-BE49-F238E27FC236}">
+                    <a16:creationId xmlns:a16="http://schemas.microsoft.com/office/drawing/2014/main" id="{FE78EEEA-6975-4694-BD6D-523D603AF2EA}"/>
+                  </a:ext>
+                </a:extLst>
+              </p:cNvPr>
+              <p:cNvSpPr/>
+              <p:nvPr/>
+            </p:nvSpPr>
+            <p:spPr>
+              <a:xfrm>
+                <a:off x="25347230" y="12862896"/>
+                <a:ext cx="3517635" cy="2559153"/>
+              </a:xfrm>
+              <a:prstGeom prst="rect">
+                <a:avLst/>
+              </a:prstGeom>
+              <a:solidFill>
+                <a:srgbClr val="FFC000">
+                  <a:alpha val="10000"/>
+                </a:srgbClr>
+              </a:solidFill>
+              <a:ln w="76200">
+                <a:solidFill>
+                  <a:srgbClr val="FFC000"/>
+                </a:solidFill>
+                <a:prstDash val="dashDot"/>
+              </a:ln>
+            </p:spPr>
+            <p:style>
+              <a:lnRef idx="2">
+                <a:schemeClr val="accent1">
+                  <a:shade val="50000"/>
+                </a:schemeClr>
+              </a:lnRef>
+              <a:fillRef idx="1">
+                <a:schemeClr val="accent1"/>
+              </a:fillRef>
+              <a:effectRef idx="0">
+                <a:schemeClr val="accent1"/>
+              </a:effectRef>
+              <a:fontRef idx="minor">
+                <a:schemeClr val="lt1"/>
+              </a:fontRef>
+            </p:style>
+            <p:txBody>
+              <a:bodyPr rtlCol="0" anchor="ctr"/>
+              <a:lstStyle/>
+              <a:p>
+                <a:pPr algn="ctr"/>
+                <a:endParaRPr lang="en-US" sz="857">
+                  <a:solidFill>
+                    <a:schemeClr val="tx1"/>
+                  </a:solidFill>
+                  <a:latin typeface="Arial" panose="020B0604020202020204" pitchFamily="34" charset="0"/>
+                  <a:cs typeface="Arial" panose="020B0604020202020204" pitchFamily="34" charset="0"/>
+                </a:endParaRPr>
+              </a:p>
+            </p:txBody>
+          </p:sp>
+          <p:sp>
+            <p:nvSpPr>
+              <p:cNvPr id="66" name="Rectangle 65">
+                <a:extLst>
+                  <a:ext uri="{FF2B5EF4-FFF2-40B4-BE49-F238E27FC236}">
+                    <a16:creationId xmlns:a16="http://schemas.microsoft.com/office/drawing/2014/main" id="{502B438E-657D-49F8-B1B6-5584D8EACB6D}"/>
+                  </a:ext>
+                </a:extLst>
+              </p:cNvPr>
+              <p:cNvSpPr/>
+              <p:nvPr/>
+            </p:nvSpPr>
+            <p:spPr>
+              <a:xfrm>
+                <a:off x="23308820" y="14054091"/>
+                <a:ext cx="3820074" cy="2503374"/>
+              </a:xfrm>
+              <a:prstGeom prst="rect">
+                <a:avLst/>
+              </a:prstGeom>
+              <a:solidFill>
+                <a:srgbClr val="33CCFF">
+                  <a:alpha val="10000"/>
+                </a:srgbClr>
+              </a:solidFill>
+              <a:ln w="76200">
+                <a:solidFill>
+                  <a:srgbClr val="1CACE3"/>
+                </a:solidFill>
+                <a:prstDash val="dashDot"/>
+              </a:ln>
+            </p:spPr>
+            <p:style>
+              <a:lnRef idx="2">
+                <a:schemeClr val="accent1">
+                  <a:shade val="50000"/>
+                </a:schemeClr>
+              </a:lnRef>
+              <a:fillRef idx="1">
+                <a:schemeClr val="accent1"/>
+              </a:fillRef>
+              <a:effectRef idx="0">
+                <a:schemeClr val="accent1"/>
+              </a:effectRef>
+              <a:fontRef idx="minor">
+                <a:schemeClr val="lt1"/>
+              </a:fontRef>
+            </p:style>
+            <p:txBody>
+              <a:bodyPr rtlCol="0" anchor="ctr"/>
+              <a:lstStyle/>
+              <a:p>
+                <a:pPr algn="ctr"/>
+                <a:endParaRPr lang="en-US" sz="857">
+                  <a:solidFill>
+                    <a:schemeClr val="tx1"/>
+                  </a:solidFill>
+                  <a:latin typeface="Arial" panose="020B0604020202020204" pitchFamily="34" charset="0"/>
+                  <a:cs typeface="Arial" panose="020B0604020202020204" pitchFamily="34" charset="0"/>
+                </a:endParaRPr>
+              </a:p>
+            </p:txBody>
+          </p:sp>
+        </p:grpSp>
+        <p:sp>
+          <p:nvSpPr>
+            <p:cNvPr id="67" name="Rectangle 66">
+              <a:extLst>
+                <a:ext uri="{FF2B5EF4-FFF2-40B4-BE49-F238E27FC236}">
+                  <a16:creationId xmlns:a16="http://schemas.microsoft.com/office/drawing/2014/main" id="{BD14127F-6EAF-40B3-93B1-C36C3055993B}"/>
+                </a:ext>
+              </a:extLst>
+            </p:cNvPr>
+            <p:cNvSpPr/>
+            <p:nvPr/>
+          </p:nvSpPr>
           <p:spPr>
             <a:xfrm>
-              <a:off x="14439832" y="12862896"/>
-              <a:ext cx="7021286" cy="4572000"/>
+              <a:off x="23368139" y="14459735"/>
+              <a:ext cx="6850403" cy="1154161"/>
             </a:xfrm>
             <a:prstGeom prst="rect">
               <a:avLst/>
             </a:prstGeom>
           </p:spPr>
-        </p:pic>
-        <p:pic>
-          <p:nvPicPr>
-            <p:cNvPr id="58" name="Picture 57">
-              <a:extLst>
-                <a:ext uri="{FF2B5EF4-FFF2-40B4-BE49-F238E27FC236}">
-                  <a16:creationId xmlns:a16="http://schemas.microsoft.com/office/drawing/2014/main" id="{C96AAB21-CCA9-48BE-A612-6188A0D6666E}"/>
-                </a:ext>
-              </a:extLst>
-            </p:cNvPr>
-            <p:cNvPicPr>
-              <a:picLocks noChangeAspect="1"/>
-            </p:cNvPicPr>
-            <p:nvPr/>
-          </p:nvPicPr>
-          <p:blipFill>
-            <a:blip r:embed="rId12">
-              <a:extLst>
-                <a:ext uri="{28A0092B-C50C-407E-A947-70E740481C1C}">
-                  <a14:useLocalDpi xmlns:a14="http://schemas.microsoft.com/office/drawing/2010/main" val="0"/>
-                </a:ext>
-              </a:extLst>
-            </a:blip>
-            <a:stretch>
-              <a:fillRect/>
-            </a:stretch>
-          </p:blipFill>
-          <p:spPr>
-            <a:xfrm>
-              <a:off x="22586858" y="12862896"/>
-              <a:ext cx="7021286" cy="4572000"/>
-            </a:xfrm>
-            <a:prstGeom prst="rect">
-              <a:avLst/>
-            </a:prstGeom>
-          </p:spPr>
-        </p:pic>
+          <p:txBody>
+            <a:bodyPr wrap="square">
+              <a:spAutoFit/>
+            </a:bodyPr>
+            <a:lstStyle/>
+            <a:p>
+              <a:pPr algn="ctr">
+                <a:spcAft>
+                  <a:spcPts val="400"/>
+                </a:spcAft>
+              </a:pPr>
+              <a:r>
+                <a:rPr lang="en-US" sz="2200" dirty="0">
+                  <a:latin typeface="Arial" panose="020B0604020202020204" pitchFamily="34" charset="0"/>
+                  <a:cs typeface="Arial" panose="020B0604020202020204" pitchFamily="34" charset="0"/>
+                </a:rPr>
+                <a:t>Fig. 6: Saturation Image after MFN with Striding Grid Representation</a:t>
+              </a:r>
+            </a:p>
+          </p:txBody>
+        </p:sp>
       </p:grpSp>
       <p:sp>
         <p:nvSpPr>
-          <p:cNvPr id="10" name="Rectangle 9">
+          <p:cNvPr id="14" name="TextBox 13">
             <a:extLst>
               <a:ext uri="{FF2B5EF4-FFF2-40B4-BE49-F238E27FC236}">
-                <a16:creationId xmlns:a16="http://schemas.microsoft.com/office/drawing/2014/main" id="{C42FA75D-94CC-465D-ABD3-8C3D144D599E}"/>
+                <a16:creationId xmlns:a16="http://schemas.microsoft.com/office/drawing/2014/main" id="{096D8199-78C7-47A0-92E5-F24C3129CAE9}"/>
+              </a:ext>
+            </a:extLst>
+          </p:cNvPr>
+          <p:cNvSpPr txBox="1"/>
+          <p:nvPr/>
+        </p:nvSpPr>
+        <p:spPr>
+          <a:xfrm>
+            <a:off x="10142484" y="5557302"/>
+            <a:ext cx="10432023" cy="523220"/>
+          </a:xfrm>
+          <a:prstGeom prst="rect">
+            <a:avLst/>
+          </a:prstGeom>
+          <a:noFill/>
+        </p:spPr>
+        <p:txBody>
+          <a:bodyPr wrap="square" rtlCol="0">
+            <a:spAutoFit/>
+          </a:bodyPr>
+          <a:lstStyle/>
+          <a:p>
+            <a:r>
+              <a:rPr lang="en-US" sz="2800" dirty="0">
+                <a:latin typeface="Arial" panose="020B0604020202020204" pitchFamily="34" charset="0"/>
+                <a:cs typeface="Arial" panose="020B0604020202020204" pitchFamily="34" charset="0"/>
+              </a:rPr>
+              <a:t>1. Convert to </a:t>
+            </a:r>
+            <a:r>
+              <a:rPr lang="en-US" sz="2800" b="1" dirty="0">
+                <a:latin typeface="Arial" panose="020B0604020202020204" pitchFamily="34" charset="0"/>
+                <a:cs typeface="Arial" panose="020B0604020202020204" pitchFamily="34" charset="0"/>
+              </a:rPr>
+              <a:t>grayscale</a:t>
+            </a:r>
+            <a:r>
+              <a:rPr lang="en-US" sz="2800" dirty="0">
+                <a:latin typeface="Arial" panose="020B0604020202020204" pitchFamily="34" charset="0"/>
+                <a:cs typeface="Arial" panose="020B0604020202020204" pitchFamily="34" charset="0"/>
+              </a:rPr>
+              <a:t> and </a:t>
+            </a:r>
+            <a:r>
+              <a:rPr lang="en-US" sz="2800" b="1" dirty="0">
+                <a:latin typeface="Arial" panose="020B0604020202020204" pitchFamily="34" charset="0"/>
+                <a:cs typeface="Arial" panose="020B0604020202020204" pitchFamily="34" charset="0"/>
+              </a:rPr>
+              <a:t>saturation</a:t>
+            </a:r>
+            <a:r>
+              <a:rPr lang="en-US" sz="2800" dirty="0">
+                <a:latin typeface="Arial" panose="020B0604020202020204" pitchFamily="34" charset="0"/>
+                <a:cs typeface="Arial" panose="020B0604020202020204" pitchFamily="34" charset="0"/>
+              </a:rPr>
+              <a:t> images</a:t>
+            </a:r>
+          </a:p>
+        </p:txBody>
+      </p:sp>
+      <p:sp>
+        <p:nvSpPr>
+          <p:cNvPr id="57" name="TextBox 56">
+            <a:extLst>
+              <a:ext uri="{FF2B5EF4-FFF2-40B4-BE49-F238E27FC236}">
+                <a16:creationId xmlns:a16="http://schemas.microsoft.com/office/drawing/2014/main" id="{F63724EE-EC7A-4D48-96EF-9537ED8E7609}"/>
+              </a:ext>
+            </a:extLst>
+          </p:cNvPr>
+          <p:cNvSpPr txBox="1"/>
+          <p:nvPr/>
+        </p:nvSpPr>
+        <p:spPr>
+          <a:xfrm>
+            <a:off x="10142485" y="6138297"/>
+            <a:ext cx="12633369" cy="523220"/>
+          </a:xfrm>
+          <a:prstGeom prst="rect">
+            <a:avLst/>
+          </a:prstGeom>
+          <a:noFill/>
+        </p:spPr>
+        <p:txBody>
+          <a:bodyPr wrap="square" rtlCol="0">
+            <a:spAutoFit/>
+          </a:bodyPr>
+          <a:lstStyle/>
+          <a:p>
+            <a:r>
+              <a:rPr lang="en-US" sz="2800" dirty="0">
+                <a:latin typeface="Arial" panose="020B0604020202020204" pitchFamily="34" charset="0"/>
+                <a:cs typeface="Arial" panose="020B0604020202020204" pitchFamily="34" charset="0"/>
+              </a:rPr>
+              <a:t>2. Apply Mean Filter Normalization (MFN) to reduce microscopy artifacts </a:t>
+            </a:r>
+          </a:p>
+        </p:txBody>
+      </p:sp>
+      <p:sp>
+        <p:nvSpPr>
+          <p:cNvPr id="60" name="TextBox 59">
+            <a:extLst>
+              <a:ext uri="{FF2B5EF4-FFF2-40B4-BE49-F238E27FC236}">
+                <a16:creationId xmlns:a16="http://schemas.microsoft.com/office/drawing/2014/main" id="{AAB8FA94-D3FC-4564-822C-2ED9FBEC7287}"/>
+              </a:ext>
+            </a:extLst>
+          </p:cNvPr>
+          <p:cNvSpPr txBox="1"/>
+          <p:nvPr/>
+        </p:nvSpPr>
+        <p:spPr>
+          <a:xfrm>
+            <a:off x="10046166" y="11162826"/>
+            <a:ext cx="11351243" cy="523220"/>
+          </a:xfrm>
+          <a:prstGeom prst="rect">
+            <a:avLst/>
+          </a:prstGeom>
+          <a:noFill/>
+        </p:spPr>
+        <p:txBody>
+          <a:bodyPr wrap="square" rtlCol="0">
+            <a:spAutoFit/>
+          </a:bodyPr>
+          <a:lstStyle/>
+          <a:p>
+            <a:r>
+              <a:rPr lang="en-US" sz="2800" dirty="0">
+                <a:latin typeface="Arial" panose="020B0604020202020204" pitchFamily="34" charset="0"/>
+                <a:cs typeface="Arial" panose="020B0604020202020204" pitchFamily="34" charset="0"/>
+              </a:rPr>
+              <a:t>3. Calculate magnitude independent features from entire image</a:t>
+            </a:r>
+          </a:p>
+        </p:txBody>
+      </p:sp>
+      <p:sp>
+        <p:nvSpPr>
+          <p:cNvPr id="62" name="TextBox 61">
+            <a:extLst>
+              <a:ext uri="{FF2B5EF4-FFF2-40B4-BE49-F238E27FC236}">
+                <a16:creationId xmlns:a16="http://schemas.microsoft.com/office/drawing/2014/main" id="{D58EE244-3E58-4F87-99FE-BAFCCA57A7FE}"/>
+              </a:ext>
+            </a:extLst>
+          </p:cNvPr>
+          <p:cNvSpPr txBox="1"/>
+          <p:nvPr/>
+        </p:nvSpPr>
+        <p:spPr>
+          <a:xfrm>
+            <a:off x="10042715" y="13591276"/>
+            <a:ext cx="12272224" cy="954107"/>
+          </a:xfrm>
+          <a:prstGeom prst="rect">
+            <a:avLst/>
+          </a:prstGeom>
+          <a:noFill/>
+        </p:spPr>
+        <p:txBody>
+          <a:bodyPr wrap="square" rtlCol="0">
+            <a:spAutoFit/>
+          </a:bodyPr>
+          <a:lstStyle/>
+          <a:p>
+            <a:pPr marL="389505" indent="-389505"/>
+            <a:r>
+              <a:rPr lang="en-US" sz="2800" dirty="0">
+                <a:latin typeface="Arial" panose="020B0604020202020204" pitchFamily="34" charset="0"/>
+                <a:cs typeface="Arial" panose="020B0604020202020204" pitchFamily="34" charset="0"/>
+              </a:rPr>
+              <a:t>4. Quantify homogeneity by calculating </a:t>
+            </a:r>
+            <a:r>
+              <a:rPr lang="en-US" sz="2800" b="1" dirty="0">
+                <a:latin typeface="Arial" panose="020B0604020202020204" pitchFamily="34" charset="0"/>
+                <a:cs typeface="Arial" panose="020B0604020202020204" pitchFamily="34" charset="0"/>
+              </a:rPr>
+              <a:t>local</a:t>
+            </a:r>
+            <a:r>
+              <a:rPr lang="en-US" sz="2800" dirty="0">
+                <a:latin typeface="Arial" panose="020B0604020202020204" pitchFamily="34" charset="0"/>
+                <a:cs typeface="Arial" panose="020B0604020202020204" pitchFamily="34" charset="0"/>
+              </a:rPr>
+              <a:t> deviations of features with respect to </a:t>
+            </a:r>
+            <a:r>
+              <a:rPr lang="en-US" sz="2800" b="1" dirty="0">
+                <a:latin typeface="Arial" panose="020B0604020202020204" pitchFamily="34" charset="0"/>
+                <a:cs typeface="Arial" panose="020B0604020202020204" pitchFamily="34" charset="0"/>
+              </a:rPr>
+              <a:t>global</a:t>
+            </a:r>
+          </a:p>
+        </p:txBody>
+      </p:sp>
+      <mc:AlternateContent xmlns:mc="http://schemas.openxmlformats.org/markup-compatibility/2006" xmlns:a14="http://schemas.microsoft.com/office/drawing/2010/main">
+        <mc:Choice Requires="a14">
+          <p:sp>
+            <p:nvSpPr>
+              <p:cNvPr id="63" name="TextBox 62">
+                <a:extLst>
+                  <a:ext uri="{FF2B5EF4-FFF2-40B4-BE49-F238E27FC236}">
+                    <a16:creationId xmlns:a16="http://schemas.microsoft.com/office/drawing/2014/main" id="{7A074D14-4FF6-4551-8F80-B631C02C9E9A}"/>
+                  </a:ext>
+                </a:extLst>
+              </p:cNvPr>
+              <p:cNvSpPr txBox="1"/>
+              <p:nvPr/>
+            </p:nvSpPr>
+            <p:spPr>
+              <a:xfrm>
+                <a:off x="14493582" y="11843690"/>
+                <a:ext cx="3815442" cy="1692195"/>
+              </a:xfrm>
+              <a:prstGeom prst="rect">
+                <a:avLst/>
+              </a:prstGeom>
+              <a:noFill/>
+            </p:spPr>
+            <p:txBody>
+              <a:bodyPr wrap="square" rtlCol="0">
+                <a:spAutoFit/>
+              </a:bodyPr>
+              <a:lstStyle/>
+              <a:p>
+                <a:pPr algn="ctr">
+                  <a:spcAft>
+                    <a:spcPts val="600"/>
+                  </a:spcAft>
+                </a:pPr>
+                <a:r>
+                  <a:rPr lang="en-US" sz="2800" b="1" dirty="0">
+                    <a:solidFill>
+                      <a:schemeClr val="tx1"/>
+                    </a:solidFill>
+                    <a:latin typeface="Arial" panose="020B0604020202020204" pitchFamily="34" charset="0"/>
+                    <a:cs typeface="Arial" panose="020B0604020202020204" pitchFamily="34" charset="0"/>
+                  </a:rPr>
+                  <a:t>     entropy</a:t>
+                </a:r>
+                <a:endParaRPr lang="en-US" sz="2800" i="1" dirty="0">
+                  <a:solidFill>
+                    <a:schemeClr val="tx1"/>
+                  </a:solidFill>
+                  <a:latin typeface="Arial" panose="020B0604020202020204" pitchFamily="34" charset="0"/>
+                  <a:cs typeface="Arial" panose="020B0604020202020204" pitchFamily="34" charset="0"/>
+                </a:endParaRPr>
+              </a:p>
+              <a:p>
+                <a:pPr algn="ctr">
+                  <a:spcAft>
+                    <a:spcPts val="600"/>
+                  </a:spcAft>
+                </a:pPr>
+                <a14:m>
+                  <m:oMathPara xmlns:m="http://schemas.openxmlformats.org/officeDocument/2006/math">
+                    <m:oMathParaPr>
+                      <m:jc m:val="centerGroup"/>
+                    </m:oMathParaPr>
+                    <m:oMath xmlns:m="http://schemas.openxmlformats.org/officeDocument/2006/math">
+                      <m:r>
+                        <a:rPr lang="en-US" sz="3200" i="1">
+                          <a:solidFill>
+                            <a:schemeClr val="tx1"/>
+                          </a:solidFill>
+                          <a:latin typeface="Cambria Math" panose="02040503050406030204" pitchFamily="18" charset="0"/>
+                          <a:cs typeface="Arial" panose="020B0604020202020204" pitchFamily="34" charset="0"/>
+                        </a:rPr>
+                        <m:t>−</m:t>
+                      </m:r>
+                      <m:nary>
+                        <m:naryPr>
+                          <m:chr m:val="∑"/>
+                          <m:limLoc m:val="subSup"/>
+                          <m:ctrlPr>
+                            <a:rPr lang="en-US" sz="3200" i="1">
+                              <a:solidFill>
+                                <a:schemeClr val="tx1"/>
+                              </a:solidFill>
+                              <a:latin typeface="Cambria Math" panose="02040503050406030204" pitchFamily="18" charset="0"/>
+                              <a:cs typeface="Arial" panose="020B0604020202020204" pitchFamily="34" charset="0"/>
+                            </a:rPr>
+                          </m:ctrlPr>
+                        </m:naryPr>
+                        <m:sub>
+                          <m:r>
+                            <m:rPr>
+                              <m:brk m:alnAt="25"/>
+                            </m:rPr>
+                            <a:rPr lang="en-US" sz="3200" i="1">
+                              <a:solidFill>
+                                <a:schemeClr val="tx1"/>
+                              </a:solidFill>
+                              <a:latin typeface="Cambria Math" panose="02040503050406030204" pitchFamily="18" charset="0"/>
+                              <a:cs typeface="Arial" panose="020B0604020202020204" pitchFamily="34" charset="0"/>
+                            </a:rPr>
+                            <m:t>𝑖</m:t>
+                          </m:r>
+                          <m:r>
+                            <a:rPr lang="en-US" sz="3200" i="1">
+                              <a:solidFill>
+                                <a:schemeClr val="tx1"/>
+                              </a:solidFill>
+                              <a:latin typeface="Cambria Math" panose="02040503050406030204" pitchFamily="18" charset="0"/>
+                              <a:cs typeface="Arial" panose="020B0604020202020204" pitchFamily="34" charset="0"/>
+                            </a:rPr>
+                            <m:t>=0</m:t>
+                          </m:r>
+                        </m:sub>
+                        <m:sup>
+                          <m:r>
+                            <a:rPr lang="en-US" sz="3200" i="1">
+                              <a:solidFill>
+                                <a:schemeClr val="tx1"/>
+                              </a:solidFill>
+                              <a:latin typeface="Cambria Math" panose="02040503050406030204" pitchFamily="18" charset="0"/>
+                              <a:cs typeface="Arial" panose="020B0604020202020204" pitchFamily="34" charset="0"/>
+                            </a:rPr>
+                            <m:t>255</m:t>
+                          </m:r>
+                        </m:sup>
+                        <m:e>
+                          <m:r>
+                            <a:rPr lang="en-US" sz="3200" i="1">
+                              <a:solidFill>
+                                <a:schemeClr val="tx1"/>
+                              </a:solidFill>
+                              <a:latin typeface="Cambria Math" panose="02040503050406030204" pitchFamily="18" charset="0"/>
+                              <a:cs typeface="Arial" panose="020B0604020202020204" pitchFamily="34" charset="0"/>
+                            </a:rPr>
+                            <m:t>𝑝</m:t>
+                          </m:r>
+                          <m:r>
+                            <a:rPr lang="en-US" sz="3200" i="1">
+                              <a:solidFill>
+                                <a:schemeClr val="tx1"/>
+                              </a:solidFill>
+                              <a:latin typeface="Cambria Math" panose="02040503050406030204" pitchFamily="18" charset="0"/>
+                              <a:cs typeface="Arial" panose="020B0604020202020204" pitchFamily="34" charset="0"/>
+                            </a:rPr>
+                            <m:t>(</m:t>
+                          </m:r>
+                          <m:r>
+                            <a:rPr lang="en-US" sz="3200" i="1">
+                              <a:solidFill>
+                                <a:schemeClr val="tx1"/>
+                              </a:solidFill>
+                              <a:latin typeface="Cambria Math" panose="02040503050406030204" pitchFamily="18" charset="0"/>
+                              <a:cs typeface="Arial" panose="020B0604020202020204" pitchFamily="34" charset="0"/>
+                            </a:rPr>
+                            <m:t>𝑖</m:t>
+                          </m:r>
+                          <m:r>
+                            <a:rPr lang="en-US" sz="3200" i="1">
+                              <a:solidFill>
+                                <a:schemeClr val="tx1"/>
+                              </a:solidFill>
+                              <a:latin typeface="Cambria Math" panose="02040503050406030204" pitchFamily="18" charset="0"/>
+                              <a:cs typeface="Arial" panose="020B0604020202020204" pitchFamily="34" charset="0"/>
+                            </a:rPr>
+                            <m:t>)</m:t>
+                          </m:r>
+                          <m:func>
+                            <m:funcPr>
+                              <m:ctrlPr>
+                                <a:rPr lang="en-US" sz="3200" i="1">
+                                  <a:solidFill>
+                                    <a:schemeClr val="tx1"/>
+                                  </a:solidFill>
+                                  <a:latin typeface="Cambria Math" panose="02040503050406030204" pitchFamily="18" charset="0"/>
+                                  <a:cs typeface="Arial" panose="020B0604020202020204" pitchFamily="34" charset="0"/>
+                                </a:rPr>
+                              </m:ctrlPr>
+                            </m:funcPr>
+                            <m:fName>
+                              <m:sSub>
+                                <m:sSubPr>
+                                  <m:ctrlPr>
+                                    <a:rPr lang="en-US" sz="3200" i="1">
+                                      <a:solidFill>
+                                        <a:schemeClr val="tx1"/>
+                                      </a:solidFill>
+                                      <a:latin typeface="Cambria Math" panose="02040503050406030204" pitchFamily="18" charset="0"/>
+                                      <a:cs typeface="Arial" panose="020B0604020202020204" pitchFamily="34" charset="0"/>
+                                    </a:rPr>
+                                  </m:ctrlPr>
+                                </m:sSubPr>
+                                <m:e>
+                                  <m:r>
+                                    <m:rPr>
+                                      <m:sty m:val="p"/>
+                                    </m:rPr>
+                                    <a:rPr lang="en-US" sz="3200">
+                                      <a:solidFill>
+                                        <a:schemeClr val="tx1"/>
+                                      </a:solidFill>
+                                      <a:latin typeface="Cambria Math" panose="02040503050406030204" pitchFamily="18" charset="0"/>
+                                      <a:cs typeface="Arial" panose="020B0604020202020204" pitchFamily="34" charset="0"/>
+                                    </a:rPr>
+                                    <m:t>log</m:t>
+                                  </m:r>
+                                </m:e>
+                                <m:sub>
+                                  <m:r>
+                                    <a:rPr lang="en-US" sz="3200" i="1">
+                                      <a:solidFill>
+                                        <a:schemeClr val="tx1"/>
+                                      </a:solidFill>
+                                      <a:latin typeface="Cambria Math" panose="02040503050406030204" pitchFamily="18" charset="0"/>
+                                      <a:cs typeface="Arial" panose="020B0604020202020204" pitchFamily="34" charset="0"/>
+                                    </a:rPr>
+                                    <m:t>2</m:t>
+                                  </m:r>
+                                </m:sub>
+                              </m:sSub>
+                            </m:fName>
+                            <m:e>
+                              <m:r>
+                                <a:rPr lang="en-US" sz="3200" i="1">
+                                  <a:solidFill>
+                                    <a:schemeClr val="tx1"/>
+                                  </a:solidFill>
+                                  <a:latin typeface="Cambria Math" panose="02040503050406030204" pitchFamily="18" charset="0"/>
+                                  <a:cs typeface="Arial" panose="020B0604020202020204" pitchFamily="34" charset="0"/>
+                                </a:rPr>
+                                <m:t>𝑝</m:t>
+                              </m:r>
+                              <m:d>
+                                <m:dPr>
+                                  <m:ctrlPr>
+                                    <a:rPr lang="en-US" sz="3200" i="1">
+                                      <a:solidFill>
+                                        <a:schemeClr val="tx1"/>
+                                      </a:solidFill>
+                                      <a:latin typeface="Cambria Math" panose="02040503050406030204" pitchFamily="18" charset="0"/>
+                                      <a:cs typeface="Arial" panose="020B0604020202020204" pitchFamily="34" charset="0"/>
+                                    </a:rPr>
+                                  </m:ctrlPr>
+                                </m:dPr>
+                                <m:e>
+                                  <m:r>
+                                    <a:rPr lang="en-US" sz="3200" i="1">
+                                      <a:solidFill>
+                                        <a:schemeClr val="tx1"/>
+                                      </a:solidFill>
+                                      <a:latin typeface="Cambria Math" panose="02040503050406030204" pitchFamily="18" charset="0"/>
+                                      <a:cs typeface="Arial" panose="020B0604020202020204" pitchFamily="34" charset="0"/>
+                                    </a:rPr>
+                                    <m:t>𝑖</m:t>
+                                  </m:r>
+                                </m:e>
+                              </m:d>
+                              <m:r>
+                                <a:rPr lang="en-US" sz="3200" b="0" i="1" smtClean="0">
+                                  <a:solidFill>
+                                    <a:schemeClr val="tx1"/>
+                                  </a:solidFill>
+                                  <a:latin typeface="Cambria Math" panose="02040503050406030204" pitchFamily="18" charset="0"/>
+                                  <a:cs typeface="Arial" panose="020B0604020202020204" pitchFamily="34" charset="0"/>
+                                </a:rPr>
+                                <m:t>    </m:t>
+                              </m:r>
+                            </m:e>
+                          </m:func>
+                        </m:e>
+                      </m:nary>
+                    </m:oMath>
+                  </m:oMathPara>
+                </a14:m>
+                <a:endParaRPr lang="en-US" sz="3200" dirty="0">
+                  <a:solidFill>
+                    <a:schemeClr val="tx1"/>
+                  </a:solidFill>
+                  <a:latin typeface="Arial" panose="020B0604020202020204" pitchFamily="34" charset="0"/>
+                  <a:cs typeface="Arial" panose="020B0604020202020204" pitchFamily="34" charset="0"/>
+                </a:endParaRPr>
+              </a:p>
+            </p:txBody>
+          </p:sp>
+        </mc:Choice>
+        <mc:Fallback xmlns="">
+          <p:sp>
+            <p:nvSpPr>
+              <p:cNvPr id="63" name="TextBox 62">
+                <a:extLst>
+                  <a:ext uri="{FF2B5EF4-FFF2-40B4-BE49-F238E27FC236}">
+                    <a16:creationId xmlns:a16="http://schemas.microsoft.com/office/drawing/2014/main" id="{7A074D14-4FF6-4551-8F80-B631C02C9E9A}"/>
+                  </a:ext>
+                </a:extLst>
+              </p:cNvPr>
+              <p:cNvSpPr txBox="1">
+                <a:spLocks noRot="1" noChangeAspect="1" noMove="1" noResize="1" noEditPoints="1" noAdjustHandles="1" noChangeArrowheads="1" noChangeShapeType="1" noTextEdit="1"/>
+              </p:cNvSpPr>
+              <p:nvPr/>
+            </p:nvSpPr>
+            <p:spPr>
+              <a:xfrm>
+                <a:off x="14493582" y="11843690"/>
+                <a:ext cx="3815442" cy="1692195"/>
+              </a:xfrm>
+              <a:prstGeom prst="rect">
+                <a:avLst/>
+              </a:prstGeom>
+              <a:blipFill>
+                <a:blip r:embed="rId12"/>
+                <a:stretch>
+                  <a:fillRect t="-3971"/>
+                </a:stretch>
+              </a:blipFill>
+            </p:spPr>
+            <p:txBody>
+              <a:bodyPr/>
+              <a:lstStyle/>
+              <a:p>
+                <a:r>
+                  <a:rPr lang="en-US">
+                    <a:noFill/>
+                  </a:rPr>
+                  <a:t> </a:t>
+                </a:r>
+              </a:p>
+            </p:txBody>
+          </p:sp>
+        </mc:Fallback>
+      </mc:AlternateContent>
+      <mc:AlternateContent xmlns:mc="http://schemas.openxmlformats.org/markup-compatibility/2006" xmlns:a14="http://schemas.microsoft.com/office/drawing/2010/main">
+        <mc:Choice Requires="a14">
+          <p:sp>
+            <p:nvSpPr>
+              <p:cNvPr id="73" name="TextBox 72">
+                <a:extLst>
+                  <a:ext uri="{FF2B5EF4-FFF2-40B4-BE49-F238E27FC236}">
+                    <a16:creationId xmlns:a16="http://schemas.microsoft.com/office/drawing/2014/main" id="{DDECE6D8-0588-46E5-91BE-1EF14B54AE28}"/>
+                  </a:ext>
+                </a:extLst>
+              </p:cNvPr>
+              <p:cNvSpPr txBox="1"/>
+              <p:nvPr/>
+            </p:nvSpPr>
+            <p:spPr>
+              <a:xfrm>
+                <a:off x="11122566" y="11807985"/>
+                <a:ext cx="2969125" cy="1661993"/>
+              </a:xfrm>
+              <a:prstGeom prst="rect">
+                <a:avLst/>
+              </a:prstGeom>
+              <a:noFill/>
+            </p:spPr>
+            <p:txBody>
+              <a:bodyPr wrap="square" rtlCol="0">
+                <a:spAutoFit/>
+              </a:bodyPr>
+              <a:lstStyle/>
+              <a:p>
+                <a:pPr algn="ctr">
+                  <a:spcAft>
+                    <a:spcPts val="600"/>
+                  </a:spcAft>
+                </a:pPr>
+                <a:r>
+                  <a:rPr lang="en-US" sz="2800" b="1" dirty="0">
+                    <a:solidFill>
+                      <a:schemeClr val="tx1"/>
+                    </a:solidFill>
+                    <a:latin typeface="Arial" panose="020B0604020202020204" pitchFamily="34" charset="0"/>
+                    <a:cs typeface="Arial" panose="020B0604020202020204" pitchFamily="34" charset="0"/>
+                  </a:rPr>
+                  <a:t>intensity variance</a:t>
+                </a:r>
+              </a:p>
+              <a:p>
+                <a:pPr algn="ctr">
+                  <a:spcAft>
+                    <a:spcPts val="600"/>
+                  </a:spcAft>
+                </a:pPr>
+                <a14:m>
+                  <m:oMathPara xmlns:m="http://schemas.openxmlformats.org/officeDocument/2006/math">
+                    <m:oMathParaPr>
+                      <m:jc m:val="centerGroup"/>
+                    </m:oMathParaPr>
+                    <m:oMath xmlns:m="http://schemas.openxmlformats.org/officeDocument/2006/math">
+                      <m:sSup>
+                        <m:sSupPr>
+                          <m:ctrlPr>
+                            <a:rPr lang="en-US" sz="3600" i="1">
+                              <a:solidFill>
+                                <a:schemeClr val="tx1"/>
+                              </a:solidFill>
+                              <a:latin typeface="Cambria Math" panose="02040503050406030204" pitchFamily="18" charset="0"/>
+                              <a:ea typeface="Cambria Math" panose="02040503050406030204" pitchFamily="18" charset="0"/>
+                              <a:cs typeface="Arial" panose="020B0604020202020204" pitchFamily="34" charset="0"/>
+                            </a:rPr>
+                          </m:ctrlPr>
+                        </m:sSupPr>
+                        <m:e>
+                          <m:r>
+                            <a:rPr lang="en-US" sz="3600" i="1">
+                              <a:solidFill>
+                                <a:schemeClr val="tx1"/>
+                              </a:solidFill>
+                              <a:latin typeface="Cambria Math" panose="02040503050406030204" pitchFamily="18" charset="0"/>
+                              <a:ea typeface="Cambria Math" panose="02040503050406030204" pitchFamily="18" charset="0"/>
+                              <a:cs typeface="Arial" panose="020B0604020202020204" pitchFamily="34" charset="0"/>
+                            </a:rPr>
+                            <m:t>𝜎</m:t>
+                          </m:r>
+                        </m:e>
+                        <m:sup>
+                          <m:r>
+                            <a:rPr lang="en-US" sz="3600" i="1">
+                              <a:solidFill>
+                                <a:schemeClr val="tx1"/>
+                              </a:solidFill>
+                              <a:latin typeface="Cambria Math" panose="02040503050406030204" pitchFamily="18" charset="0"/>
+                              <a:ea typeface="Cambria Math" panose="02040503050406030204" pitchFamily="18" charset="0"/>
+                              <a:cs typeface="Arial" panose="020B0604020202020204" pitchFamily="34" charset="0"/>
+                            </a:rPr>
+                            <m:t>2</m:t>
+                          </m:r>
+                        </m:sup>
+                      </m:sSup>
+                    </m:oMath>
+                  </m:oMathPara>
+                </a14:m>
+                <a:endParaRPr lang="en-US" sz="2800" b="1" dirty="0">
+                  <a:solidFill>
+                    <a:schemeClr val="tx1"/>
+                  </a:solidFill>
+                  <a:latin typeface="Arial" panose="020B0604020202020204" pitchFamily="34" charset="0"/>
+                  <a:cs typeface="Arial" panose="020B0604020202020204" pitchFamily="34" charset="0"/>
+                </a:endParaRPr>
+              </a:p>
+            </p:txBody>
+          </p:sp>
+        </mc:Choice>
+        <mc:Fallback xmlns="">
+          <p:sp>
+            <p:nvSpPr>
+              <p:cNvPr id="73" name="TextBox 72">
+                <a:extLst>
+                  <a:ext uri="{FF2B5EF4-FFF2-40B4-BE49-F238E27FC236}">
+                    <a16:creationId xmlns:a16="http://schemas.microsoft.com/office/drawing/2014/main" id="{DDECE6D8-0588-46E5-91BE-1EF14B54AE28}"/>
+                  </a:ext>
+                </a:extLst>
+              </p:cNvPr>
+              <p:cNvSpPr txBox="1">
+                <a:spLocks noRot="1" noChangeAspect="1" noMove="1" noResize="1" noEditPoints="1" noAdjustHandles="1" noChangeArrowheads="1" noChangeShapeType="1" noTextEdit="1"/>
+              </p:cNvSpPr>
+              <p:nvPr/>
+            </p:nvSpPr>
+            <p:spPr>
+              <a:xfrm>
+                <a:off x="11122566" y="11807985"/>
+                <a:ext cx="2969125" cy="1661993"/>
+              </a:xfrm>
+              <a:prstGeom prst="rect">
+                <a:avLst/>
+              </a:prstGeom>
+              <a:blipFill>
+                <a:blip r:embed="rId13"/>
+                <a:stretch>
+                  <a:fillRect t="-3663"/>
+                </a:stretch>
+              </a:blipFill>
+            </p:spPr>
+            <p:txBody>
+              <a:bodyPr/>
+              <a:lstStyle/>
+              <a:p>
+                <a:r>
+                  <a:rPr lang="en-US">
+                    <a:noFill/>
+                  </a:rPr>
+                  <a:t> </a:t>
+                </a:r>
+              </a:p>
+            </p:txBody>
+          </p:sp>
+        </mc:Fallback>
+      </mc:AlternateContent>
+      <mc:AlternateContent xmlns:mc="http://schemas.openxmlformats.org/markup-compatibility/2006" xmlns:a14="http://schemas.microsoft.com/office/drawing/2010/main">
+        <mc:Choice Requires="a14">
+          <p:sp>
+            <p:nvSpPr>
+              <p:cNvPr id="75" name="TextBox 74">
+                <a:extLst>
+                  <a:ext uri="{FF2B5EF4-FFF2-40B4-BE49-F238E27FC236}">
+                    <a16:creationId xmlns:a16="http://schemas.microsoft.com/office/drawing/2014/main" id="{58810A1B-2C60-4602-BD4A-753658E581A7}"/>
+                  </a:ext>
+                </a:extLst>
+              </p:cNvPr>
+              <p:cNvSpPr txBox="1"/>
+              <p:nvPr/>
+            </p:nvSpPr>
+            <p:spPr>
+              <a:xfrm>
+                <a:off x="18814971" y="11831841"/>
+                <a:ext cx="2256404" cy="1832874"/>
+              </a:xfrm>
+              <a:prstGeom prst="rect">
+                <a:avLst/>
+              </a:prstGeom>
+              <a:noFill/>
+            </p:spPr>
+            <p:txBody>
+              <a:bodyPr wrap="square" rtlCol="0">
+                <a:spAutoFit/>
+              </a:bodyPr>
+              <a:lstStyle/>
+              <a:p>
+                <a:pPr algn="ctr">
+                  <a:spcAft>
+                    <a:spcPts val="600"/>
+                  </a:spcAft>
+                </a:pPr>
+                <a:r>
+                  <a:rPr lang="en-US" sz="2800" b="1" dirty="0">
+                    <a:solidFill>
+                      <a:schemeClr val="tx1"/>
+                    </a:solidFill>
+                    <a:latin typeface="Arial" panose="020B0604020202020204" pitchFamily="34" charset="0"/>
+                    <a:cs typeface="Arial" panose="020B0604020202020204" pitchFamily="34" charset="0"/>
+                  </a:rPr>
+                  <a:t>skewness</a:t>
+                </a:r>
+              </a:p>
+              <a:p>
+                <a:pPr algn="ctr">
+                  <a:spcAft>
+                    <a:spcPts val="600"/>
+                  </a:spcAft>
+                </a:pPr>
+                <a14:m>
+                  <m:oMathPara xmlns:m="http://schemas.openxmlformats.org/officeDocument/2006/math">
+                    <m:oMathParaPr>
+                      <m:jc m:val="centerGroup"/>
+                    </m:oMathParaPr>
+                    <m:oMath xmlns:m="http://schemas.openxmlformats.org/officeDocument/2006/math">
+                      <m:nary>
+                        <m:naryPr>
+                          <m:chr m:val="∑"/>
+                          <m:subHide m:val="on"/>
+                          <m:supHide m:val="on"/>
+                          <m:ctrlPr>
+                            <a:rPr lang="en-US" sz="2800" i="1">
+                              <a:solidFill>
+                                <a:schemeClr val="tx1"/>
+                              </a:solidFill>
+                              <a:latin typeface="Cambria Math" panose="02040503050406030204" pitchFamily="18" charset="0"/>
+                              <a:cs typeface="Arial" panose="020B0604020202020204" pitchFamily="34" charset="0"/>
+                            </a:rPr>
+                          </m:ctrlPr>
+                        </m:naryPr>
+                        <m:sub/>
+                        <m:sup/>
+                        <m:e>
+                          <m:sSup>
+                            <m:sSupPr>
+                              <m:ctrlPr>
+                                <a:rPr lang="en-US" sz="2800" i="1">
+                                  <a:solidFill>
+                                    <a:schemeClr val="tx1"/>
+                                  </a:solidFill>
+                                  <a:latin typeface="Cambria Math" panose="02040503050406030204" pitchFamily="18" charset="0"/>
+                                  <a:cs typeface="Arial" panose="020B0604020202020204" pitchFamily="34" charset="0"/>
+                                </a:rPr>
+                              </m:ctrlPr>
+                            </m:sSupPr>
+                            <m:e>
+                              <m:d>
+                                <m:dPr>
+                                  <m:ctrlPr>
+                                    <a:rPr lang="en-US" sz="2800" i="1">
+                                      <a:solidFill>
+                                        <a:schemeClr val="tx1"/>
+                                      </a:solidFill>
+                                      <a:latin typeface="Cambria Math" panose="02040503050406030204" pitchFamily="18" charset="0"/>
+                                      <a:cs typeface="Arial" panose="020B0604020202020204" pitchFamily="34" charset="0"/>
+                                    </a:rPr>
+                                  </m:ctrlPr>
+                                </m:dPr>
+                                <m:e>
+                                  <m:f>
+                                    <m:fPr>
+                                      <m:ctrlPr>
+                                        <a:rPr lang="en-US" sz="2800" i="1">
+                                          <a:solidFill>
+                                            <a:schemeClr val="tx1"/>
+                                          </a:solidFill>
+                                          <a:latin typeface="Cambria Math" panose="02040503050406030204" pitchFamily="18" charset="0"/>
+                                          <a:cs typeface="Arial" panose="020B0604020202020204" pitchFamily="34" charset="0"/>
+                                        </a:rPr>
+                                      </m:ctrlPr>
+                                    </m:fPr>
+                                    <m:num>
+                                      <m:r>
+                                        <a:rPr lang="en-US" sz="2800" i="1">
+                                          <a:solidFill>
+                                            <a:schemeClr val="tx1"/>
+                                          </a:solidFill>
+                                          <a:latin typeface="Cambria Math" panose="02040503050406030204" pitchFamily="18" charset="0"/>
+                                          <a:cs typeface="Arial" panose="020B0604020202020204" pitchFamily="34" charset="0"/>
+                                        </a:rPr>
+                                        <m:t>𝑋</m:t>
+                                      </m:r>
+                                      <m:r>
+                                        <a:rPr lang="en-US" sz="2800" i="1">
+                                          <a:solidFill>
+                                            <a:schemeClr val="tx1"/>
+                                          </a:solidFill>
+                                          <a:latin typeface="Cambria Math" panose="02040503050406030204" pitchFamily="18" charset="0"/>
+                                          <a:cs typeface="Arial" panose="020B0604020202020204" pitchFamily="34" charset="0"/>
+                                        </a:rPr>
+                                        <m:t>−</m:t>
+                                      </m:r>
+                                      <m:r>
+                                        <a:rPr lang="en-US" sz="2800" i="1">
+                                          <a:solidFill>
+                                            <a:schemeClr val="tx1"/>
+                                          </a:solidFill>
+                                          <a:latin typeface="Cambria Math" panose="02040503050406030204" pitchFamily="18" charset="0"/>
+                                          <a:ea typeface="Cambria Math" panose="02040503050406030204" pitchFamily="18" charset="0"/>
+                                          <a:cs typeface="Arial" panose="020B0604020202020204" pitchFamily="34" charset="0"/>
+                                        </a:rPr>
+                                        <m:t>𝜇</m:t>
+                                      </m:r>
+                                    </m:num>
+                                    <m:den>
+                                      <m:r>
+                                        <a:rPr lang="en-US" sz="2800" i="1">
+                                          <a:solidFill>
+                                            <a:schemeClr val="tx1"/>
+                                          </a:solidFill>
+                                          <a:latin typeface="Cambria Math" panose="02040503050406030204" pitchFamily="18" charset="0"/>
+                                          <a:ea typeface="Cambria Math" panose="02040503050406030204" pitchFamily="18" charset="0"/>
+                                          <a:cs typeface="Arial" panose="020B0604020202020204" pitchFamily="34" charset="0"/>
+                                        </a:rPr>
+                                        <m:t>𝜎</m:t>
+                                      </m:r>
+                                    </m:den>
+                                  </m:f>
+                                </m:e>
+                              </m:d>
+                            </m:e>
+                            <m:sup>
+                              <m:r>
+                                <a:rPr lang="en-US" sz="2800" i="1">
+                                  <a:solidFill>
+                                    <a:schemeClr val="tx1"/>
+                                  </a:solidFill>
+                                  <a:latin typeface="Cambria Math" panose="02040503050406030204" pitchFamily="18" charset="0"/>
+                                  <a:cs typeface="Arial" panose="020B0604020202020204" pitchFamily="34" charset="0"/>
+                                </a:rPr>
+                                <m:t>3</m:t>
+                              </m:r>
+                            </m:sup>
+                          </m:sSup>
+                        </m:e>
+                      </m:nary>
+                    </m:oMath>
+                  </m:oMathPara>
+                </a14:m>
+                <a:endParaRPr lang="en-US" sz="2800" dirty="0">
+                  <a:solidFill>
+                    <a:schemeClr val="tx1"/>
+                  </a:solidFill>
+                  <a:latin typeface="Arial" panose="020B0604020202020204" pitchFamily="34" charset="0"/>
+                  <a:cs typeface="Arial" panose="020B0604020202020204" pitchFamily="34" charset="0"/>
+                </a:endParaRPr>
+              </a:p>
+            </p:txBody>
+          </p:sp>
+        </mc:Choice>
+        <mc:Fallback xmlns="">
+          <p:sp>
+            <p:nvSpPr>
+              <p:cNvPr id="75" name="TextBox 74">
+                <a:extLst>
+                  <a:ext uri="{FF2B5EF4-FFF2-40B4-BE49-F238E27FC236}">
+                    <a16:creationId xmlns:a16="http://schemas.microsoft.com/office/drawing/2014/main" id="{58810A1B-2C60-4602-BD4A-753658E581A7}"/>
+                  </a:ext>
+                </a:extLst>
+              </p:cNvPr>
+              <p:cNvSpPr txBox="1">
+                <a:spLocks noRot="1" noChangeAspect="1" noMove="1" noResize="1" noEditPoints="1" noAdjustHandles="1" noChangeArrowheads="1" noChangeShapeType="1" noTextEdit="1"/>
+              </p:cNvSpPr>
+              <p:nvPr/>
+            </p:nvSpPr>
+            <p:spPr>
+              <a:xfrm>
+                <a:off x="18814971" y="11831841"/>
+                <a:ext cx="2256404" cy="1832874"/>
+              </a:xfrm>
+              <a:prstGeom prst="rect">
+                <a:avLst/>
+              </a:prstGeom>
+              <a:blipFill>
+                <a:blip r:embed="rId14"/>
+                <a:stretch>
+                  <a:fillRect t="-3654"/>
+                </a:stretch>
+              </a:blipFill>
+            </p:spPr>
+            <p:txBody>
+              <a:bodyPr/>
+              <a:lstStyle/>
+              <a:p>
+                <a:r>
+                  <a:rPr lang="en-US">
+                    <a:noFill/>
+                  </a:rPr>
+                  <a:t> </a:t>
+                </a:r>
+              </a:p>
+            </p:txBody>
+          </p:sp>
+        </mc:Fallback>
+      </mc:AlternateContent>
+      <p:sp>
+        <p:nvSpPr>
+          <p:cNvPr id="76" name="Rectangle 75">
+            <a:extLst>
+              <a:ext uri="{FF2B5EF4-FFF2-40B4-BE49-F238E27FC236}">
+                <a16:creationId xmlns:a16="http://schemas.microsoft.com/office/drawing/2014/main" id="{B5F0E98C-1E09-42A8-8F93-36971389CC50}"/>
               </a:ext>
             </a:extLst>
           </p:cNvPr>
@@ -5038,22 +6362,1906 @@
         </p:nvSpPr>
         <p:spPr>
           <a:xfrm>
-            <a:off x="22508470" y="12862896"/>
-            <a:ext cx="3561658" cy="2286000"/>
+            <a:off x="23180836" y="18709155"/>
+            <a:ext cx="9532015" cy="954107"/>
           </a:xfrm>
           <a:prstGeom prst="rect">
             <a:avLst/>
           </a:prstGeom>
+        </p:spPr>
+        <p:txBody>
+          <a:bodyPr wrap="square">
+            <a:spAutoFit/>
+          </a:bodyPr>
+          <a:lstStyle/>
+          <a:p>
+            <a:pPr algn="just">
+              <a:spcAft>
+                <a:spcPts val="400"/>
+              </a:spcAft>
+            </a:pPr>
+            <a:r>
+              <a:rPr lang="en-US" sz="2800" dirty="0">
+                <a:latin typeface="Arial" panose="020B0604020202020204" pitchFamily="34" charset="0"/>
+                <a:cs typeface="Arial" panose="020B0604020202020204" pitchFamily="34" charset="0"/>
+              </a:rPr>
+              <a:t>This research was made possible by a NSF grant to the University of Houston Department of Computer Science.</a:t>
+            </a:r>
+          </a:p>
+        </p:txBody>
+      </p:sp>
+      <p:sp>
+        <p:nvSpPr>
+          <p:cNvPr id="78" name="TextBox 77">
+            <a:extLst>
+              <a:ext uri="{FF2B5EF4-FFF2-40B4-BE49-F238E27FC236}">
+                <a16:creationId xmlns:a16="http://schemas.microsoft.com/office/drawing/2014/main" id="{13310458-9CE9-4C7A-B633-E7C8866758CD}"/>
+              </a:ext>
+            </a:extLst>
+          </p:cNvPr>
+          <p:cNvSpPr txBox="1"/>
+          <p:nvPr/>
+        </p:nvSpPr>
+        <p:spPr>
+          <a:xfrm>
+            <a:off x="10136607" y="16217662"/>
+            <a:ext cx="12535174" cy="523220"/>
+          </a:xfrm>
+          <a:prstGeom prst="rect">
+            <a:avLst/>
+          </a:prstGeom>
+          <a:noFill/>
+        </p:spPr>
+        <p:txBody>
+          <a:bodyPr wrap="square" rtlCol="0">
+            <a:spAutoFit/>
+          </a:bodyPr>
+          <a:lstStyle/>
+          <a:p>
+            <a:r>
+              <a:rPr lang="en-US" sz="2800" dirty="0">
+                <a:latin typeface="Arial" panose="020B0604020202020204" pitchFamily="34" charset="0"/>
+                <a:cs typeface="Arial" panose="020B0604020202020204" pitchFamily="34" charset="0"/>
+              </a:rPr>
+              <a:t>Grid Search Hyperparameter Space:</a:t>
+            </a:r>
+          </a:p>
+        </p:txBody>
+      </p:sp>
+      <p:sp>
+        <p:nvSpPr>
+          <p:cNvPr id="86" name="TextBox 85">
+            <a:extLst>
+              <a:ext uri="{FF2B5EF4-FFF2-40B4-BE49-F238E27FC236}">
+                <a16:creationId xmlns:a16="http://schemas.microsoft.com/office/drawing/2014/main" id="{0409C2A2-8A6D-405C-86AD-14BA1126DB11}"/>
+              </a:ext>
+            </a:extLst>
+          </p:cNvPr>
+          <p:cNvSpPr txBox="1"/>
+          <p:nvPr/>
+        </p:nvSpPr>
+        <p:spPr>
+          <a:xfrm>
+            <a:off x="11679852" y="16997101"/>
+            <a:ext cx="3147673" cy="523220"/>
+          </a:xfrm>
+          <a:prstGeom prst="rect">
+            <a:avLst/>
+          </a:prstGeom>
+          <a:noFill/>
+        </p:spPr>
+        <p:txBody>
+          <a:bodyPr wrap="square" rtlCol="0">
+            <a:spAutoFit/>
+          </a:bodyPr>
+          <a:lstStyle/>
+          <a:p>
+            <a:pPr algn="ctr"/>
+            <a:r>
+              <a:rPr lang="en-US" sz="2800" b="1" dirty="0">
+                <a:latin typeface="Arial" panose="020B0604020202020204" pitchFamily="34" charset="0"/>
+                <a:cs typeface="Arial" panose="020B0604020202020204" pitchFamily="34" charset="0"/>
+              </a:rPr>
+              <a:t>Architecture</a:t>
+            </a:r>
+          </a:p>
+        </p:txBody>
+      </p:sp>
+      <p:sp>
+        <p:nvSpPr>
+          <p:cNvPr id="87" name="TextBox 86">
+            <a:extLst>
+              <a:ext uri="{FF2B5EF4-FFF2-40B4-BE49-F238E27FC236}">
+                <a16:creationId xmlns:a16="http://schemas.microsoft.com/office/drawing/2014/main" id="{1F04D469-4635-4D55-AB4F-01E49F4149AF}"/>
+              </a:ext>
+            </a:extLst>
+          </p:cNvPr>
+          <p:cNvSpPr txBox="1"/>
+          <p:nvPr/>
+        </p:nvSpPr>
+        <p:spPr>
+          <a:xfrm>
+            <a:off x="16942393" y="17009801"/>
+            <a:ext cx="5255816" cy="523220"/>
+          </a:xfrm>
+          <a:prstGeom prst="rect">
+            <a:avLst/>
+          </a:prstGeom>
+          <a:noFill/>
+        </p:spPr>
+        <p:txBody>
+          <a:bodyPr wrap="square" rtlCol="0">
+            <a:spAutoFit/>
+          </a:bodyPr>
+          <a:lstStyle/>
+          <a:p>
+            <a:pPr algn="ctr"/>
+            <a:r>
+              <a:rPr lang="en-US" sz="2800" b="1" dirty="0">
+                <a:latin typeface="Arial" panose="020B0604020202020204" pitchFamily="34" charset="0"/>
+                <a:cs typeface="Arial" panose="020B0604020202020204" pitchFamily="34" charset="0"/>
+              </a:rPr>
+              <a:t>Regularization</a:t>
+            </a:r>
+          </a:p>
+        </p:txBody>
+      </p:sp>
+      <p:sp>
+        <p:nvSpPr>
+          <p:cNvPr id="97" name="TextBox 96">
+            <a:extLst>
+              <a:ext uri="{FF2B5EF4-FFF2-40B4-BE49-F238E27FC236}">
+                <a16:creationId xmlns:a16="http://schemas.microsoft.com/office/drawing/2014/main" id="{05BD7E90-D689-4697-9E69-869F7D25E0A0}"/>
+              </a:ext>
+            </a:extLst>
+          </p:cNvPr>
+          <p:cNvSpPr txBox="1"/>
+          <p:nvPr/>
+        </p:nvSpPr>
+        <p:spPr>
+          <a:xfrm>
+            <a:off x="16806429" y="17554731"/>
+            <a:ext cx="5527743" cy="1384995"/>
+          </a:xfrm>
+          <a:prstGeom prst="rect">
+            <a:avLst/>
+          </a:prstGeom>
+          <a:noFill/>
+        </p:spPr>
+        <p:txBody>
+          <a:bodyPr wrap="square" rtlCol="0">
+            <a:spAutoFit/>
+          </a:bodyPr>
+          <a:lstStyle/>
+          <a:p>
+            <a:pPr marL="381038" indent="-381038">
+              <a:buFont typeface="Arial" panose="020B0604020202020204" pitchFamily="34" charset="0"/>
+              <a:buChar char="•"/>
+            </a:pPr>
+            <a:r>
+              <a:rPr lang="en-US" sz="2800" b="1" dirty="0">
+                <a:latin typeface="Arial" panose="020B0604020202020204" pitchFamily="34" charset="0"/>
+                <a:cs typeface="Arial" panose="020B0604020202020204" pitchFamily="34" charset="0"/>
+              </a:rPr>
+              <a:t>None</a:t>
+            </a:r>
+          </a:p>
+          <a:p>
+            <a:pPr marL="381038" indent="-381038">
+              <a:buFont typeface="Arial" panose="020B0604020202020204" pitchFamily="34" charset="0"/>
+              <a:buChar char="•"/>
+            </a:pPr>
+            <a:r>
+              <a:rPr lang="en-US" sz="2800" b="1" dirty="0">
+                <a:latin typeface="Arial" panose="020B0604020202020204" pitchFamily="34" charset="0"/>
+                <a:cs typeface="Arial" panose="020B0604020202020204" pitchFamily="34" charset="0"/>
+              </a:rPr>
+              <a:t>L1</a:t>
+            </a:r>
+          </a:p>
+          <a:p>
+            <a:pPr marL="381038" indent="-381038">
+              <a:buFont typeface="Arial" panose="020B0604020202020204" pitchFamily="34" charset="0"/>
+              <a:buChar char="•"/>
+            </a:pPr>
+            <a:r>
+              <a:rPr lang="en-US" sz="2800" b="1" dirty="0">
+                <a:latin typeface="Arial" panose="020B0604020202020204" pitchFamily="34" charset="0"/>
+                <a:cs typeface="Arial" panose="020B0604020202020204" pitchFamily="34" charset="0"/>
+              </a:rPr>
+              <a:t>L2</a:t>
+            </a:r>
+            <a:r>
+              <a:rPr lang="en-US" sz="2800" dirty="0">
+                <a:latin typeface="Arial" panose="020B0604020202020204" pitchFamily="34" charset="0"/>
+                <a:cs typeface="Arial" panose="020B0604020202020204" pitchFamily="34" charset="0"/>
+              </a:rPr>
+              <a:t> </a:t>
+            </a:r>
+          </a:p>
+        </p:txBody>
+      </p:sp>
+      <p:sp>
+        <p:nvSpPr>
+          <p:cNvPr id="100" name="TextBox 99">
+            <a:extLst>
+              <a:ext uri="{FF2B5EF4-FFF2-40B4-BE49-F238E27FC236}">
+                <a16:creationId xmlns:a16="http://schemas.microsoft.com/office/drawing/2014/main" id="{08CF1857-663D-4641-8707-0D9B9EBEA1C0}"/>
+              </a:ext>
+            </a:extLst>
+          </p:cNvPr>
+          <p:cNvSpPr txBox="1"/>
+          <p:nvPr/>
+        </p:nvSpPr>
+        <p:spPr>
+          <a:xfrm>
+            <a:off x="10459563" y="18650062"/>
+            <a:ext cx="5875297" cy="954107"/>
+          </a:xfrm>
+          <a:prstGeom prst="rect">
+            <a:avLst/>
+          </a:prstGeom>
+          <a:noFill/>
+        </p:spPr>
+        <p:txBody>
+          <a:bodyPr wrap="square" rtlCol="0">
+            <a:spAutoFit/>
+          </a:bodyPr>
+          <a:lstStyle/>
+          <a:p>
+            <a:pPr marL="233363" indent="-233363">
+              <a:buFont typeface="Arial" panose="020B0604020202020204" pitchFamily="34" charset="0"/>
+              <a:buChar char="•"/>
+            </a:pPr>
+            <a:r>
+              <a:rPr lang="en-US" sz="2800" dirty="0">
+                <a:latin typeface="Arial" panose="020B0604020202020204" pitchFamily="34" charset="0"/>
+                <a:cs typeface="Arial" panose="020B0604020202020204" pitchFamily="34" charset="0"/>
+              </a:rPr>
+              <a:t>1</a:t>
+            </a:r>
+            <a:r>
+              <a:rPr lang="en-US" sz="2800" baseline="30000" dirty="0">
+                <a:latin typeface="Arial" panose="020B0604020202020204" pitchFamily="34" charset="0"/>
+                <a:cs typeface="Arial" panose="020B0604020202020204" pitchFamily="34" charset="0"/>
+              </a:rPr>
+              <a:t>st</a:t>
+            </a:r>
+            <a:r>
+              <a:rPr lang="en-US" sz="2800" dirty="0">
+                <a:latin typeface="Arial" panose="020B0604020202020204" pitchFamily="34" charset="0"/>
+                <a:cs typeface="Arial" panose="020B0604020202020204" pitchFamily="34" charset="0"/>
+              </a:rPr>
+              <a:t> Hidden Layer Nodes: </a:t>
+            </a:r>
+            <a:r>
+              <a:rPr lang="en-US" sz="2800" b="1" dirty="0">
+                <a:latin typeface="Arial" panose="020B0604020202020204" pitchFamily="34" charset="0"/>
+                <a:cs typeface="Arial" panose="020B0604020202020204" pitchFamily="34" charset="0"/>
+              </a:rPr>
+              <a:t>10</a:t>
+            </a:r>
+            <a:r>
+              <a:rPr lang="en-US" sz="2800" dirty="0">
+                <a:latin typeface="Arial" panose="020B0604020202020204" pitchFamily="34" charset="0"/>
+                <a:cs typeface="Arial" panose="020B0604020202020204" pitchFamily="34" charset="0"/>
+              </a:rPr>
+              <a:t>, </a:t>
+            </a:r>
+            <a:r>
+              <a:rPr lang="en-US" sz="2800" b="1" dirty="0">
+                <a:latin typeface="Arial" panose="020B0604020202020204" pitchFamily="34" charset="0"/>
+                <a:cs typeface="Arial" panose="020B0604020202020204" pitchFamily="34" charset="0"/>
+              </a:rPr>
+              <a:t>8</a:t>
+            </a:r>
+            <a:r>
+              <a:rPr lang="en-US" sz="2800" dirty="0">
+                <a:latin typeface="Arial" panose="020B0604020202020204" pitchFamily="34" charset="0"/>
+                <a:cs typeface="Arial" panose="020B0604020202020204" pitchFamily="34" charset="0"/>
+              </a:rPr>
+              <a:t>, </a:t>
+            </a:r>
+            <a:r>
+              <a:rPr lang="en-US" sz="2800" b="1" dirty="0">
+                <a:latin typeface="Arial" panose="020B0604020202020204" pitchFamily="34" charset="0"/>
+                <a:cs typeface="Arial" panose="020B0604020202020204" pitchFamily="34" charset="0"/>
+              </a:rPr>
+              <a:t>5</a:t>
+            </a:r>
+          </a:p>
+          <a:p>
+            <a:pPr marL="233363" indent="-233363">
+              <a:buFont typeface="Arial" panose="020B0604020202020204" pitchFamily="34" charset="0"/>
+              <a:buChar char="•"/>
+            </a:pPr>
+            <a:r>
+              <a:rPr lang="en-US" sz="2800" dirty="0">
+                <a:latin typeface="Arial" panose="020B0604020202020204" pitchFamily="34" charset="0"/>
+                <a:cs typeface="Arial" panose="020B0604020202020204" pitchFamily="34" charset="0"/>
+              </a:rPr>
+              <a:t>2</a:t>
+            </a:r>
+            <a:r>
+              <a:rPr lang="en-US" sz="2800" baseline="30000" dirty="0">
+                <a:latin typeface="Arial" panose="020B0604020202020204" pitchFamily="34" charset="0"/>
+                <a:cs typeface="Arial" panose="020B0604020202020204" pitchFamily="34" charset="0"/>
+              </a:rPr>
+              <a:t>nd</a:t>
+            </a:r>
+            <a:r>
+              <a:rPr lang="en-US" sz="2800" dirty="0">
+                <a:latin typeface="Arial" panose="020B0604020202020204" pitchFamily="34" charset="0"/>
+                <a:cs typeface="Arial" panose="020B0604020202020204" pitchFamily="34" charset="0"/>
+              </a:rPr>
+              <a:t> Hidden Layer Nodes: </a:t>
+            </a:r>
+            <a:r>
+              <a:rPr lang="en-US" sz="2800" b="1" dirty="0">
+                <a:latin typeface="Arial" panose="020B0604020202020204" pitchFamily="34" charset="0"/>
+                <a:cs typeface="Arial" panose="020B0604020202020204" pitchFamily="34" charset="0"/>
+              </a:rPr>
+              <a:t>8</a:t>
+            </a:r>
+            <a:r>
+              <a:rPr lang="en-US" sz="2800" dirty="0">
+                <a:latin typeface="Arial" panose="020B0604020202020204" pitchFamily="34" charset="0"/>
+                <a:cs typeface="Arial" panose="020B0604020202020204" pitchFamily="34" charset="0"/>
+              </a:rPr>
+              <a:t>, </a:t>
+            </a:r>
+            <a:r>
+              <a:rPr lang="en-US" sz="2800" b="1" dirty="0">
+                <a:latin typeface="Arial" panose="020B0604020202020204" pitchFamily="34" charset="0"/>
+                <a:cs typeface="Arial" panose="020B0604020202020204" pitchFamily="34" charset="0"/>
+              </a:rPr>
+              <a:t>5</a:t>
+            </a:r>
+          </a:p>
+        </p:txBody>
+      </p:sp>
+      <p:pic>
+        <p:nvPicPr>
+          <p:cNvPr id="30" name="Picture 29">
+            <a:extLst>
+              <a:ext uri="{FF2B5EF4-FFF2-40B4-BE49-F238E27FC236}">
+                <a16:creationId xmlns:a16="http://schemas.microsoft.com/office/drawing/2014/main" id="{46A6FD9B-2A26-4F38-B261-FC8578A78334}"/>
+              </a:ext>
+            </a:extLst>
+          </p:cNvPr>
+          <p:cNvPicPr>
+            <a:picLocks noChangeAspect="1"/>
+          </p:cNvPicPr>
+          <p:nvPr/>
+        </p:nvPicPr>
+        <p:blipFill rotWithShape="1">
+          <a:blip r:embed="rId15">
+            <a:extLst>
+              <a:ext uri="{28A0092B-C50C-407E-A947-70E740481C1C}">
+                <a14:useLocalDpi xmlns:a14="http://schemas.microsoft.com/office/drawing/2010/main" val="0"/>
+              </a:ext>
+            </a:extLst>
+          </a:blip>
+          <a:srcRect l="6628" t="11329" r="8063" b="4933"/>
+          <a:stretch/>
+        </p:blipFill>
+        <p:spPr>
+          <a:xfrm>
+            <a:off x="27742005" y="5523241"/>
+            <a:ext cx="5075089" cy="3383280"/>
+          </a:xfrm>
+          <a:prstGeom prst="rect">
+            <a:avLst/>
+          </a:prstGeom>
+        </p:spPr>
+      </p:pic>
+      <mc:AlternateContent xmlns:mc="http://schemas.openxmlformats.org/markup-compatibility/2006" xmlns:a14="http://schemas.microsoft.com/office/drawing/2010/main">
+        <mc:Choice Requires="a14">
+          <p:sp>
+            <p:nvSpPr>
+              <p:cNvPr id="101" name="Rectangle 100">
+                <a:extLst>
+                  <a:ext uri="{FF2B5EF4-FFF2-40B4-BE49-F238E27FC236}">
+                    <a16:creationId xmlns:a16="http://schemas.microsoft.com/office/drawing/2014/main" id="{17838320-B977-4C35-A68E-B9C8C072CD82}"/>
+                  </a:ext>
+                </a:extLst>
+              </p:cNvPr>
+              <p:cNvSpPr/>
+              <p:nvPr/>
+            </p:nvSpPr>
+            <p:spPr>
+              <a:xfrm>
+                <a:off x="23151831" y="10484969"/>
+                <a:ext cx="5192861" cy="1159292"/>
+              </a:xfrm>
+              <a:prstGeom prst="rect">
+                <a:avLst/>
+              </a:prstGeom>
+            </p:spPr>
+            <p:txBody>
+              <a:bodyPr wrap="square">
+                <a:spAutoFit/>
+              </a:bodyPr>
+              <a:lstStyle/>
+              <a:p>
+                <a:pPr>
+                  <a:spcAft>
+                    <a:spcPts val="400"/>
+                  </a:spcAft>
+                </a:pPr>
+                <a:r>
+                  <a:rPr lang="en-US" sz="2200" dirty="0">
+                    <a:solidFill>
+                      <a:schemeClr val="tx1"/>
+                    </a:solidFill>
+                    <a:latin typeface="Arial" panose="020B0604020202020204" pitchFamily="34" charset="0"/>
+                    <a:cs typeface="Arial" panose="020B0604020202020204" pitchFamily="34" charset="0"/>
+                  </a:rPr>
+                  <a:t>Fig. 7 (top): Epoch Curve for Selected NN; shaded regions represent </a:t>
+                </a:r>
+                <a14:m>
+                  <m:oMath xmlns:m="http://schemas.openxmlformats.org/officeDocument/2006/math">
+                    <m:r>
+                      <m:rPr>
+                        <m:sty m:val="p"/>
+                      </m:rPr>
+                      <a:rPr lang="el-GR" sz="2200" i="0" smtClean="0">
+                        <a:solidFill>
+                          <a:schemeClr val="tx1"/>
+                        </a:solidFill>
+                        <a:latin typeface="Cambria Math" panose="02040503050406030204" pitchFamily="18" charset="0"/>
+                        <a:ea typeface="Cambria Math" panose="02040503050406030204" pitchFamily="18" charset="0"/>
+                        <a:cs typeface="Arial" panose="020B0604020202020204" pitchFamily="34" charset="0"/>
+                      </a:rPr>
+                      <m:t>μ</m:t>
+                    </m:r>
+                    <m:r>
+                      <a:rPr lang="en-US" sz="2200" b="0" i="0" smtClean="0">
+                        <a:solidFill>
+                          <a:schemeClr val="tx1"/>
+                        </a:solidFill>
+                        <a:latin typeface="Cambria Math" panose="02040503050406030204" pitchFamily="18" charset="0"/>
+                        <a:ea typeface="Cambria Math" panose="02040503050406030204" pitchFamily="18" charset="0"/>
+                        <a:cs typeface="Arial" panose="020B0604020202020204" pitchFamily="34" charset="0"/>
+                      </a:rPr>
+                      <m:t> </m:t>
+                    </m:r>
+                    <m:r>
+                      <m:rPr>
+                        <m:nor/>
+                      </m:rPr>
+                      <a:rPr lang="en-US" sz="2200" dirty="0">
+                        <a:solidFill>
+                          <a:schemeClr val="tx1"/>
+                        </a:solidFill>
+                        <a:latin typeface="Arial" panose="020B0604020202020204" pitchFamily="34" charset="0"/>
+                        <a:cs typeface="Arial" panose="020B0604020202020204" pitchFamily="34" charset="0"/>
+                      </a:rPr>
+                      <m:t>±</m:t>
+                    </m:r>
+                    <m:r>
+                      <m:rPr>
+                        <m:nor/>
+                      </m:rPr>
+                      <a:rPr lang="en-US" sz="2200" b="0" i="0" dirty="0" smtClean="0">
+                        <a:solidFill>
+                          <a:schemeClr val="tx1"/>
+                        </a:solidFill>
+                        <a:latin typeface="Arial" panose="020B0604020202020204" pitchFamily="34" charset="0"/>
+                        <a:cs typeface="Arial" panose="020B0604020202020204" pitchFamily="34" charset="0"/>
+                      </a:rPr>
+                      <m:t> </m:t>
+                    </m:r>
+                    <m:r>
+                      <m:rPr>
+                        <m:sty m:val="p"/>
+                      </m:rPr>
+                      <a:rPr lang="en-US" sz="2200" i="0" smtClean="0">
+                        <a:solidFill>
+                          <a:schemeClr val="tx1"/>
+                        </a:solidFill>
+                        <a:latin typeface="Cambria Math" panose="02040503050406030204" pitchFamily="18" charset="0"/>
+                        <a:ea typeface="Cambria Math" panose="02040503050406030204" pitchFamily="18" charset="0"/>
+                        <a:cs typeface="Arial" panose="020B0604020202020204" pitchFamily="34" charset="0"/>
+                      </a:rPr>
+                      <m:t>σ</m:t>
+                    </m:r>
+                  </m:oMath>
+                </a14:m>
+                <a:endParaRPr lang="en-US" sz="2200" dirty="0">
+                  <a:solidFill>
+                    <a:schemeClr val="tx1"/>
+                  </a:solidFill>
+                  <a:latin typeface="Arial" panose="020B0604020202020204" pitchFamily="34" charset="0"/>
+                  <a:cs typeface="Arial" panose="020B0604020202020204" pitchFamily="34" charset="0"/>
+                </a:endParaRPr>
+              </a:p>
+              <a:p>
+                <a:pPr>
+                  <a:spcAft>
+                    <a:spcPts val="400"/>
+                  </a:spcAft>
+                </a:pPr>
+                <a:r>
+                  <a:rPr lang="en-US" sz="2200" dirty="0">
+                    <a:latin typeface="Arial" panose="020B0604020202020204" pitchFamily="34" charset="0"/>
+                    <a:cs typeface="Arial" panose="020B0604020202020204" pitchFamily="34" charset="0"/>
+                  </a:rPr>
+                  <a:t>Fig. 8 (right): Confusion Matrix</a:t>
+                </a:r>
+                <a:endParaRPr lang="en-US" sz="2200" dirty="0">
+                  <a:solidFill>
+                    <a:schemeClr val="tx1"/>
+                  </a:solidFill>
+                  <a:latin typeface="Arial" panose="020B0604020202020204" pitchFamily="34" charset="0"/>
+                  <a:cs typeface="Arial" panose="020B0604020202020204" pitchFamily="34" charset="0"/>
+                </a:endParaRPr>
+              </a:p>
+            </p:txBody>
+          </p:sp>
+        </mc:Choice>
+        <mc:Fallback xmlns="">
+          <p:sp>
+            <p:nvSpPr>
+              <p:cNvPr id="101" name="Rectangle 100">
+                <a:extLst>
+                  <a:ext uri="{FF2B5EF4-FFF2-40B4-BE49-F238E27FC236}">
+                    <a16:creationId xmlns:a16="http://schemas.microsoft.com/office/drawing/2014/main" id="{17838320-B977-4C35-A68E-B9C8C072CD82}"/>
+                  </a:ext>
+                </a:extLst>
+              </p:cNvPr>
+              <p:cNvSpPr>
+                <a:spLocks noRot="1" noChangeAspect="1" noMove="1" noResize="1" noEditPoints="1" noAdjustHandles="1" noChangeArrowheads="1" noChangeShapeType="1" noTextEdit="1"/>
+              </p:cNvSpPr>
+              <p:nvPr/>
+            </p:nvSpPr>
+            <p:spPr>
+              <a:xfrm>
+                <a:off x="23151831" y="10484969"/>
+                <a:ext cx="5192861" cy="1159292"/>
+              </a:xfrm>
+              <a:prstGeom prst="rect">
+                <a:avLst/>
+              </a:prstGeom>
+              <a:blipFill>
+                <a:blip r:embed="rId16"/>
+                <a:stretch>
+                  <a:fillRect l="-1526" t="-3158" b="-10000"/>
+                </a:stretch>
+              </a:blipFill>
+            </p:spPr>
+            <p:txBody>
+              <a:bodyPr/>
+              <a:lstStyle/>
+              <a:p>
+                <a:r>
+                  <a:rPr lang="en-US">
+                    <a:noFill/>
+                  </a:rPr>
+                  <a:t> </a:t>
+                </a:r>
+              </a:p>
+            </p:txBody>
+          </p:sp>
+        </mc:Fallback>
+      </mc:AlternateContent>
+      <p:cxnSp>
+        <p:nvCxnSpPr>
+          <p:cNvPr id="102" name="Straight Connector 101">
+            <a:extLst>
+              <a:ext uri="{FF2B5EF4-FFF2-40B4-BE49-F238E27FC236}">
+                <a16:creationId xmlns:a16="http://schemas.microsoft.com/office/drawing/2014/main" id="{9CEA052D-AFEE-4369-A3D6-3796F0D962C3}"/>
+              </a:ext>
+            </a:extLst>
+          </p:cNvPr>
+          <p:cNvCxnSpPr>
+            <a:cxnSpLocks/>
+          </p:cNvCxnSpPr>
+          <p:nvPr/>
+        </p:nvCxnSpPr>
+        <p:spPr>
+          <a:xfrm>
+            <a:off x="30868483" y="5594435"/>
+            <a:ext cx="0" cy="2560320"/>
+          </a:xfrm>
+          <a:prstGeom prst="line">
+            <a:avLst/>
+          </a:prstGeom>
+        </p:spPr>
+        <p:style>
+          <a:lnRef idx="1">
+            <a:schemeClr val="accent2"/>
+          </a:lnRef>
+          <a:fillRef idx="0">
+            <a:schemeClr val="accent2"/>
+          </a:fillRef>
+          <a:effectRef idx="0">
+            <a:schemeClr val="accent2"/>
+          </a:effectRef>
+          <a:fontRef idx="minor">
+            <a:schemeClr val="tx1"/>
+          </a:fontRef>
+        </p:style>
+      </p:cxnSp>
+      <p:sp>
+        <p:nvSpPr>
+          <p:cNvPr id="104" name="Rectangle 3">
+            <a:extLst>
+              <a:ext uri="{FF2B5EF4-FFF2-40B4-BE49-F238E27FC236}">
+                <a16:creationId xmlns:a16="http://schemas.microsoft.com/office/drawing/2014/main" id="{3147A13F-C396-4857-88F2-1A6DA9E4F5E4}"/>
+              </a:ext>
+            </a:extLst>
+          </p:cNvPr>
+          <p:cNvSpPr>
+            <a:spLocks noChangeArrowheads="1"/>
+          </p:cNvSpPr>
+          <p:nvPr/>
+        </p:nvSpPr>
+        <p:spPr bwMode="auto">
+          <a:xfrm>
+            <a:off x="250390" y="5503278"/>
+            <a:ext cx="9503787" cy="4832092"/>
+          </a:xfrm>
+          <a:prstGeom prst="rect">
+            <a:avLst/>
+          </a:prstGeom>
+          <a:noFill/>
+          <a:ln>
+            <a:noFill/>
+          </a:ln>
+          <a:effectLst/>
+          <a:extLst>
+            <a:ext uri="{909E8E84-426E-40DD-AFC4-6F175D3DCCD1}">
+              <a14:hiddenFill xmlns:a14="http://schemas.microsoft.com/office/drawing/2010/main">
+                <a:solidFill>
+                  <a:schemeClr val="accent1"/>
+                </a:solidFill>
+              </a14:hiddenFill>
+            </a:ext>
+            <a:ext uri="{91240B29-F687-4F45-9708-019B960494DF}">
+              <a14:hiddenLine xmlns:a14="http://schemas.microsoft.com/office/drawing/2010/main" w="9525">
+                <a:solidFill>
+                  <a:schemeClr val="tx1"/>
+                </a:solidFill>
+                <a:miter lim="800000"/>
+                <a:headEnd/>
+                <a:tailEnd/>
+              </a14:hiddenLine>
+            </a:ext>
+            <a:ext uri="{AF507438-7753-43E0-B8FC-AC1667EBCBE1}">
+              <a14:hiddenEffects xmlns:a14="http://schemas.microsoft.com/office/drawing/2010/main">
+                <a:effectLst>
+                  <a:outerShdw dist="35921" dir="2700000" algn="ctr" rotWithShape="0">
+                    <a:schemeClr val="bg2"/>
+                  </a:outerShdw>
+                </a:effectLst>
+              </a14:hiddenEffects>
+            </a:ext>
+          </a:extLst>
+        </p:spPr>
+        <p:txBody>
+          <a:bodyPr vert="horz" wrap="square" lIns="91440" tIns="45720" rIns="91440" bIns="45720" numCol="1" anchor="ctr" anchorCtr="0" compatLnSpc="1">
+            <a:prstTxWarp prst="textNoShape">
+              <a:avLst/>
+            </a:prstTxWarp>
+            <a:spAutoFit/>
+          </a:bodyPr>
+          <a:lstStyle>
+            <a:lvl1pPr eaLnBrk="0" fontAlgn="base" hangingPunct="0">
+              <a:spcBef>
+                <a:spcPct val="0"/>
+              </a:spcBef>
+              <a:spcAft>
+                <a:spcPct val="0"/>
+              </a:spcAft>
+              <a:defRPr>
+                <a:solidFill>
+                  <a:schemeClr val="tx1"/>
+                </a:solidFill>
+                <a:latin typeface="Arial" panose="020B0604020202020204" pitchFamily="34" charset="0"/>
+              </a:defRPr>
+            </a:lvl1pPr>
+            <a:lvl2pPr eaLnBrk="0" fontAlgn="base" hangingPunct="0">
+              <a:spcBef>
+                <a:spcPct val="0"/>
+              </a:spcBef>
+              <a:spcAft>
+                <a:spcPct val="0"/>
+              </a:spcAft>
+              <a:defRPr>
+                <a:solidFill>
+                  <a:schemeClr val="tx1"/>
+                </a:solidFill>
+                <a:latin typeface="Arial" panose="020B0604020202020204" pitchFamily="34" charset="0"/>
+              </a:defRPr>
+            </a:lvl2pPr>
+            <a:lvl3pPr eaLnBrk="0" fontAlgn="base" hangingPunct="0">
+              <a:spcBef>
+                <a:spcPct val="0"/>
+              </a:spcBef>
+              <a:spcAft>
+                <a:spcPct val="0"/>
+              </a:spcAft>
+              <a:defRPr>
+                <a:solidFill>
+                  <a:schemeClr val="tx1"/>
+                </a:solidFill>
+                <a:latin typeface="Arial" panose="020B0604020202020204" pitchFamily="34" charset="0"/>
+              </a:defRPr>
+            </a:lvl3pPr>
+            <a:lvl4pPr eaLnBrk="0" fontAlgn="base" hangingPunct="0">
+              <a:spcBef>
+                <a:spcPct val="0"/>
+              </a:spcBef>
+              <a:spcAft>
+                <a:spcPct val="0"/>
+              </a:spcAft>
+              <a:defRPr>
+                <a:solidFill>
+                  <a:schemeClr val="tx1"/>
+                </a:solidFill>
+                <a:latin typeface="Arial" panose="020B0604020202020204" pitchFamily="34" charset="0"/>
+              </a:defRPr>
+            </a:lvl4pPr>
+            <a:lvl5pPr eaLnBrk="0" fontAlgn="base" hangingPunct="0">
+              <a:spcBef>
+                <a:spcPct val="0"/>
+              </a:spcBef>
+              <a:spcAft>
+                <a:spcPct val="0"/>
+              </a:spcAft>
+              <a:defRPr>
+                <a:solidFill>
+                  <a:schemeClr val="tx1"/>
+                </a:solidFill>
+                <a:latin typeface="Arial" panose="020B0604020202020204" pitchFamily="34" charset="0"/>
+              </a:defRPr>
+            </a:lvl5pPr>
+            <a:lvl6pPr eaLnBrk="0" fontAlgn="base" hangingPunct="0">
+              <a:spcBef>
+                <a:spcPct val="0"/>
+              </a:spcBef>
+              <a:spcAft>
+                <a:spcPct val="0"/>
+              </a:spcAft>
+              <a:defRPr>
+                <a:solidFill>
+                  <a:schemeClr val="tx1"/>
+                </a:solidFill>
+                <a:latin typeface="Arial" panose="020B0604020202020204" pitchFamily="34" charset="0"/>
+              </a:defRPr>
+            </a:lvl6pPr>
+            <a:lvl7pPr eaLnBrk="0" fontAlgn="base" hangingPunct="0">
+              <a:spcBef>
+                <a:spcPct val="0"/>
+              </a:spcBef>
+              <a:spcAft>
+                <a:spcPct val="0"/>
+              </a:spcAft>
+              <a:defRPr>
+                <a:solidFill>
+                  <a:schemeClr val="tx1"/>
+                </a:solidFill>
+                <a:latin typeface="Arial" panose="020B0604020202020204" pitchFamily="34" charset="0"/>
+              </a:defRPr>
+            </a:lvl7pPr>
+            <a:lvl8pPr eaLnBrk="0" fontAlgn="base" hangingPunct="0">
+              <a:spcBef>
+                <a:spcPct val="0"/>
+              </a:spcBef>
+              <a:spcAft>
+                <a:spcPct val="0"/>
+              </a:spcAft>
+              <a:defRPr>
+                <a:solidFill>
+                  <a:schemeClr val="tx1"/>
+                </a:solidFill>
+                <a:latin typeface="Arial" panose="020B0604020202020204" pitchFamily="34" charset="0"/>
+              </a:defRPr>
+            </a:lvl8pPr>
+            <a:lvl9pPr eaLnBrk="0" fontAlgn="base" hangingPunct="0">
+              <a:spcBef>
+                <a:spcPct val="0"/>
+              </a:spcBef>
+              <a:spcAft>
+                <a:spcPct val="0"/>
+              </a:spcAft>
+              <a:defRPr>
+                <a:solidFill>
+                  <a:schemeClr val="tx1"/>
+                </a:solidFill>
+                <a:latin typeface="Arial" panose="020B0604020202020204" pitchFamily="34" charset="0"/>
+              </a:defRPr>
+            </a:lvl9pPr>
+          </a:lstStyle>
+          <a:p>
+            <a:pPr marL="0" marR="0" lvl="0" indent="0" algn="just" defTabSz="914400" rtl="0" eaLnBrk="0" fontAlgn="base" latinLnBrk="0" hangingPunct="0">
+              <a:lnSpc>
+                <a:spcPct val="100000"/>
+              </a:lnSpc>
+              <a:spcBef>
+                <a:spcPct val="0"/>
+              </a:spcBef>
+              <a:spcAft>
+                <a:spcPct val="0"/>
+              </a:spcAft>
+              <a:buClrTx/>
+              <a:buSzTx/>
+              <a:buFontTx/>
+              <a:buNone/>
+              <a:tabLst/>
+            </a:pPr>
+            <a:r>
+              <a:rPr kumimoji="0" lang="en-US" altLang="en-US" sz="2800" b="0" i="0" u="none" strike="noStrike" cap="none" normalizeH="0" baseline="0" dirty="0">
+                <a:ln>
+                  <a:noFill/>
+                </a:ln>
+                <a:effectLst/>
+                <a:cs typeface="Arial" panose="020B0604020202020204" pitchFamily="34" charset="0"/>
+              </a:rPr>
+              <a:t>Contemporary methods to analyze dewetting stages from optical microscopy</a:t>
+            </a:r>
+            <a:r>
+              <a:rPr lang="en-US" altLang="en-US" sz="2800" dirty="0">
+                <a:cs typeface="Arial" panose="020B0604020202020204" pitchFamily="34" charset="0"/>
+              </a:rPr>
+              <a:t> are limited to</a:t>
+            </a:r>
+            <a:r>
+              <a:rPr kumimoji="0" lang="en-US" altLang="en-US" sz="2800" b="0" i="0" u="none" strike="noStrike" cap="none" normalizeH="0" baseline="0" dirty="0">
+                <a:ln>
+                  <a:noFill/>
+                </a:ln>
+                <a:effectLst/>
+                <a:cs typeface="Arial" panose="020B0604020202020204" pitchFamily="34" charset="0"/>
+              </a:rPr>
+              <a:t> manual classification. The project seeks to automate this process by using image processing techniques and machine learning. Magnitude independent features,</a:t>
+            </a:r>
+            <a:r>
+              <a:rPr kumimoji="0" lang="en-US" altLang="en-US" sz="2800" b="0" i="0" u="none" strike="noStrike" cap="none" normalizeH="0" dirty="0">
+                <a:ln>
+                  <a:noFill/>
+                </a:ln>
+                <a:effectLst/>
+                <a:cs typeface="Arial" panose="020B0604020202020204" pitchFamily="34" charset="0"/>
+              </a:rPr>
+              <a:t> such as</a:t>
+            </a:r>
+            <a:r>
+              <a:rPr kumimoji="0" lang="en-US" altLang="en-US" sz="2800" b="0" i="0" u="none" strike="noStrike" cap="none" normalizeH="0" baseline="0" dirty="0">
+                <a:ln>
+                  <a:noFill/>
+                </a:ln>
+                <a:effectLst/>
+                <a:cs typeface="Arial" panose="020B0604020202020204" pitchFamily="34" charset="0"/>
+              </a:rPr>
+              <a:t> pixel skew, variance, and entropy,</a:t>
+            </a:r>
+            <a:r>
+              <a:rPr kumimoji="0" lang="en-US" altLang="en-US" sz="2800" b="0" i="0" u="none" strike="noStrike" cap="none" normalizeH="0" dirty="0">
+                <a:ln>
+                  <a:noFill/>
+                </a:ln>
+                <a:effectLst/>
+                <a:cs typeface="Arial" panose="020B0604020202020204" pitchFamily="34" charset="0"/>
+              </a:rPr>
+              <a:t> </a:t>
+            </a:r>
+            <a:r>
+              <a:rPr kumimoji="0" lang="en-US" altLang="en-US" sz="2800" b="0" i="0" u="none" strike="noStrike" cap="none" normalizeH="0" baseline="0" dirty="0">
+                <a:ln>
+                  <a:noFill/>
+                </a:ln>
+                <a:effectLst/>
+                <a:cs typeface="Arial" panose="020B0604020202020204" pitchFamily="34" charset="0"/>
+              </a:rPr>
+              <a:t>along with their local deviations,</a:t>
+            </a:r>
+            <a:r>
+              <a:rPr kumimoji="0" lang="en-US" altLang="en-US" sz="2800" b="0" i="0" u="none" strike="noStrike" cap="none" normalizeH="0" dirty="0">
+                <a:ln>
+                  <a:noFill/>
+                </a:ln>
+                <a:effectLst/>
+                <a:cs typeface="Arial" panose="020B0604020202020204" pitchFamily="34" charset="0"/>
+              </a:rPr>
+              <a:t> </a:t>
+            </a:r>
+            <a:r>
+              <a:rPr kumimoji="0" lang="en-US" altLang="en-US" sz="2800" b="0" i="0" u="none" strike="noStrike" cap="none" normalizeH="0" baseline="0" dirty="0">
+                <a:ln>
+                  <a:noFill/>
+                </a:ln>
+                <a:effectLst/>
+                <a:cs typeface="Arial" panose="020B0604020202020204" pitchFamily="34" charset="0"/>
+              </a:rPr>
+              <a:t>were used to train a simple feed forward neural network. From a dataset of 64 images, tuning was achieved by selecting the neural network hyperparameter configuration with the highest peak cross validation score. The selected</a:t>
+            </a:r>
+            <a:r>
+              <a:rPr kumimoji="0" lang="en-US" altLang="en-US" sz="2800" b="0" i="0" u="none" strike="noStrike" cap="none" normalizeH="0" dirty="0">
+                <a:ln>
+                  <a:noFill/>
+                </a:ln>
+                <a:effectLst/>
+                <a:cs typeface="Arial" panose="020B0604020202020204" pitchFamily="34" charset="0"/>
+              </a:rPr>
+              <a:t> model accurately classified approximately 80% of the testing set.</a:t>
+            </a:r>
+            <a:r>
+              <a:rPr kumimoji="0" lang="en-US" altLang="en-US" sz="2800" b="0" i="0" u="none" strike="noStrike" cap="none" normalizeH="0" baseline="0" dirty="0">
+                <a:ln>
+                  <a:noFill/>
+                </a:ln>
+                <a:effectLst/>
+                <a:cs typeface="Arial" panose="020B0604020202020204" pitchFamily="34" charset="0"/>
+              </a:rPr>
+              <a:t> </a:t>
+            </a:r>
+          </a:p>
+        </p:txBody>
+      </p:sp>
+      <p:pic>
+        <p:nvPicPr>
+          <p:cNvPr id="1028" name="Picture 4" descr="https://ci3.googleusercontent.com/proxy/brwtshoO8pFoWzivuTYTqzcgbWbRGn8NoU8wERg_KJm3_dQfWsYZcw5SQWdMXaW39zaYym3eYNHeLECuyKxBYYGgtAEK-2_yIIyzW_3fVstyQg=s0-d-e1-ft#https://ssl.gstatic.com/ui/v1/icons/mail/images/cleardot.gif">
+            <a:extLst>
+              <a:ext uri="{FF2B5EF4-FFF2-40B4-BE49-F238E27FC236}">
+                <a16:creationId xmlns:a16="http://schemas.microsoft.com/office/drawing/2014/main" id="{E0A3DD93-CAF4-4E16-BA0F-0CE056B57393}"/>
+              </a:ext>
+            </a:extLst>
+          </p:cNvPr>
+          <p:cNvPicPr>
+            <a:picLocks noChangeAspect="1" noChangeArrowheads="1"/>
+          </p:cNvPicPr>
+          <p:nvPr/>
+        </p:nvPicPr>
+        <p:blipFill>
+          <a:blip r:embed="rId17">
+            <a:extLst>
+              <a:ext uri="{28A0092B-C50C-407E-A947-70E740481C1C}">
+                <a14:useLocalDpi xmlns:a14="http://schemas.microsoft.com/office/drawing/2010/main" val="0"/>
+              </a:ext>
+            </a:extLst>
+          </a:blip>
+          <a:srcRect/>
+          <a:stretch>
+            <a:fillRect/>
+          </a:stretch>
+        </p:blipFill>
+        <p:spPr bwMode="auto">
+          <a:xfrm>
+            <a:off x="31750" y="68263"/>
+            <a:ext cx="9525" cy="9525"/>
+          </a:xfrm>
+          <a:prstGeom prst="rect">
+            <a:avLst/>
+          </a:prstGeom>
+          <a:noFill/>
+          <a:extLst>
+            <a:ext uri="{909E8E84-426E-40DD-AFC4-6F175D3DCCD1}">
+              <a14:hiddenFill xmlns:a14="http://schemas.microsoft.com/office/drawing/2010/main">
+                <a:solidFill>
+                  <a:srgbClr val="FFFFFF"/>
+                </a:solidFill>
+              </a14:hiddenFill>
+            </a:ext>
+          </a:extLst>
+        </p:spPr>
+      </p:pic>
+      <p:pic>
+        <p:nvPicPr>
+          <p:cNvPr id="1030" name="Picture 6" descr="https://ci3.googleusercontent.com/proxy/brwtshoO8pFoWzivuTYTqzcgbWbRGn8NoU8wERg_KJm3_dQfWsYZcw5SQWdMXaW39zaYym3eYNHeLECuyKxBYYGgtAEK-2_yIIyzW_3fVstyQg=s0-d-e1-ft#https://ssl.gstatic.com/ui/v1/icons/mail/images/cleardot.gif">
+            <a:extLst>
+              <a:ext uri="{FF2B5EF4-FFF2-40B4-BE49-F238E27FC236}">
+                <a16:creationId xmlns:a16="http://schemas.microsoft.com/office/drawing/2014/main" id="{28ED04E3-EDFF-4B01-AAF2-F76B89DDF37F}"/>
+              </a:ext>
+            </a:extLst>
+          </p:cNvPr>
+          <p:cNvPicPr>
+            <a:picLocks noChangeAspect="1" noChangeArrowheads="1"/>
+          </p:cNvPicPr>
+          <p:nvPr/>
+        </p:nvPicPr>
+        <p:blipFill>
+          <a:blip r:embed="rId17">
+            <a:extLst>
+              <a:ext uri="{28A0092B-C50C-407E-A947-70E740481C1C}">
+                <a14:useLocalDpi xmlns:a14="http://schemas.microsoft.com/office/drawing/2010/main" val="0"/>
+              </a:ext>
+            </a:extLst>
+          </a:blip>
+          <a:srcRect/>
+          <a:stretch>
+            <a:fillRect/>
+          </a:stretch>
+        </p:blipFill>
+        <p:spPr bwMode="auto">
+          <a:xfrm>
+            <a:off x="184150" y="220663"/>
+            <a:ext cx="9525" cy="9525"/>
+          </a:xfrm>
+          <a:prstGeom prst="rect">
+            <a:avLst/>
+          </a:prstGeom>
+          <a:noFill/>
+          <a:extLst>
+            <a:ext uri="{909E8E84-426E-40DD-AFC4-6F175D3DCCD1}">
+              <a14:hiddenFill xmlns:a14="http://schemas.microsoft.com/office/drawing/2010/main">
+                <a:solidFill>
+                  <a:srgbClr val="FFFFFF"/>
+                </a:solidFill>
+              </a14:hiddenFill>
+            </a:ext>
+          </a:extLst>
+        </p:spPr>
+      </p:pic>
+      <p:pic>
+        <p:nvPicPr>
+          <p:cNvPr id="1032" name="Picture 8" descr="https://ci3.googleusercontent.com/proxy/brwtshoO8pFoWzivuTYTqzcgbWbRGn8NoU8wERg_KJm3_dQfWsYZcw5SQWdMXaW39zaYym3eYNHeLECuyKxBYYGgtAEK-2_yIIyzW_3fVstyQg=s0-d-e1-ft#https://ssl.gstatic.com/ui/v1/icons/mail/images/cleardot.gif">
+            <a:extLst>
+              <a:ext uri="{FF2B5EF4-FFF2-40B4-BE49-F238E27FC236}">
+                <a16:creationId xmlns:a16="http://schemas.microsoft.com/office/drawing/2014/main" id="{75A6BA5A-31E5-4A0F-BED6-7F7856192F45}"/>
+              </a:ext>
+            </a:extLst>
+          </p:cNvPr>
+          <p:cNvPicPr>
+            <a:picLocks noChangeAspect="1" noChangeArrowheads="1"/>
+          </p:cNvPicPr>
+          <p:nvPr/>
+        </p:nvPicPr>
+        <p:blipFill>
+          <a:blip r:embed="rId17">
+            <a:extLst>
+              <a:ext uri="{28A0092B-C50C-407E-A947-70E740481C1C}">
+                <a14:useLocalDpi xmlns:a14="http://schemas.microsoft.com/office/drawing/2010/main" val="0"/>
+              </a:ext>
+            </a:extLst>
+          </a:blip>
+          <a:srcRect/>
+          <a:stretch>
+            <a:fillRect/>
+          </a:stretch>
+        </p:blipFill>
+        <p:spPr bwMode="auto">
+          <a:xfrm>
+            <a:off x="336550" y="373063"/>
+            <a:ext cx="9525" cy="9525"/>
+          </a:xfrm>
+          <a:prstGeom prst="rect">
+            <a:avLst/>
+          </a:prstGeom>
+          <a:noFill/>
+          <a:extLst>
+            <a:ext uri="{909E8E84-426E-40DD-AFC4-6F175D3DCCD1}">
+              <a14:hiddenFill xmlns:a14="http://schemas.microsoft.com/office/drawing/2010/main">
+                <a:solidFill>
+                  <a:srgbClr val="FFFFFF"/>
+                </a:solidFill>
+              </a14:hiddenFill>
+            </a:ext>
+          </a:extLst>
+        </p:spPr>
+      </p:pic>
+      <p:pic>
+        <p:nvPicPr>
+          <p:cNvPr id="1034" name="Picture 10" descr="https://ssl.gstatic.com/ui/v1/icons/mail/images/cleardot.gif">
+            <a:extLst>
+              <a:ext uri="{FF2B5EF4-FFF2-40B4-BE49-F238E27FC236}">
+                <a16:creationId xmlns:a16="http://schemas.microsoft.com/office/drawing/2014/main" id="{40CCCC6D-04F3-43A7-B1C8-C5A3B2D25D4A}"/>
+              </a:ext>
+            </a:extLst>
+          </p:cNvPr>
+          <p:cNvPicPr>
+            <a:picLocks noChangeAspect="1" noChangeArrowheads="1"/>
+          </p:cNvPicPr>
+          <p:nvPr/>
+        </p:nvPicPr>
+        <p:blipFill>
+          <a:blip r:embed="rId18">
+            <a:extLst>
+              <a:ext uri="{28A0092B-C50C-407E-A947-70E740481C1C}">
+                <a14:useLocalDpi xmlns:a14="http://schemas.microsoft.com/office/drawing/2010/main" val="0"/>
+              </a:ext>
+            </a:extLst>
+          </a:blip>
+          <a:srcRect/>
+          <a:stretch>
+            <a:fillRect/>
+          </a:stretch>
+        </p:blipFill>
+        <p:spPr bwMode="auto">
+          <a:xfrm>
+            <a:off x="31750" y="341313"/>
+            <a:ext cx="9525" cy="9525"/>
+          </a:xfrm>
+          <a:prstGeom prst="rect">
+            <a:avLst/>
+          </a:prstGeom>
+          <a:noFill/>
+          <a:extLst>
+            <a:ext uri="{909E8E84-426E-40DD-AFC4-6F175D3DCCD1}">
+              <a14:hiddenFill xmlns:a14="http://schemas.microsoft.com/office/drawing/2010/main">
+                <a:solidFill>
+                  <a:srgbClr val="FFFFFF"/>
+                </a:solidFill>
+              </a14:hiddenFill>
+            </a:ext>
+          </a:extLst>
+        </p:spPr>
+      </p:pic>
+      <p:sp>
+        <p:nvSpPr>
+          <p:cNvPr id="115" name="Rectangle 114">
+            <a:extLst>
+              <a:ext uri="{FF2B5EF4-FFF2-40B4-BE49-F238E27FC236}">
+                <a16:creationId xmlns:a16="http://schemas.microsoft.com/office/drawing/2014/main" id="{E02A64F7-AAC6-4C98-B7D1-FDF2626CEBED}"/>
+              </a:ext>
+            </a:extLst>
+          </p:cNvPr>
+          <p:cNvSpPr/>
+          <p:nvPr/>
+        </p:nvSpPr>
+        <p:spPr>
+          <a:xfrm>
+            <a:off x="23138761" y="5557104"/>
+            <a:ext cx="5979907" cy="5411738"/>
+          </a:xfrm>
+          <a:prstGeom prst="rect">
+            <a:avLst/>
+          </a:prstGeom>
+        </p:spPr>
+        <p:txBody>
+          <a:bodyPr wrap="square">
+            <a:spAutoFit/>
+          </a:bodyPr>
+          <a:lstStyle/>
+          <a:p>
+            <a:pPr>
+              <a:spcAft>
+                <a:spcPts val="400"/>
+              </a:spcAft>
+            </a:pPr>
+            <a:r>
+              <a:rPr lang="en-US" sz="2800" b="1" dirty="0">
+                <a:latin typeface="Arial" panose="020B0604020202020204" pitchFamily="34" charset="0"/>
+                <a:cs typeface="Arial" panose="020B0604020202020204" pitchFamily="34" charset="0"/>
+              </a:rPr>
+              <a:t>Highest CV Model</a:t>
+            </a:r>
+          </a:p>
+          <a:p>
+            <a:pPr marL="466725" indent="-466725">
+              <a:spcAft>
+                <a:spcPts val="400"/>
+              </a:spcAft>
+            </a:pPr>
+            <a:r>
+              <a:rPr lang="en-US" sz="2800" dirty="0">
+                <a:latin typeface="Arial" panose="020B0604020202020204" pitchFamily="34" charset="0"/>
+                <a:cs typeface="Arial" panose="020B0604020202020204" pitchFamily="34" charset="0"/>
+              </a:rPr>
+              <a:t>  Architecture: (12,8,8,4)</a:t>
+            </a:r>
+          </a:p>
+          <a:p>
+            <a:pPr>
+              <a:spcAft>
+                <a:spcPts val="400"/>
+              </a:spcAft>
+            </a:pPr>
+            <a:r>
+              <a:rPr lang="en-US" sz="2800" dirty="0">
+                <a:latin typeface="Arial" panose="020B0604020202020204" pitchFamily="34" charset="0"/>
+                <a:cs typeface="Arial" panose="020B0604020202020204" pitchFamily="34" charset="0"/>
+              </a:rPr>
+              <a:t>  Regularization: L1(10</a:t>
+            </a:r>
+            <a:r>
+              <a:rPr lang="en-US" sz="2800" baseline="30000" dirty="0">
+                <a:latin typeface="Arial" panose="020B0604020202020204" pitchFamily="34" charset="0"/>
+                <a:cs typeface="Arial" panose="020B0604020202020204" pitchFamily="34" charset="0"/>
+              </a:rPr>
+              <a:t>-3</a:t>
+            </a:r>
+            <a:r>
+              <a:rPr lang="en-US" sz="2800" dirty="0">
+                <a:latin typeface="Arial" panose="020B0604020202020204" pitchFamily="34" charset="0"/>
+                <a:cs typeface="Arial" panose="020B0604020202020204" pitchFamily="34" charset="0"/>
+              </a:rPr>
+              <a:t>)</a:t>
+            </a:r>
+          </a:p>
+          <a:p>
+            <a:pPr>
+              <a:spcAft>
+                <a:spcPts val="400"/>
+              </a:spcAft>
+            </a:pPr>
+            <a:r>
+              <a:rPr lang="en-US" sz="2800" dirty="0">
+                <a:latin typeface="Arial" panose="020B0604020202020204" pitchFamily="34" charset="0"/>
+                <a:cs typeface="Arial" panose="020B0604020202020204" pitchFamily="34" charset="0"/>
+              </a:rPr>
+              <a:t>  Epoch: 500</a:t>
+            </a:r>
+          </a:p>
+          <a:p>
+            <a:pPr>
+              <a:spcAft>
+                <a:spcPts val="400"/>
+              </a:spcAft>
+            </a:pPr>
+            <a:endParaRPr lang="en-US" sz="600" dirty="0">
+              <a:latin typeface="Arial" panose="020B0604020202020204" pitchFamily="34" charset="0"/>
+              <a:cs typeface="Arial" panose="020B0604020202020204" pitchFamily="34" charset="0"/>
+            </a:endParaRPr>
+          </a:p>
+          <a:p>
+            <a:pPr>
+              <a:spcAft>
+                <a:spcPts val="400"/>
+              </a:spcAft>
+            </a:pPr>
+            <a:r>
+              <a:rPr lang="en-US" sz="2800" b="1" dirty="0">
+                <a:latin typeface="Arial" panose="020B0604020202020204" pitchFamily="34" charset="0"/>
+                <a:cs typeface="Arial" panose="020B0604020202020204" pitchFamily="34" charset="0"/>
+              </a:rPr>
+              <a:t>Accuracy Metrics</a:t>
+            </a:r>
+          </a:p>
+          <a:p>
+            <a:pPr>
+              <a:spcAft>
+                <a:spcPts val="400"/>
+              </a:spcAft>
+            </a:pPr>
+            <a:r>
+              <a:rPr lang="en-US" sz="2400" dirty="0">
+                <a:latin typeface="Arial" panose="020B0604020202020204" pitchFamily="34" charset="0"/>
+                <a:cs typeface="Arial" panose="020B0604020202020204" pitchFamily="34" charset="0"/>
+              </a:rPr>
+              <a:t>*20% of dataset was reserved</a:t>
+            </a:r>
+          </a:p>
+          <a:p>
+            <a:pPr>
+              <a:spcAft>
+                <a:spcPts val="400"/>
+              </a:spcAft>
+            </a:pPr>
+            <a:r>
+              <a:rPr lang="en-US" sz="2400" dirty="0">
+                <a:latin typeface="Arial" panose="020B0604020202020204" pitchFamily="34" charset="0"/>
+                <a:cs typeface="Arial" panose="020B0604020202020204" pitchFamily="34" charset="0"/>
+              </a:rPr>
+              <a:t> for testing</a:t>
+            </a:r>
+          </a:p>
+          <a:p>
+            <a:pPr>
+              <a:spcAft>
+                <a:spcPts val="400"/>
+              </a:spcAft>
+            </a:pPr>
+            <a:r>
+              <a:rPr lang="en-US" sz="2800" dirty="0">
+                <a:latin typeface="Arial" panose="020B0604020202020204" pitchFamily="34" charset="0"/>
+                <a:cs typeface="Arial" panose="020B0604020202020204" pitchFamily="34" charset="0"/>
+              </a:rPr>
+              <a:t>  Training: 0.882 ± 0.035</a:t>
+            </a:r>
+          </a:p>
+          <a:p>
+            <a:pPr>
+              <a:spcAft>
+                <a:spcPts val="400"/>
+              </a:spcAft>
+            </a:pPr>
+            <a:r>
+              <a:rPr lang="en-US" sz="2800" dirty="0">
+                <a:latin typeface="Arial" panose="020B0604020202020204" pitchFamily="34" charset="0"/>
+                <a:cs typeface="Arial" panose="020B0604020202020204" pitchFamily="34" charset="0"/>
+              </a:rPr>
+              <a:t>  Validation: 0.855 ± 0.163</a:t>
+            </a:r>
+          </a:p>
+          <a:p>
+            <a:pPr>
+              <a:spcAft>
+                <a:spcPts val="400"/>
+              </a:spcAft>
+            </a:pPr>
+            <a:r>
+              <a:rPr lang="en-US" sz="2800" dirty="0">
+                <a:latin typeface="Arial" panose="020B0604020202020204" pitchFamily="34" charset="0"/>
+                <a:cs typeface="Arial" panose="020B0604020202020204" pitchFamily="34" charset="0"/>
+              </a:rPr>
+              <a:t>  Testing: 0.786</a:t>
+            </a:r>
+          </a:p>
+          <a:p>
+            <a:pPr>
+              <a:spcAft>
+                <a:spcPts val="400"/>
+              </a:spcAft>
+            </a:pPr>
+            <a:r>
+              <a:rPr lang="en-US" sz="2800" dirty="0">
+                <a:latin typeface="Arial" panose="020B0604020202020204" pitchFamily="34" charset="0"/>
+                <a:cs typeface="Arial" panose="020B0604020202020204" pitchFamily="34" charset="0"/>
+              </a:rPr>
+              <a:t>  </a:t>
+            </a:r>
+          </a:p>
+        </p:txBody>
+      </p:sp>
+      <p:sp>
+        <p:nvSpPr>
+          <p:cNvPr id="71" name="TextBox 70">
+            <a:extLst>
+              <a:ext uri="{FF2B5EF4-FFF2-40B4-BE49-F238E27FC236}">
+                <a16:creationId xmlns:a16="http://schemas.microsoft.com/office/drawing/2014/main" id="{8E49B204-E22F-4E48-B9C4-E77A002CE431}"/>
+              </a:ext>
+            </a:extLst>
+          </p:cNvPr>
+          <p:cNvSpPr txBox="1"/>
+          <p:nvPr/>
+        </p:nvSpPr>
+        <p:spPr>
+          <a:xfrm>
+            <a:off x="10042715" y="21025219"/>
+            <a:ext cx="12272224" cy="523220"/>
+          </a:xfrm>
+          <a:prstGeom prst="rect">
+            <a:avLst/>
+          </a:prstGeom>
+          <a:noFill/>
+        </p:spPr>
+        <p:txBody>
+          <a:bodyPr wrap="square" rtlCol="0">
+            <a:spAutoFit/>
+          </a:bodyPr>
+          <a:lstStyle/>
+          <a:p>
+            <a:pPr marL="389505" indent="-389505"/>
+            <a:r>
+              <a:rPr lang="en-US" sz="2800" dirty="0">
+                <a:latin typeface="Arial" panose="020B0604020202020204" pitchFamily="34" charset="0"/>
+                <a:cs typeface="Arial" panose="020B0604020202020204" pitchFamily="34" charset="0"/>
+              </a:rPr>
+              <a:t>6. Compare optimal cross-validation scores before overfitting across models</a:t>
+            </a:r>
+          </a:p>
+        </p:txBody>
+      </p:sp>
+      <p:sp>
+        <p:nvSpPr>
+          <p:cNvPr id="81" name="TextBox 80">
+            <a:extLst>
+              <a:ext uri="{FF2B5EF4-FFF2-40B4-BE49-F238E27FC236}">
+                <a16:creationId xmlns:a16="http://schemas.microsoft.com/office/drawing/2014/main" id="{1824023E-DA62-4E8E-A3A5-9005D81F456B}"/>
+              </a:ext>
+            </a:extLst>
+          </p:cNvPr>
+          <p:cNvSpPr txBox="1"/>
+          <p:nvPr/>
+        </p:nvSpPr>
+        <p:spPr>
+          <a:xfrm>
+            <a:off x="10042715" y="20072071"/>
+            <a:ext cx="12272224" cy="954107"/>
+          </a:xfrm>
+          <a:prstGeom prst="rect">
+            <a:avLst/>
+          </a:prstGeom>
+          <a:noFill/>
+        </p:spPr>
+        <p:txBody>
+          <a:bodyPr wrap="square" rtlCol="0">
+            <a:spAutoFit/>
+          </a:bodyPr>
+          <a:lstStyle/>
+          <a:p>
+            <a:pPr marL="389505" indent="-389505"/>
+            <a:r>
+              <a:rPr lang="en-US" sz="2800" dirty="0">
+                <a:latin typeface="Arial" panose="020B0604020202020204" pitchFamily="34" charset="0"/>
+                <a:cs typeface="Arial" panose="020B0604020202020204" pitchFamily="34" charset="0"/>
+              </a:rPr>
+              <a:t>5. Measure training and cross-validation (</a:t>
+            </a:r>
+            <a:r>
+              <a:rPr lang="en-US" sz="2800" i="1" dirty="0">
+                <a:latin typeface="Arial" panose="020B0604020202020204" pitchFamily="34" charset="0"/>
+                <a:cs typeface="Arial" panose="020B0604020202020204" pitchFamily="34" charset="0"/>
+              </a:rPr>
+              <a:t>k=</a:t>
+            </a:r>
+            <a:r>
+              <a:rPr lang="en-US" sz="2800" dirty="0">
+                <a:latin typeface="Arial" panose="020B0604020202020204" pitchFamily="34" charset="0"/>
+                <a:cs typeface="Arial" panose="020B0604020202020204" pitchFamily="34" charset="0"/>
+              </a:rPr>
+              <a:t>10) scores every 25 epochs up to 800 epochs </a:t>
+            </a:r>
+          </a:p>
+        </p:txBody>
+      </p:sp>
+      <p:grpSp>
+        <p:nvGrpSpPr>
+          <p:cNvPr id="82" name="Group 81">
+            <a:extLst>
+              <a:ext uri="{FF2B5EF4-FFF2-40B4-BE49-F238E27FC236}">
+                <a16:creationId xmlns:a16="http://schemas.microsoft.com/office/drawing/2014/main" id="{091E53E2-F162-46DB-A4F4-3BF20975CBA5}"/>
+              </a:ext>
+            </a:extLst>
+          </p:cNvPr>
+          <p:cNvGrpSpPr/>
+          <p:nvPr/>
+        </p:nvGrpSpPr>
+        <p:grpSpPr>
+          <a:xfrm>
+            <a:off x="10934921" y="17565495"/>
+            <a:ext cx="4669865" cy="1023022"/>
+            <a:chOff x="10895588" y="18032870"/>
+            <a:chExt cx="4558418" cy="1158722"/>
+          </a:xfrm>
+        </p:grpSpPr>
+        <p:sp>
+          <p:nvSpPr>
+            <p:cNvPr id="83" name="Rectangle 82">
+              <a:extLst>
+                <a:ext uri="{FF2B5EF4-FFF2-40B4-BE49-F238E27FC236}">
+                  <a16:creationId xmlns:a16="http://schemas.microsoft.com/office/drawing/2014/main" id="{DB1AC748-093D-40B1-BC44-51181EFD51AD}"/>
+                </a:ext>
+              </a:extLst>
+            </p:cNvPr>
+            <p:cNvSpPr/>
+            <p:nvPr/>
+          </p:nvSpPr>
+          <p:spPr>
+            <a:xfrm>
+              <a:off x="10895588" y="18032870"/>
+              <a:ext cx="1095358" cy="1158722"/>
+            </a:xfrm>
+            <a:prstGeom prst="rect">
+              <a:avLst/>
+            </a:prstGeom>
+            <a:solidFill>
+              <a:schemeClr val="bg1"/>
+            </a:solidFill>
+            <a:ln w="76200">
+              <a:solidFill>
+                <a:srgbClr val="6BA5FB"/>
+              </a:solidFill>
+            </a:ln>
+          </p:spPr>
+          <p:style>
+            <a:lnRef idx="2">
+              <a:schemeClr val="accent1">
+                <a:shade val="50000"/>
+              </a:schemeClr>
+            </a:lnRef>
+            <a:fillRef idx="1">
+              <a:schemeClr val="accent1"/>
+            </a:fillRef>
+            <a:effectRef idx="0">
+              <a:schemeClr val="accent1"/>
+            </a:effectRef>
+            <a:fontRef idx="minor">
+              <a:schemeClr val="lt1"/>
+            </a:fontRef>
+          </p:style>
+          <p:txBody>
+            <a:bodyPr rot="0" spcFirstLastPara="0" vertOverflow="overflow" horzOverflow="overflow" vert="horz" wrap="square" lIns="60960" tIns="30480" rIns="60960" bIns="30480" numCol="1" spcCol="0" rtlCol="0" fromWordArt="0" anchor="ctr" anchorCtr="0" forceAA="0" compatLnSpc="1">
+              <a:prstTxWarp prst="textNoShape">
+                <a:avLst/>
+              </a:prstTxWarp>
+              <a:noAutofit/>
+            </a:bodyPr>
+            <a:lstStyle/>
+            <a:p>
+              <a:pPr algn="ctr"/>
+              <a:r>
+                <a:rPr lang="en-US" sz="2667" dirty="0">
+                  <a:solidFill>
+                    <a:schemeClr val="tx1"/>
+                  </a:solidFill>
+                  <a:latin typeface="Arial" panose="020B0604020202020204" pitchFamily="34" charset="0"/>
+                  <a:cs typeface="Arial" panose="020B0604020202020204" pitchFamily="34" charset="0"/>
+                </a:rPr>
+                <a:t>12</a:t>
+              </a:r>
+            </a:p>
+          </p:txBody>
+        </p:sp>
+        <p:sp>
+          <p:nvSpPr>
+            <p:cNvPr id="84" name="Rectangle 83">
+              <a:extLst>
+                <a:ext uri="{FF2B5EF4-FFF2-40B4-BE49-F238E27FC236}">
+                  <a16:creationId xmlns:a16="http://schemas.microsoft.com/office/drawing/2014/main" id="{903EB161-5EFA-45B0-A7DA-3881CD4F6474}"/>
+                </a:ext>
+              </a:extLst>
+            </p:cNvPr>
+            <p:cNvSpPr/>
+            <p:nvPr/>
+          </p:nvSpPr>
+          <p:spPr>
+            <a:xfrm>
+              <a:off x="12265847" y="18032870"/>
+              <a:ext cx="1825844" cy="1158722"/>
+            </a:xfrm>
+            <a:prstGeom prst="rect">
+              <a:avLst/>
+            </a:prstGeom>
+            <a:solidFill>
+              <a:schemeClr val="bg1"/>
+            </a:solidFill>
+            <a:ln w="76200">
+              <a:solidFill>
+                <a:srgbClr val="6BA5FB"/>
+              </a:solidFill>
+            </a:ln>
+          </p:spPr>
+          <p:style>
+            <a:lnRef idx="2">
+              <a:schemeClr val="accent1">
+                <a:shade val="50000"/>
+              </a:schemeClr>
+            </a:lnRef>
+            <a:fillRef idx="1">
+              <a:schemeClr val="accent1"/>
+            </a:fillRef>
+            <a:effectRef idx="0">
+              <a:schemeClr val="accent1"/>
+            </a:effectRef>
+            <a:fontRef idx="minor">
+              <a:schemeClr val="lt1"/>
+            </a:fontRef>
+          </p:style>
+          <p:txBody>
+            <a:bodyPr rot="0" spcFirstLastPara="0" vertOverflow="overflow" horzOverflow="overflow" vert="horz" wrap="square" lIns="60960" tIns="30480" rIns="60960" bIns="30480" numCol="1" spcCol="0" rtlCol="0" fromWordArt="0" anchor="ctr" anchorCtr="0" forceAA="0" compatLnSpc="1">
+              <a:prstTxWarp prst="textNoShape">
+                <a:avLst/>
+              </a:prstTxWarp>
+              <a:noAutofit/>
+            </a:bodyPr>
+            <a:lstStyle/>
+            <a:p>
+              <a:pPr algn="ctr"/>
+              <a:r>
+                <a:rPr lang="en-US" sz="2667" dirty="0">
+                  <a:solidFill>
+                    <a:schemeClr val="tx1"/>
+                  </a:solidFill>
+                  <a:latin typeface="Arial" panose="020B0604020202020204" pitchFamily="34" charset="0"/>
+                  <a:cs typeface="Arial" panose="020B0604020202020204" pitchFamily="34" charset="0"/>
+                </a:rPr>
+                <a:t>Hidden</a:t>
+              </a:r>
+            </a:p>
+            <a:p>
+              <a:pPr algn="ctr"/>
+              <a:r>
+                <a:rPr lang="en-US" sz="2667" dirty="0">
+                  <a:solidFill>
+                    <a:schemeClr val="tx1"/>
+                  </a:solidFill>
+                  <a:latin typeface="Arial" panose="020B0604020202020204" pitchFamily="34" charset="0"/>
+                  <a:cs typeface="Arial" panose="020B0604020202020204" pitchFamily="34" charset="0"/>
+                </a:rPr>
+                <a:t>Layers</a:t>
+              </a:r>
+            </a:p>
+          </p:txBody>
+        </p:sp>
+        <p:sp>
+          <p:nvSpPr>
+            <p:cNvPr id="85" name="Rectangle 84">
+              <a:extLst>
+                <a:ext uri="{FF2B5EF4-FFF2-40B4-BE49-F238E27FC236}">
+                  <a16:creationId xmlns:a16="http://schemas.microsoft.com/office/drawing/2014/main" id="{112C73F5-7D6B-45DE-92DC-82D79CB0FAEC}"/>
+                </a:ext>
+              </a:extLst>
+            </p:cNvPr>
+            <p:cNvSpPr/>
+            <p:nvPr/>
+          </p:nvSpPr>
+          <p:spPr>
+            <a:xfrm>
+              <a:off x="14358128" y="18032870"/>
+              <a:ext cx="1095878" cy="1158722"/>
+            </a:xfrm>
+            <a:prstGeom prst="rect">
+              <a:avLst/>
+            </a:prstGeom>
+            <a:solidFill>
+              <a:schemeClr val="bg1"/>
+            </a:solidFill>
+            <a:ln w="76200">
+              <a:solidFill>
+                <a:srgbClr val="6BA5FB"/>
+              </a:solidFill>
+            </a:ln>
+          </p:spPr>
+          <p:style>
+            <a:lnRef idx="2">
+              <a:schemeClr val="accent1">
+                <a:shade val="50000"/>
+              </a:schemeClr>
+            </a:lnRef>
+            <a:fillRef idx="1">
+              <a:schemeClr val="accent1"/>
+            </a:fillRef>
+            <a:effectRef idx="0">
+              <a:schemeClr val="accent1"/>
+            </a:effectRef>
+            <a:fontRef idx="minor">
+              <a:schemeClr val="lt1"/>
+            </a:fontRef>
+          </p:style>
+          <p:txBody>
+            <a:bodyPr rot="0" spcFirstLastPara="0" vertOverflow="overflow" horzOverflow="overflow" vert="horz" wrap="square" lIns="60960" tIns="30480" rIns="60960" bIns="30480" numCol="1" spcCol="0" rtlCol="0" fromWordArt="0" anchor="ctr" anchorCtr="0" forceAA="0" compatLnSpc="1">
+              <a:prstTxWarp prst="textNoShape">
+                <a:avLst/>
+              </a:prstTxWarp>
+              <a:noAutofit/>
+            </a:bodyPr>
+            <a:lstStyle/>
+            <a:p>
+              <a:pPr algn="ctr"/>
+              <a:r>
+                <a:rPr lang="en-US" sz="2667" dirty="0">
+                  <a:solidFill>
+                    <a:schemeClr val="tx1"/>
+                  </a:solidFill>
+                  <a:latin typeface="Arial" panose="020B0604020202020204" pitchFamily="34" charset="0"/>
+                  <a:cs typeface="Arial" panose="020B0604020202020204" pitchFamily="34" charset="0"/>
+                </a:rPr>
+                <a:t>4</a:t>
+              </a:r>
+            </a:p>
+          </p:txBody>
+        </p:sp>
+        <p:sp>
+          <p:nvSpPr>
+            <p:cNvPr id="88" name="Arrow: Right 87">
+              <a:extLst>
+                <a:ext uri="{FF2B5EF4-FFF2-40B4-BE49-F238E27FC236}">
+                  <a16:creationId xmlns:a16="http://schemas.microsoft.com/office/drawing/2014/main" id="{0DD27763-94B9-4554-AD13-4D44830F27C4}"/>
+                </a:ext>
+              </a:extLst>
+            </p:cNvPr>
+            <p:cNvSpPr/>
+            <p:nvPr/>
+          </p:nvSpPr>
+          <p:spPr>
+            <a:xfrm>
+              <a:off x="11820553" y="18315477"/>
+              <a:ext cx="640080" cy="640080"/>
+            </a:xfrm>
+            <a:prstGeom prst="rightArrow">
+              <a:avLst/>
+            </a:prstGeom>
+            <a:solidFill>
+              <a:srgbClr val="6BA5FB"/>
+            </a:solidFill>
+            <a:ln>
+              <a:solidFill>
+                <a:srgbClr val="2A6BEE"/>
+              </a:solidFill>
+            </a:ln>
+          </p:spPr>
+          <p:style>
+            <a:lnRef idx="2">
+              <a:schemeClr val="accent1">
+                <a:shade val="50000"/>
+              </a:schemeClr>
+            </a:lnRef>
+            <a:fillRef idx="1">
+              <a:schemeClr val="accent1"/>
+            </a:fillRef>
+            <a:effectRef idx="0">
+              <a:schemeClr val="accent1"/>
+            </a:effectRef>
+            <a:fontRef idx="minor">
+              <a:schemeClr val="lt1"/>
+            </a:fontRef>
+          </p:style>
+          <p:txBody>
+            <a:bodyPr rot="0" spcFirstLastPara="0" vertOverflow="overflow" horzOverflow="overflow" vert="horz" wrap="square" lIns="60960" tIns="30480" rIns="60960" bIns="30480" numCol="1" spcCol="0" rtlCol="0" fromWordArt="0" anchor="ctr" anchorCtr="0" forceAA="0" compatLnSpc="1">
+              <a:prstTxWarp prst="textNoShape">
+                <a:avLst/>
+              </a:prstTxWarp>
+              <a:noAutofit/>
+            </a:bodyPr>
+            <a:lstStyle/>
+            <a:p>
+              <a:pPr algn="ctr"/>
+              <a:endParaRPr lang="en-US" sz="857">
+                <a:solidFill>
+                  <a:schemeClr val="tx1"/>
+                </a:solidFill>
+                <a:latin typeface="Arial" panose="020B0604020202020204" pitchFamily="34" charset="0"/>
+                <a:cs typeface="Arial" panose="020B0604020202020204" pitchFamily="34" charset="0"/>
+              </a:endParaRPr>
+            </a:p>
+          </p:txBody>
+        </p:sp>
+        <p:sp>
+          <p:nvSpPr>
+            <p:cNvPr id="89" name="Arrow: Right 88">
+              <a:extLst>
+                <a:ext uri="{FF2B5EF4-FFF2-40B4-BE49-F238E27FC236}">
+                  <a16:creationId xmlns:a16="http://schemas.microsoft.com/office/drawing/2014/main" id="{29E8BA7A-BCE9-4454-9B6B-A322CEDCD0C2}"/>
+                </a:ext>
+              </a:extLst>
+            </p:cNvPr>
+            <p:cNvSpPr/>
+            <p:nvPr/>
+          </p:nvSpPr>
+          <p:spPr>
+            <a:xfrm>
+              <a:off x="13980187" y="18315477"/>
+              <a:ext cx="640080" cy="640080"/>
+            </a:xfrm>
+            <a:prstGeom prst="rightArrow">
+              <a:avLst/>
+            </a:prstGeom>
+            <a:solidFill>
+              <a:srgbClr val="6BA5FB"/>
+            </a:solidFill>
+            <a:ln>
+              <a:solidFill>
+                <a:srgbClr val="2A6BEE"/>
+              </a:solidFill>
+            </a:ln>
+          </p:spPr>
+          <p:style>
+            <a:lnRef idx="2">
+              <a:schemeClr val="accent1">
+                <a:shade val="50000"/>
+              </a:schemeClr>
+            </a:lnRef>
+            <a:fillRef idx="1">
+              <a:schemeClr val="accent1"/>
+            </a:fillRef>
+            <a:effectRef idx="0">
+              <a:schemeClr val="accent1"/>
+            </a:effectRef>
+            <a:fontRef idx="minor">
+              <a:schemeClr val="lt1"/>
+            </a:fontRef>
+          </p:style>
+          <p:txBody>
+            <a:bodyPr rot="0" spcFirstLastPara="0" vertOverflow="overflow" horzOverflow="overflow" vert="horz" wrap="square" lIns="60960" tIns="30480" rIns="60960" bIns="30480" numCol="1" spcCol="0" rtlCol="0" fromWordArt="0" anchor="ctr" anchorCtr="0" forceAA="0" compatLnSpc="1">
+              <a:prstTxWarp prst="textNoShape">
+                <a:avLst/>
+              </a:prstTxWarp>
+              <a:noAutofit/>
+            </a:bodyPr>
+            <a:lstStyle/>
+            <a:p>
+              <a:pPr algn="ctr"/>
+              <a:endParaRPr lang="en-US" sz="857">
+                <a:solidFill>
+                  <a:schemeClr val="tx1"/>
+                </a:solidFill>
+                <a:latin typeface="Arial" panose="020B0604020202020204" pitchFamily="34" charset="0"/>
+                <a:cs typeface="Arial" panose="020B0604020202020204" pitchFamily="34" charset="0"/>
+              </a:endParaRPr>
+            </a:p>
+          </p:txBody>
+        </p:sp>
+      </p:grpSp>
+      <p:sp>
+        <p:nvSpPr>
+          <p:cNvPr id="91" name="TextBox 90">
+            <a:extLst>
+              <a:ext uri="{FF2B5EF4-FFF2-40B4-BE49-F238E27FC236}">
+                <a16:creationId xmlns:a16="http://schemas.microsoft.com/office/drawing/2014/main" id="{A1E96A35-E858-4EE0-829B-CD5D9069873E}"/>
+              </a:ext>
+            </a:extLst>
+          </p:cNvPr>
+          <p:cNvSpPr txBox="1"/>
+          <p:nvPr/>
+        </p:nvSpPr>
+        <p:spPr>
+          <a:xfrm>
+            <a:off x="18777814" y="18158195"/>
+            <a:ext cx="3653175" cy="523220"/>
+          </a:xfrm>
+          <a:prstGeom prst="rect">
+            <a:avLst/>
+          </a:prstGeom>
+          <a:noFill/>
+        </p:spPr>
+        <p:txBody>
+          <a:bodyPr wrap="square" rtlCol="0">
+            <a:spAutoFit/>
+          </a:bodyPr>
+          <a:lstStyle/>
+          <a:p>
+            <a:r>
+              <a:rPr lang="en-US" sz="2800" dirty="0">
+                <a:latin typeface="Arial" panose="020B0604020202020204" pitchFamily="34" charset="0"/>
+                <a:cs typeface="Arial" panose="020B0604020202020204" pitchFamily="34" charset="0"/>
+              </a:rPr>
+              <a:t>Penalties @ </a:t>
+            </a:r>
+            <a:r>
+              <a:rPr lang="en-US" sz="2800" b="1" dirty="0">
+                <a:latin typeface="Arial" panose="020B0604020202020204" pitchFamily="34" charset="0"/>
+                <a:cs typeface="Arial" panose="020B0604020202020204" pitchFamily="34" charset="0"/>
+              </a:rPr>
+              <a:t>10</a:t>
+            </a:r>
+            <a:r>
+              <a:rPr lang="en-US" sz="2800" b="1" baseline="30000" dirty="0">
+                <a:latin typeface="Arial" panose="020B0604020202020204" pitchFamily="34" charset="0"/>
+                <a:cs typeface="Arial" panose="020B0604020202020204" pitchFamily="34" charset="0"/>
+              </a:rPr>
+              <a:t>-3</a:t>
+            </a:r>
+            <a:r>
+              <a:rPr lang="en-US" sz="2800" dirty="0">
+                <a:latin typeface="Arial" panose="020B0604020202020204" pitchFamily="34" charset="0"/>
+                <a:cs typeface="Arial" panose="020B0604020202020204" pitchFamily="34" charset="0"/>
+              </a:rPr>
+              <a:t>,</a:t>
+            </a:r>
+            <a:r>
+              <a:rPr lang="en-US" sz="2800" b="1" dirty="0">
+                <a:latin typeface="Arial" panose="020B0604020202020204" pitchFamily="34" charset="0"/>
+                <a:cs typeface="Arial" panose="020B0604020202020204" pitchFamily="34" charset="0"/>
+              </a:rPr>
+              <a:t>10</a:t>
+            </a:r>
+            <a:r>
+              <a:rPr lang="en-US" sz="2800" b="1" baseline="30000" dirty="0">
+                <a:latin typeface="Arial" panose="020B0604020202020204" pitchFamily="34" charset="0"/>
+                <a:cs typeface="Arial" panose="020B0604020202020204" pitchFamily="34" charset="0"/>
+              </a:rPr>
+              <a:t>-4</a:t>
+            </a:r>
+            <a:r>
+              <a:rPr lang="en-US" sz="2800" dirty="0">
+                <a:latin typeface="Arial" panose="020B0604020202020204" pitchFamily="34" charset="0"/>
+                <a:cs typeface="Arial" panose="020B0604020202020204" pitchFamily="34" charset="0"/>
+              </a:rPr>
+              <a:t> </a:t>
+            </a:r>
+          </a:p>
+        </p:txBody>
+      </p:sp>
+      <p:sp>
+        <p:nvSpPr>
+          <p:cNvPr id="92" name="Arrow: Right 91">
+            <a:extLst>
+              <a:ext uri="{FF2B5EF4-FFF2-40B4-BE49-F238E27FC236}">
+                <a16:creationId xmlns:a16="http://schemas.microsoft.com/office/drawing/2014/main" id="{1CDE6476-4940-484E-B12E-FC6F4F7285A0}"/>
+              </a:ext>
+            </a:extLst>
+          </p:cNvPr>
+          <p:cNvSpPr/>
+          <p:nvPr/>
+        </p:nvSpPr>
+        <p:spPr>
+          <a:xfrm>
+            <a:off x="17989131" y="18139903"/>
+            <a:ext cx="655729" cy="565119"/>
+          </a:xfrm>
+          <a:prstGeom prst="rightArrow">
+            <a:avLst/>
+          </a:prstGeom>
           <a:solidFill>
-            <a:srgbClr val="FF0000">
-              <a:alpha val="10000"/>
-            </a:srgbClr>
+            <a:srgbClr val="6BA5FB"/>
           </a:solidFill>
-          <a:ln w="76200">
+          <a:ln>
             <a:solidFill>
-              <a:srgbClr val="FF0000"/>
+              <a:srgbClr val="2A6BEE"/>
             </a:solidFill>
-            <a:prstDash val="dashDot"/>
           </a:ln>
         </p:spPr>
         <p:style>
@@ -5073,20 +8281,115 @@
           </a:fontRef>
         </p:style>
         <p:txBody>
-          <a:bodyPr rtlCol="0" anchor="ctr"/>
+          <a:bodyPr rot="0" spcFirstLastPara="0" vertOverflow="overflow" horzOverflow="overflow" vert="horz" wrap="square" lIns="60960" tIns="30480" rIns="60960" bIns="30480" numCol="1" spcCol="0" rtlCol="0" fromWordArt="0" anchor="ctr" anchorCtr="0" forceAA="0" compatLnSpc="1">
+            <a:prstTxWarp prst="textNoShape">
+              <a:avLst/>
+            </a:prstTxWarp>
+            <a:noAutofit/>
+          </a:bodyPr>
           <a:lstStyle/>
           <a:p>
             <a:pPr algn="ctr"/>
-            <a:endParaRPr lang="en-US"/>
-          </a:p>
-        </p:txBody>
-      </p:sp>
-      <p:sp>
-        <p:nvSpPr>
-          <p:cNvPr id="65" name="Rectangle 64">
+            <a:endParaRPr lang="en-US" sz="857">
+              <a:solidFill>
+                <a:schemeClr val="tx1"/>
+              </a:solidFill>
+              <a:latin typeface="Arial" panose="020B0604020202020204" pitchFamily="34" charset="0"/>
+              <a:cs typeface="Arial" panose="020B0604020202020204" pitchFamily="34" charset="0"/>
+            </a:endParaRPr>
+          </a:p>
+        </p:txBody>
+      </p:sp>
+      <p:sp>
+        <p:nvSpPr>
+          <p:cNvPr id="93" name="TextBox 92">
             <a:extLst>
               <a:ext uri="{FF2B5EF4-FFF2-40B4-BE49-F238E27FC236}">
-                <a16:creationId xmlns:a16="http://schemas.microsoft.com/office/drawing/2014/main" id="{FE78EEEA-6975-4694-BD6D-523D603AF2EA}"/>
+                <a16:creationId xmlns:a16="http://schemas.microsoft.com/office/drawing/2014/main" id="{436A277E-375C-4D4F-B003-BE8A1BE960C3}"/>
+              </a:ext>
+            </a:extLst>
+          </p:cNvPr>
+          <p:cNvSpPr txBox="1"/>
+          <p:nvPr/>
+        </p:nvSpPr>
+        <p:spPr>
+          <a:xfrm>
+            <a:off x="19690151" y="14332836"/>
+            <a:ext cx="3017520" cy="646331"/>
+          </a:xfrm>
+          <a:prstGeom prst="rect">
+            <a:avLst/>
+          </a:prstGeom>
+          <a:noFill/>
+          <a:ln>
+            <a:noFill/>
+          </a:ln>
+        </p:spPr>
+        <p:txBody>
+          <a:bodyPr wrap="square" rtlCol="0" anchor="ctr">
+            <a:spAutoFit/>
+          </a:bodyPr>
+          <a:lstStyle/>
+          <a:p>
+            <a:pPr marL="389505" indent="-389505" algn="r"/>
+            <a:r>
+              <a:rPr lang="en-US" sz="3600" b="1" dirty="0">
+                <a:latin typeface="Arial" panose="020B0604020202020204" pitchFamily="34" charset="0"/>
+                <a:cs typeface="Arial" panose="020B0604020202020204" pitchFamily="34" charset="0"/>
+              </a:rPr>
+              <a:t>= 12 features</a:t>
+            </a:r>
+          </a:p>
+        </p:txBody>
+      </p:sp>
+      <p:sp>
+        <p:nvSpPr>
+          <p:cNvPr id="96" name="TextBox 95">
+            <a:extLst>
+              <a:ext uri="{FF2B5EF4-FFF2-40B4-BE49-F238E27FC236}">
+                <a16:creationId xmlns:a16="http://schemas.microsoft.com/office/drawing/2014/main" id="{06FADAD9-3ABA-4773-B606-4B3ED49CF598}"/>
+              </a:ext>
+            </a:extLst>
+          </p:cNvPr>
+          <p:cNvSpPr txBox="1"/>
+          <p:nvPr/>
+        </p:nvSpPr>
+        <p:spPr>
+          <a:xfrm>
+            <a:off x="16694882" y="19208440"/>
+            <a:ext cx="6012789" cy="646331"/>
+          </a:xfrm>
+          <a:prstGeom prst="rect">
+            <a:avLst/>
+          </a:prstGeom>
+          <a:noFill/>
+          <a:ln>
+            <a:noFill/>
+          </a:ln>
+        </p:spPr>
+        <p:txBody>
+          <a:bodyPr wrap="square" rtlCol="0" anchor="ctr">
+            <a:spAutoFit/>
+          </a:bodyPr>
+          <a:lstStyle/>
+          <a:p>
+            <a:pPr marL="389505" indent="-389505" algn="r"/>
+            <a:r>
+              <a:rPr lang="en-US" sz="3600" b="1" dirty="0">
+                <a:latin typeface="Arial" panose="020B0604020202020204" pitchFamily="34" charset="0"/>
+                <a:cs typeface="Arial" panose="020B0604020202020204" pitchFamily="34" charset="0"/>
+              </a:rPr>
+              <a:t>= 30 models</a:t>
+            </a:r>
+          </a:p>
+        </p:txBody>
+      </p:sp>
+      <p:sp>
+        <p:nvSpPr>
+          <p:cNvPr id="98" name="Rectangle 97">
+            <a:extLst>
+              <a:ext uri="{FF2B5EF4-FFF2-40B4-BE49-F238E27FC236}">
+                <a16:creationId xmlns:a16="http://schemas.microsoft.com/office/drawing/2014/main" id="{E3895F97-BF87-46CE-A156-C4120C70E51A}"/>
               </a:ext>
             </a:extLst>
           </p:cNvPr>
@@ -5095,22 +8398,171 @@
         </p:nvSpPr>
         <p:spPr>
           <a:xfrm>
-            <a:off x="24238284" y="12862896"/>
-            <a:ext cx="3561658" cy="2286000"/>
+            <a:off x="23236021" y="12792642"/>
+            <a:ext cx="9400789" cy="2349361"/>
+          </a:xfrm>
+          <a:prstGeom prst="rect">
+            <a:avLst/>
+          </a:prstGeom>
+        </p:spPr>
+        <p:txBody>
+          <a:bodyPr wrap="square">
+            <a:spAutoFit/>
+          </a:bodyPr>
+          <a:lstStyle/>
+          <a:p>
+            <a:pPr marL="514350" indent="-514350" algn="just">
+              <a:spcAft>
+                <a:spcPts val="400"/>
+              </a:spcAft>
+              <a:buFont typeface="+mj-lt"/>
+              <a:buAutoNum type="arabicPeriod"/>
+            </a:pPr>
+            <a:r>
+              <a:rPr lang="en-US" sz="2800" dirty="0">
+                <a:latin typeface="Arial" panose="020B0604020202020204" pitchFamily="34" charset="0"/>
+                <a:cs typeface="Arial" panose="020B0604020202020204" pitchFamily="34" charset="0"/>
+              </a:rPr>
+              <a:t>Meaningful supervised learning is evident.</a:t>
+            </a:r>
+          </a:p>
+          <a:p>
+            <a:pPr marL="514350" indent="-514350" algn="just">
+              <a:spcAft>
+                <a:spcPts val="400"/>
+              </a:spcAft>
+              <a:buFont typeface="+mj-lt"/>
+              <a:buAutoNum type="arabicPeriod"/>
+            </a:pPr>
+            <a:r>
+              <a:rPr lang="en-US" sz="2800" dirty="0">
+                <a:latin typeface="Arial" panose="020B0604020202020204" pitchFamily="34" charset="0"/>
+                <a:cs typeface="Arial" panose="020B0604020202020204" pitchFamily="34" charset="0"/>
+              </a:rPr>
+              <a:t>Decision boundary between class 2 and 3 needs improvement.</a:t>
+            </a:r>
+          </a:p>
+          <a:p>
+            <a:pPr marL="514350" indent="-514350" algn="just">
+              <a:spcAft>
+                <a:spcPts val="400"/>
+              </a:spcAft>
+              <a:buFont typeface="+mj-lt"/>
+              <a:buAutoNum type="arabicPeriod"/>
+            </a:pPr>
+            <a:r>
+              <a:rPr lang="en-US" sz="2800" dirty="0">
+                <a:latin typeface="Arial" panose="020B0604020202020204" pitchFamily="34" charset="0"/>
+                <a:cs typeface="Arial" panose="020B0604020202020204" pitchFamily="34" charset="0"/>
+              </a:rPr>
+              <a:t>Proximity of training and cross-validation accuracies suggest model is not overfitting to the training sample.</a:t>
+            </a:r>
+          </a:p>
+        </p:txBody>
+      </p:sp>
+      <p:sp>
+        <p:nvSpPr>
+          <p:cNvPr id="103" name="TextBox 102">
+            <a:extLst>
+              <a:ext uri="{FF2B5EF4-FFF2-40B4-BE49-F238E27FC236}">
+                <a16:creationId xmlns:a16="http://schemas.microsoft.com/office/drawing/2014/main" id="{369D227B-19F3-4355-9ED0-031FAF0ED28F}"/>
+              </a:ext>
+            </a:extLst>
+          </p:cNvPr>
+          <p:cNvSpPr txBox="1"/>
+          <p:nvPr/>
+        </p:nvSpPr>
+        <p:spPr>
+          <a:xfrm>
+            <a:off x="30298022" y="8815350"/>
+            <a:ext cx="926061" cy="369332"/>
+          </a:xfrm>
+          <a:prstGeom prst="rect">
+            <a:avLst/>
+          </a:prstGeom>
+          <a:noFill/>
+        </p:spPr>
+        <p:txBody>
+          <a:bodyPr wrap="square" rtlCol="0">
+            <a:spAutoFit/>
+          </a:bodyPr>
+          <a:lstStyle/>
+          <a:p>
+            <a:r>
+              <a:rPr lang="en-US" dirty="0">
+                <a:latin typeface="Arial" panose="020B0604020202020204" pitchFamily="34" charset="0"/>
+                <a:cs typeface="Arial" panose="020B0604020202020204" pitchFamily="34" charset="0"/>
+              </a:rPr>
+              <a:t>Epoch</a:t>
+            </a:r>
+          </a:p>
+        </p:txBody>
+      </p:sp>
+      <p:sp>
+        <p:nvSpPr>
+          <p:cNvPr id="105" name="TextBox 104">
+            <a:extLst>
+              <a:ext uri="{FF2B5EF4-FFF2-40B4-BE49-F238E27FC236}">
+                <a16:creationId xmlns:a16="http://schemas.microsoft.com/office/drawing/2014/main" id="{A18B142F-E3A2-47CA-B117-673720D34401}"/>
+              </a:ext>
+            </a:extLst>
+          </p:cNvPr>
+          <p:cNvSpPr txBox="1"/>
+          <p:nvPr/>
+        </p:nvSpPr>
+        <p:spPr>
+          <a:xfrm rot="16200000">
+            <a:off x="27089451" y="6773377"/>
+            <a:ext cx="1021902" cy="369332"/>
           </a:xfrm>
           <a:prstGeom prst="rect">
             <a:avLst/>
           </a:prstGeom>
           <a:solidFill>
-            <a:srgbClr val="FFC000">
-              <a:alpha val="10000"/>
-            </a:srgbClr>
+            <a:schemeClr val="bg1"/>
           </a:solidFill>
-          <a:ln w="76200">
-            <a:solidFill>
-              <a:srgbClr val="FFC000"/>
-            </a:solidFill>
-            <a:prstDash val="dashDot"/>
+        </p:spPr>
+        <p:txBody>
+          <a:bodyPr wrap="square" rtlCol="0">
+            <a:spAutoFit/>
+          </a:bodyPr>
+          <a:lstStyle/>
+          <a:p>
+            <a:r>
+              <a:rPr lang="en-US" dirty="0">
+                <a:latin typeface="Arial" panose="020B0604020202020204" pitchFamily="34" charset="0"/>
+                <a:cs typeface="Arial" panose="020B0604020202020204" pitchFamily="34" charset="0"/>
+              </a:rPr>
+              <a:t>Score</a:t>
+            </a:r>
+          </a:p>
+        </p:txBody>
+      </p:sp>
+      <p:sp>
+        <p:nvSpPr>
+          <p:cNvPr id="7" name="Rectangle 6">
+            <a:extLst>
+              <a:ext uri="{FF2B5EF4-FFF2-40B4-BE49-F238E27FC236}">
+                <a16:creationId xmlns:a16="http://schemas.microsoft.com/office/drawing/2014/main" id="{E363D29F-EFE7-4A5F-AFC3-D9D65100998F}"/>
+              </a:ext>
+            </a:extLst>
+          </p:cNvPr>
+          <p:cNvSpPr/>
+          <p:nvPr/>
+        </p:nvSpPr>
+        <p:spPr>
+          <a:xfrm>
+            <a:off x="28567811" y="9228248"/>
+            <a:ext cx="3968818" cy="2381405"/>
+          </a:xfrm>
+          <a:prstGeom prst="rect">
+            <a:avLst/>
+          </a:prstGeom>
+          <a:solidFill>
+            <a:schemeClr val="bg1"/>
+          </a:solidFill>
+          <a:ln>
+            <a:noFill/>
           </a:ln>
         </p:spPr>
         <p:style>
@@ -5133,17 +8585,315 @@
           <a:bodyPr rtlCol="0" anchor="ctr"/>
           <a:lstStyle/>
           <a:p>
-            <a:pPr algn="ctr"/>
-            <a:endParaRPr lang="en-US"/>
-          </a:p>
-        </p:txBody>
-      </p:sp>
-      <p:sp>
-        <p:nvSpPr>
-          <p:cNvPr id="66" name="Rectangle 65">
+            <a:pPr>
+              <a:spcAft>
+                <a:spcPts val="400"/>
+              </a:spcAft>
+            </a:pPr>
+            <a:r>
+              <a:rPr lang="en-US" sz="2200" dirty="0">
+                <a:solidFill>
+                  <a:schemeClr val="bg1"/>
+                </a:solidFill>
+                <a:latin typeface="Courier New" panose="02070309020205020404" pitchFamily="49" charset="0"/>
+                <a:cs typeface="Courier New" panose="02070309020205020404" pitchFamily="49" charset="0"/>
+              </a:rPr>
+              <a:t>0</a:t>
+            </a:r>
+          </a:p>
+          <a:p>
+            <a:pPr lvl="1">
+              <a:spcAft>
+                <a:spcPts val="400"/>
+              </a:spcAft>
+            </a:pPr>
+            <a:r>
+              <a:rPr lang="en-US" sz="2200" dirty="0">
+                <a:solidFill>
+                  <a:schemeClr val="tx1"/>
+                </a:solidFill>
+                <a:latin typeface="Courier New" panose="02070309020205020404" pitchFamily="49" charset="0"/>
+                <a:cs typeface="Courier New" panose="02070309020205020404" pitchFamily="49" charset="0"/>
+              </a:rPr>
+              <a:t>    </a:t>
+            </a:r>
+            <a:r>
+              <a:rPr lang="en-US" sz="2200" b="1" u="sng" dirty="0">
+                <a:solidFill>
+                  <a:schemeClr val="tx1"/>
+                </a:solidFill>
+                <a:latin typeface="Courier New" panose="02070309020205020404" pitchFamily="49" charset="0"/>
+                <a:cs typeface="Courier New" panose="02070309020205020404" pitchFamily="49" charset="0"/>
+              </a:rPr>
+              <a:t>1</a:t>
+            </a:r>
+            <a:r>
+              <a:rPr lang="en-US" sz="2200" b="1" dirty="0">
+                <a:solidFill>
+                  <a:schemeClr val="tx1"/>
+                </a:solidFill>
+                <a:latin typeface="Courier New" panose="02070309020205020404" pitchFamily="49" charset="0"/>
+                <a:cs typeface="Courier New" panose="02070309020205020404" pitchFamily="49" charset="0"/>
+              </a:rPr>
+              <a:t>	   </a:t>
+            </a:r>
+            <a:r>
+              <a:rPr lang="en-US" sz="2200" b="1" u="sng" dirty="0">
+                <a:solidFill>
+                  <a:schemeClr val="tx1"/>
+                </a:solidFill>
+                <a:latin typeface="Courier New" panose="02070309020205020404" pitchFamily="49" charset="0"/>
+                <a:cs typeface="Courier New" panose="02070309020205020404" pitchFamily="49" charset="0"/>
+              </a:rPr>
+              <a:t>2</a:t>
+            </a:r>
+            <a:r>
+              <a:rPr lang="en-US" sz="2200" b="1" dirty="0">
+                <a:solidFill>
+                  <a:schemeClr val="tx1"/>
+                </a:solidFill>
+                <a:latin typeface="Courier New" panose="02070309020205020404" pitchFamily="49" charset="0"/>
+                <a:cs typeface="Courier New" panose="02070309020205020404" pitchFamily="49" charset="0"/>
+              </a:rPr>
+              <a:t>    </a:t>
+            </a:r>
+            <a:r>
+              <a:rPr lang="en-US" sz="2200" b="1" u="sng" dirty="0">
+                <a:solidFill>
+                  <a:schemeClr val="tx1"/>
+                </a:solidFill>
+                <a:latin typeface="Courier New" panose="02070309020205020404" pitchFamily="49" charset="0"/>
+                <a:cs typeface="Courier New" panose="02070309020205020404" pitchFamily="49" charset="0"/>
+              </a:rPr>
+              <a:t>3</a:t>
+            </a:r>
+            <a:r>
+              <a:rPr lang="en-US" sz="2200" b="1" dirty="0">
+                <a:solidFill>
+                  <a:schemeClr val="tx1"/>
+                </a:solidFill>
+                <a:latin typeface="Courier New" panose="02070309020205020404" pitchFamily="49" charset="0"/>
+                <a:cs typeface="Courier New" panose="02070309020205020404" pitchFamily="49" charset="0"/>
+              </a:rPr>
+              <a:t>    </a:t>
+            </a:r>
+            <a:r>
+              <a:rPr lang="en-US" sz="2200" b="1" u="sng" dirty="0">
+                <a:solidFill>
+                  <a:schemeClr val="tx1"/>
+                </a:solidFill>
+                <a:latin typeface="Courier New" panose="02070309020205020404" pitchFamily="49" charset="0"/>
+                <a:cs typeface="Courier New" panose="02070309020205020404" pitchFamily="49" charset="0"/>
+              </a:rPr>
+              <a:t>4</a:t>
+            </a:r>
+          </a:p>
+          <a:p>
+            <a:pPr>
+              <a:spcAft>
+                <a:spcPts val="400"/>
+              </a:spcAft>
+            </a:pPr>
+            <a:r>
+              <a:rPr lang="en-US" sz="2200" b="1" dirty="0">
+                <a:solidFill>
+                  <a:schemeClr val="tx1"/>
+                </a:solidFill>
+                <a:latin typeface="Courier New" panose="02070309020205020404" pitchFamily="49" charset="0"/>
+                <a:cs typeface="Courier New" panose="02070309020205020404" pitchFamily="49" charset="0"/>
+              </a:rPr>
+              <a:t>	</a:t>
+            </a:r>
+            <a:r>
+              <a:rPr lang="en-US" sz="2200" b="1" u="sng" dirty="0">
+                <a:solidFill>
+                  <a:schemeClr val="tx1"/>
+                </a:solidFill>
+                <a:latin typeface="Courier New" panose="02070309020205020404" pitchFamily="49" charset="0"/>
+                <a:cs typeface="Courier New" panose="02070309020205020404" pitchFamily="49" charset="0"/>
+              </a:rPr>
+              <a:t>1</a:t>
+            </a:r>
+            <a:r>
+              <a:rPr lang="en-US" sz="2200" b="1" dirty="0">
+                <a:solidFill>
+                  <a:schemeClr val="tx1"/>
+                </a:solidFill>
+                <a:latin typeface="Courier New" panose="02070309020205020404" pitchFamily="49" charset="0"/>
+                <a:cs typeface="Courier New" panose="02070309020205020404" pitchFamily="49" charset="0"/>
+              </a:rPr>
+              <a:t> </a:t>
+            </a:r>
+            <a:r>
+              <a:rPr lang="en-US" sz="2000" b="1" dirty="0">
+                <a:solidFill>
+                  <a:schemeClr val="tx1"/>
+                </a:solidFill>
+                <a:latin typeface="Courier New" panose="02070309020205020404" pitchFamily="49" charset="0"/>
+                <a:cs typeface="Courier New" panose="02070309020205020404" pitchFamily="49" charset="0"/>
+              </a:rPr>
+              <a:t>  </a:t>
+            </a:r>
+            <a:r>
+              <a:rPr lang="en-US" sz="2200" dirty="0">
+                <a:solidFill>
+                  <a:schemeClr val="tx1"/>
+                </a:solidFill>
+                <a:latin typeface="Courier New" panose="02070309020205020404" pitchFamily="49" charset="0"/>
+                <a:cs typeface="Courier New" panose="02070309020205020404" pitchFamily="49" charset="0"/>
+              </a:rPr>
+              <a:t>1	   0    0    0</a:t>
+            </a:r>
+          </a:p>
+          <a:p>
+            <a:pPr>
+              <a:spcAft>
+                <a:spcPts val="400"/>
+              </a:spcAft>
+            </a:pPr>
+            <a:r>
+              <a:rPr lang="en-US" sz="2200" b="1" dirty="0">
+                <a:solidFill>
+                  <a:schemeClr val="tx1"/>
+                </a:solidFill>
+                <a:latin typeface="Courier New" panose="02070309020205020404" pitchFamily="49" charset="0"/>
+                <a:cs typeface="Courier New" panose="02070309020205020404" pitchFamily="49" charset="0"/>
+              </a:rPr>
+              <a:t>	</a:t>
+            </a:r>
+            <a:r>
+              <a:rPr lang="en-US" sz="2200" b="1" u="sng" dirty="0">
+                <a:solidFill>
+                  <a:schemeClr val="tx1"/>
+                </a:solidFill>
+                <a:latin typeface="Courier New" panose="02070309020205020404" pitchFamily="49" charset="0"/>
+                <a:cs typeface="Courier New" panose="02070309020205020404" pitchFamily="49" charset="0"/>
+              </a:rPr>
+              <a:t>2</a:t>
+            </a:r>
+            <a:r>
+              <a:rPr lang="en-US" sz="2200" b="1" dirty="0">
+                <a:solidFill>
+                  <a:schemeClr val="tx1"/>
+                </a:solidFill>
+                <a:latin typeface="Courier New" panose="02070309020205020404" pitchFamily="49" charset="0"/>
+                <a:cs typeface="Courier New" panose="02070309020205020404" pitchFamily="49" charset="0"/>
+              </a:rPr>
+              <a:t>   </a:t>
+            </a:r>
+            <a:r>
+              <a:rPr lang="en-US" sz="2200" dirty="0">
+                <a:solidFill>
+                  <a:schemeClr val="tx1"/>
+                </a:solidFill>
+                <a:latin typeface="Courier New" panose="02070309020205020404" pitchFamily="49" charset="0"/>
+                <a:cs typeface="Courier New" panose="02070309020205020404" pitchFamily="49" charset="0"/>
+              </a:rPr>
+              <a:t>0	   1    2    0</a:t>
+            </a:r>
+          </a:p>
+          <a:p>
+            <a:pPr>
+              <a:spcAft>
+                <a:spcPts val="400"/>
+              </a:spcAft>
+            </a:pPr>
+            <a:r>
+              <a:rPr lang="en-US" sz="2200" b="1" dirty="0">
+                <a:solidFill>
+                  <a:schemeClr val="tx1"/>
+                </a:solidFill>
+                <a:latin typeface="Courier New" panose="02070309020205020404" pitchFamily="49" charset="0"/>
+                <a:cs typeface="Courier New" panose="02070309020205020404" pitchFamily="49" charset="0"/>
+              </a:rPr>
+              <a:t>	</a:t>
+            </a:r>
+            <a:r>
+              <a:rPr lang="en-US" sz="2200" b="1" u="sng" dirty="0">
+                <a:solidFill>
+                  <a:schemeClr val="tx1"/>
+                </a:solidFill>
+                <a:latin typeface="Courier New" panose="02070309020205020404" pitchFamily="49" charset="0"/>
+                <a:cs typeface="Courier New" panose="02070309020205020404" pitchFamily="49" charset="0"/>
+              </a:rPr>
+              <a:t>3</a:t>
+            </a:r>
+            <a:r>
+              <a:rPr lang="en-US" sz="2200" b="1" dirty="0">
+                <a:solidFill>
+                  <a:schemeClr val="tx1"/>
+                </a:solidFill>
+                <a:latin typeface="Courier New" panose="02070309020205020404" pitchFamily="49" charset="0"/>
+                <a:cs typeface="Courier New" panose="02070309020205020404" pitchFamily="49" charset="0"/>
+              </a:rPr>
+              <a:t>   </a:t>
+            </a:r>
+            <a:r>
+              <a:rPr lang="en-US" sz="2200" dirty="0">
+                <a:solidFill>
+                  <a:schemeClr val="tx1"/>
+                </a:solidFill>
+                <a:latin typeface="Courier New" panose="02070309020205020404" pitchFamily="49" charset="0"/>
+                <a:cs typeface="Courier New" panose="02070309020205020404" pitchFamily="49" charset="0"/>
+              </a:rPr>
+              <a:t>0	   0    4    0</a:t>
+            </a:r>
+          </a:p>
+          <a:p>
+            <a:pPr>
+              <a:spcAft>
+                <a:spcPts val="400"/>
+              </a:spcAft>
+            </a:pPr>
+            <a:r>
+              <a:rPr lang="en-US" sz="2200" b="1" dirty="0">
+                <a:solidFill>
+                  <a:schemeClr val="tx1"/>
+                </a:solidFill>
+                <a:latin typeface="Courier New" panose="02070309020205020404" pitchFamily="49" charset="0"/>
+                <a:cs typeface="Courier New" panose="02070309020205020404" pitchFamily="49" charset="0"/>
+              </a:rPr>
+              <a:t>	</a:t>
+            </a:r>
+            <a:r>
+              <a:rPr lang="en-US" sz="2200" b="1" u="sng" dirty="0">
+                <a:solidFill>
+                  <a:schemeClr val="tx1"/>
+                </a:solidFill>
+                <a:latin typeface="Courier New" panose="02070309020205020404" pitchFamily="49" charset="0"/>
+                <a:cs typeface="Courier New" panose="02070309020205020404" pitchFamily="49" charset="0"/>
+              </a:rPr>
+              <a:t>4</a:t>
+            </a:r>
+            <a:r>
+              <a:rPr lang="en-US" sz="2200" b="1" dirty="0">
+                <a:solidFill>
+                  <a:schemeClr val="tx1"/>
+                </a:solidFill>
+                <a:latin typeface="Courier New" panose="02070309020205020404" pitchFamily="49" charset="0"/>
+                <a:cs typeface="Courier New" panose="02070309020205020404" pitchFamily="49" charset="0"/>
+              </a:rPr>
+              <a:t>   </a:t>
+            </a:r>
+            <a:r>
+              <a:rPr lang="en-US" sz="2200" dirty="0">
+                <a:solidFill>
+                  <a:schemeClr val="tx1"/>
+                </a:solidFill>
+                <a:latin typeface="Courier New" panose="02070309020205020404" pitchFamily="49" charset="0"/>
+                <a:cs typeface="Courier New" panose="02070309020205020404" pitchFamily="49" charset="0"/>
+              </a:rPr>
+              <a:t>0	   0    1    5</a:t>
+            </a:r>
+          </a:p>
+        </p:txBody>
+      </p:sp>
+      <p:sp>
+        <p:nvSpPr>
+          <p:cNvPr id="11" name="Rectangle 10">
             <a:extLst>
               <a:ext uri="{FF2B5EF4-FFF2-40B4-BE49-F238E27FC236}">
-                <a16:creationId xmlns:a16="http://schemas.microsoft.com/office/drawing/2014/main" id="{502B438E-657D-49F8-B1B6-5584D8EACB6D}"/>
+                <a16:creationId xmlns:a16="http://schemas.microsoft.com/office/drawing/2014/main" id="{3A61901D-E688-4C4E-8D8F-996B439D0708}"/>
               </a:ext>
             </a:extLst>
           </p:cNvPr>
@@ -5152,22 +8902,206 @@
         </p:nvSpPr>
         <p:spPr>
           <a:xfrm>
-            <a:off x="22491701" y="14054092"/>
-            <a:ext cx="3561658" cy="2286000"/>
+            <a:off x="23014278" y="20799002"/>
+            <a:ext cx="9728357" cy="978006"/>
           </a:xfrm>
           <a:prstGeom prst="rect">
             <a:avLst/>
           </a:prstGeom>
-          <a:solidFill>
-            <a:srgbClr val="33CCFF">
-              <a:alpha val="10000"/>
-            </a:srgbClr>
-          </a:solidFill>
-          <a:ln w="76200">
-            <a:solidFill>
-              <a:srgbClr val="1CACE3"/>
-            </a:solidFill>
-            <a:prstDash val="dashDot"/>
+        </p:spPr>
+        <p:txBody>
+          <a:bodyPr wrap="square">
+            <a:spAutoFit/>
+          </a:bodyPr>
+          <a:lstStyle/>
+          <a:p>
+            <a:pPr marL="233363" indent="-233363" algn="just">
+              <a:buFont typeface="Arial" panose="020B0604020202020204" pitchFamily="34" charset="0"/>
+              <a:buChar char="•"/>
+            </a:pPr>
+            <a:r>
+              <a:rPr lang="en-US" sz="1900" dirty="0">
+                <a:solidFill>
+                  <a:srgbClr val="222222"/>
+                </a:solidFill>
+                <a:latin typeface="arial" panose="020B0604020202020204" pitchFamily="34" charset="0"/>
+              </a:rPr>
+              <a:t>Meredith, J. C., Smith, A. P., Karim, A., &amp; Amis, E. J. (2000). Combinatorial materials science for polymer thin-film dewetting. </a:t>
+            </a:r>
+            <a:r>
+              <a:rPr lang="en-US" sz="1900" i="1" dirty="0">
+                <a:solidFill>
+                  <a:srgbClr val="222222"/>
+                </a:solidFill>
+                <a:latin typeface="arial" panose="020B0604020202020204" pitchFamily="34" charset="0"/>
+              </a:rPr>
+              <a:t>Macromolecules</a:t>
+            </a:r>
+            <a:r>
+              <a:rPr lang="en-US" sz="1900" dirty="0">
+                <a:solidFill>
+                  <a:srgbClr val="222222"/>
+                </a:solidFill>
+                <a:latin typeface="arial" panose="020B0604020202020204" pitchFamily="34" charset="0"/>
+              </a:rPr>
+              <a:t>, </a:t>
+            </a:r>
+            <a:r>
+              <a:rPr lang="en-US" sz="1900" i="1" dirty="0">
+                <a:solidFill>
+                  <a:srgbClr val="222222"/>
+                </a:solidFill>
+                <a:latin typeface="arial" panose="020B0604020202020204" pitchFamily="34" charset="0"/>
+              </a:rPr>
+              <a:t>33</a:t>
+            </a:r>
+            <a:r>
+              <a:rPr lang="en-US" sz="1900" dirty="0">
+                <a:solidFill>
+                  <a:srgbClr val="222222"/>
+                </a:solidFill>
+                <a:latin typeface="arial" panose="020B0604020202020204" pitchFamily="34" charset="0"/>
+              </a:rPr>
+              <a:t>(26), 9747-9756.</a:t>
+            </a:r>
+          </a:p>
+          <a:p>
+            <a:pPr marL="233363" indent="-233363" algn="just">
+              <a:buFont typeface="Arial" panose="020B0604020202020204" pitchFamily="34" charset="0"/>
+              <a:buChar char="•"/>
+            </a:pPr>
+            <a:r>
+              <a:rPr lang="en-US" sz="1900" dirty="0" err="1">
+                <a:solidFill>
+                  <a:srgbClr val="222222"/>
+                </a:solidFill>
+                <a:latin typeface="arial" panose="020B0604020202020204" pitchFamily="34" charset="0"/>
+              </a:rPr>
+              <a:t>Raschka</a:t>
+            </a:r>
+            <a:r>
+              <a:rPr lang="en-US" sz="1900" dirty="0">
+                <a:solidFill>
+                  <a:srgbClr val="222222"/>
+                </a:solidFill>
+                <a:latin typeface="arial" panose="020B0604020202020204" pitchFamily="34" charset="0"/>
+              </a:rPr>
+              <a:t>, S., &amp; </a:t>
+            </a:r>
+            <a:r>
+              <a:rPr lang="en-US" sz="1900" dirty="0" err="1">
+                <a:solidFill>
+                  <a:srgbClr val="222222"/>
+                </a:solidFill>
+                <a:latin typeface="arial" panose="020B0604020202020204" pitchFamily="34" charset="0"/>
+              </a:rPr>
+              <a:t>Mirjalili</a:t>
+            </a:r>
+            <a:r>
+              <a:rPr lang="en-US" sz="1900" dirty="0">
+                <a:solidFill>
+                  <a:srgbClr val="222222"/>
+                </a:solidFill>
+                <a:latin typeface="arial" panose="020B0604020202020204" pitchFamily="34" charset="0"/>
+              </a:rPr>
+              <a:t>, V. (2017). </a:t>
+            </a:r>
+            <a:r>
+              <a:rPr lang="en-US" sz="1900" i="1" dirty="0">
+                <a:solidFill>
+                  <a:srgbClr val="222222"/>
+                </a:solidFill>
+                <a:latin typeface="arial" panose="020B0604020202020204" pitchFamily="34" charset="0"/>
+              </a:rPr>
+              <a:t>Python machine learning</a:t>
+            </a:r>
+            <a:r>
+              <a:rPr lang="en-US" sz="1900" dirty="0">
+                <a:solidFill>
+                  <a:srgbClr val="222222"/>
+                </a:solidFill>
+                <a:latin typeface="arial" panose="020B0604020202020204" pitchFamily="34" charset="0"/>
+              </a:rPr>
+              <a:t>. </a:t>
+            </a:r>
+            <a:r>
+              <a:rPr lang="en-US" sz="1900" dirty="0" err="1">
+                <a:solidFill>
+                  <a:srgbClr val="222222"/>
+                </a:solidFill>
+                <a:latin typeface="arial" panose="020B0604020202020204" pitchFamily="34" charset="0"/>
+              </a:rPr>
+              <a:t>Packt</a:t>
+            </a:r>
+            <a:r>
+              <a:rPr lang="en-US" sz="1900" dirty="0">
+                <a:solidFill>
+                  <a:srgbClr val="222222"/>
+                </a:solidFill>
+                <a:latin typeface="arial" panose="020B0604020202020204" pitchFamily="34" charset="0"/>
+              </a:rPr>
+              <a:t> Publishing Ltd.</a:t>
+            </a:r>
+            <a:endParaRPr lang="en-US" sz="1900" b="0" i="0" dirty="0">
+              <a:solidFill>
+                <a:srgbClr val="222222"/>
+              </a:solidFill>
+              <a:effectLst/>
+              <a:latin typeface="arial" panose="020B0604020202020204" pitchFamily="34" charset="0"/>
+            </a:endParaRPr>
+          </a:p>
+        </p:txBody>
+      </p:sp>
+      <p:sp>
+        <p:nvSpPr>
+          <p:cNvPr id="99" name="Rectangle: Rounded Corners 98">
+            <a:extLst>
+              <a:ext uri="{FF2B5EF4-FFF2-40B4-BE49-F238E27FC236}">
+                <a16:creationId xmlns:a16="http://schemas.microsoft.com/office/drawing/2014/main" id="{774DB3C8-A252-4D7A-A1D7-098F0F35BB9F}"/>
+              </a:ext>
+            </a:extLst>
+          </p:cNvPr>
+          <p:cNvSpPr/>
+          <p:nvPr/>
+        </p:nvSpPr>
+        <p:spPr>
+          <a:xfrm>
+            <a:off x="23180837" y="19823075"/>
+            <a:ext cx="9532014" cy="914400"/>
+          </a:xfrm>
+          <a:prstGeom prst="roundRect">
+            <a:avLst>
+              <a:gd name="adj" fmla="val 0"/>
+            </a:avLst>
+          </a:prstGeom>
+          <a:gradFill flip="none" rotWithShape="1">
+            <a:gsLst>
+              <a:gs pos="0">
+                <a:srgbClr val="FFC000">
+                  <a:tint val="66000"/>
+                  <a:satMod val="160000"/>
+                </a:srgbClr>
+              </a:gs>
+              <a:gs pos="50000">
+                <a:srgbClr val="FFC000">
+                  <a:tint val="44500"/>
+                  <a:satMod val="160000"/>
+                </a:srgbClr>
+              </a:gs>
+              <a:gs pos="100000">
+                <a:srgbClr val="FFC000">
+                  <a:tint val="23500"/>
+                  <a:satMod val="160000"/>
+                </a:srgbClr>
+              </a:gs>
+            </a:gsLst>
+            <a:path path="circle">
+              <a:fillToRect l="50000" t="50000" r="50000" b="50000"/>
+            </a:path>
+            <a:tileRect/>
+          </a:gradFill>
+          <a:ln>
+            <a:noFill/>
           </a:ln>
         </p:spPr>
         <p:style>
@@ -5191,16 +9125,103 @@
           <a:lstStyle/>
           <a:p>
             <a:pPr algn="ctr"/>
-            <a:endParaRPr lang="en-US"/>
-          </a:p>
-        </p:txBody>
-      </p:sp>
-      <p:sp>
-        <p:nvSpPr>
-          <p:cNvPr id="67" name="Rectangle 66">
+            <a:r>
+              <a:rPr lang="en-US" sz="4000" b="1" dirty="0">
+                <a:solidFill>
+                  <a:schemeClr val="tx1"/>
+                </a:solidFill>
+                <a:latin typeface="Arial" panose="020B0604020202020204" pitchFamily="34" charset="0"/>
+                <a:cs typeface="Arial" panose="020B0604020202020204" pitchFamily="34" charset="0"/>
+              </a:rPr>
+              <a:t>REFERENCES</a:t>
+            </a:r>
+          </a:p>
+        </p:txBody>
+      </p:sp>
+      <p:sp>
+        <p:nvSpPr>
+          <p:cNvPr id="13" name="TextBox 12">
             <a:extLst>
               <a:ext uri="{FF2B5EF4-FFF2-40B4-BE49-F238E27FC236}">
-                <a16:creationId xmlns:a16="http://schemas.microsoft.com/office/drawing/2014/main" id="{BD14127F-6EAF-40B3-93B1-C36C3055993B}"/>
+                <a16:creationId xmlns:a16="http://schemas.microsoft.com/office/drawing/2014/main" id="{48BB1D6A-44BA-47ED-A2AA-86FAD8BA96C3}"/>
+              </a:ext>
+            </a:extLst>
+          </p:cNvPr>
+          <p:cNvSpPr txBox="1"/>
+          <p:nvPr/>
+        </p:nvSpPr>
+        <p:spPr>
+          <a:xfrm>
+            <a:off x="30035501" y="9250789"/>
+            <a:ext cx="2156883" cy="430887"/>
+          </a:xfrm>
+          <a:prstGeom prst="rect">
+            <a:avLst/>
+          </a:prstGeom>
+          <a:noFill/>
+        </p:spPr>
+        <p:txBody>
+          <a:bodyPr wrap="square" rtlCol="0">
+            <a:spAutoFit/>
+          </a:bodyPr>
+          <a:lstStyle/>
+          <a:p>
+            <a:pPr algn="ctr"/>
+            <a:r>
+              <a:rPr lang="en-US" sz="2200" b="1" dirty="0">
+                <a:latin typeface="Courier New" panose="02070309020205020404" pitchFamily="49" charset="0"/>
+                <a:cs typeface="Courier New" panose="02070309020205020404" pitchFamily="49" charset="0"/>
+              </a:rPr>
+              <a:t>Predicted</a:t>
+            </a:r>
+          </a:p>
+        </p:txBody>
+      </p:sp>
+      <p:sp>
+        <p:nvSpPr>
+          <p:cNvPr id="107" name="TextBox 106">
+            <a:extLst>
+              <a:ext uri="{FF2B5EF4-FFF2-40B4-BE49-F238E27FC236}">
+                <a16:creationId xmlns:a16="http://schemas.microsoft.com/office/drawing/2014/main" id="{2722B599-289C-4D16-98EB-F43B88FD8823}"/>
+              </a:ext>
+            </a:extLst>
+          </p:cNvPr>
+          <p:cNvSpPr txBox="1"/>
+          <p:nvPr/>
+        </p:nvSpPr>
+        <p:spPr>
+          <a:xfrm rot="16200000">
+            <a:off x="27908170" y="10571754"/>
+            <a:ext cx="1661992" cy="430887"/>
+          </a:xfrm>
+          <a:prstGeom prst="rect">
+            <a:avLst/>
+          </a:prstGeom>
+          <a:noFill/>
+        </p:spPr>
+        <p:txBody>
+          <a:bodyPr wrap="square" rtlCol="0">
+            <a:spAutoFit/>
+          </a:bodyPr>
+          <a:lstStyle/>
+          <a:p>
+            <a:pPr algn="ctr"/>
+            <a:r>
+              <a:rPr lang="en-US" sz="2200" b="1" dirty="0">
+                <a:latin typeface="Courier New" panose="02070309020205020404" pitchFamily="49" charset="0"/>
+                <a:cs typeface="Courier New" panose="02070309020205020404" pitchFamily="49" charset="0"/>
+              </a:rPr>
+              <a:t>Actual</a:t>
+            </a:r>
+          </a:p>
+        </p:txBody>
+      </p:sp>
+      <p:sp>
+        <p:nvSpPr>
+          <p:cNvPr id="16" name="Rectangle 15">
+            <a:extLst>
+              <a:ext uri="{FF2B5EF4-FFF2-40B4-BE49-F238E27FC236}">
+                <a16:creationId xmlns:a16="http://schemas.microsoft.com/office/drawing/2014/main" id="{E4D5FE08-4593-466E-809B-3A2D184704DC}"/>
               </a:ext>
             </a:extLst>
           </p:cNvPr>
@@ -5209,401 +9230,48 @@
         </p:nvSpPr>
         <p:spPr>
           <a:xfrm>
-            <a:off x="22007230" y="17662962"/>
-            <a:ext cx="8023765" cy="1200329"/>
+            <a:off x="28357763" y="9212707"/>
+            <a:ext cx="4241200" cy="2416730"/>
           </a:xfrm>
           <a:prstGeom prst="rect">
             <a:avLst/>
           </a:prstGeom>
+          <a:noFill/>
+          <a:ln>
+            <a:solidFill>
+              <a:schemeClr val="tx1"/>
+            </a:solidFill>
+          </a:ln>
         </p:spPr>
-        <p:txBody>
-          <a:bodyPr wrap="square">
-            <a:spAutoFit/>
-          </a:bodyPr>
-          <a:lstStyle/>
-          <a:p>
-            <a:pPr algn="ctr">
-              <a:spcAft>
-                <a:spcPts val="600"/>
-              </a:spcAft>
-            </a:pPr>
-            <a:r>
-              <a:rPr lang="en-US" sz="3600" dirty="0">
-                <a:latin typeface="Arial" panose="020B0604020202020204" pitchFamily="34" charset="0"/>
-                <a:cs typeface="Arial" panose="020B0604020202020204" pitchFamily="34" charset="0"/>
-              </a:rPr>
-              <a:t>Fig. 6: Saturation Image after MFN with Striding Grid Representation</a:t>
-            </a:r>
-          </a:p>
-        </p:txBody>
-      </p:sp>
-      <p:sp>
-        <p:nvSpPr>
-          <p:cNvPr id="68" name="Rectangle 67">
-            <a:extLst>
-              <a:ext uri="{FF2B5EF4-FFF2-40B4-BE49-F238E27FC236}">
-                <a16:creationId xmlns:a16="http://schemas.microsoft.com/office/drawing/2014/main" id="{E86945A8-0374-458F-9EF5-96BD29B5212F}"/>
-              </a:ext>
-            </a:extLst>
-          </p:cNvPr>
-          <p:cNvSpPr/>
-          <p:nvPr/>
-        </p:nvSpPr>
-        <p:spPr>
-          <a:xfrm>
-            <a:off x="13570708" y="22167208"/>
-            <a:ext cx="4428225" cy="1400383"/>
-          </a:xfrm>
-          <a:prstGeom prst="rect">
-            <a:avLst/>
-          </a:prstGeom>
-        </p:spPr>
-        <p:txBody>
-          <a:bodyPr wrap="square" numCol="1">
-            <a:spAutoFit/>
-          </a:bodyPr>
-          <a:lstStyle/>
-          <a:p>
-            <a:pPr marL="571500" indent="-571500" algn="just">
-              <a:spcAft>
-                <a:spcPts val="600"/>
-              </a:spcAft>
-              <a:buFont typeface="Arial" panose="020B0604020202020204" pitchFamily="34" charset="0"/>
-              <a:buChar char="•"/>
-            </a:pPr>
-            <a:r>
-              <a:rPr lang="en-US" sz="4000" dirty="0">
-                <a:latin typeface="Arial" panose="020B0604020202020204" pitchFamily="34" charset="0"/>
-                <a:cs typeface="Arial" panose="020B0604020202020204" pitchFamily="34" charset="0"/>
-              </a:rPr>
-              <a:t>SVM</a:t>
-            </a:r>
-          </a:p>
-          <a:p>
-            <a:pPr marL="571500" indent="-571500" algn="just">
-              <a:spcAft>
-                <a:spcPts val="600"/>
-              </a:spcAft>
-              <a:buFont typeface="Arial" panose="020B0604020202020204" pitchFamily="34" charset="0"/>
-              <a:buChar char="•"/>
-            </a:pPr>
-            <a:r>
-              <a:rPr lang="en-US" sz="4000" dirty="0">
-                <a:latin typeface="Arial" panose="020B0604020202020204" pitchFamily="34" charset="0"/>
-                <a:cs typeface="Arial" panose="020B0604020202020204" pitchFamily="34" charset="0"/>
-              </a:rPr>
-              <a:t>Neural Network</a:t>
-            </a:r>
-          </a:p>
-        </p:txBody>
-      </p:sp>
-      <p:sp>
-        <p:nvSpPr>
-          <p:cNvPr id="70" name="Rectangle 69">
-            <a:extLst>
-              <a:ext uri="{FF2B5EF4-FFF2-40B4-BE49-F238E27FC236}">
-                <a16:creationId xmlns:a16="http://schemas.microsoft.com/office/drawing/2014/main" id="{A8F8814A-8734-4D1A-BE42-C8BAB8185474}"/>
-              </a:ext>
-            </a:extLst>
-          </p:cNvPr>
-          <p:cNvSpPr/>
-          <p:nvPr/>
-        </p:nvSpPr>
-        <p:spPr>
-          <a:xfrm>
-            <a:off x="22975139" y="26790631"/>
-            <a:ext cx="7200060" cy="1277273"/>
-          </a:xfrm>
-          <a:prstGeom prst="rect">
-            <a:avLst/>
-          </a:prstGeom>
-        </p:spPr>
-        <p:txBody>
-          <a:bodyPr wrap="square">
-            <a:spAutoFit/>
-          </a:bodyPr>
-          <a:lstStyle/>
-          <a:p>
-            <a:pPr algn="ctr">
-              <a:spcAft>
-                <a:spcPts val="600"/>
-              </a:spcAft>
-            </a:pPr>
-            <a:r>
-              <a:rPr lang="en-US" sz="3600" dirty="0">
-                <a:latin typeface="Arial" panose="020B0604020202020204" pitchFamily="34" charset="0"/>
-                <a:cs typeface="Arial" panose="020B0604020202020204" pitchFamily="34" charset="0"/>
-              </a:rPr>
-              <a:t>Fig. 7: Optimal Random Forest</a:t>
-            </a:r>
-          </a:p>
-          <a:p>
-            <a:pPr algn="ctr">
-              <a:spcAft>
-                <a:spcPts val="600"/>
-              </a:spcAft>
-            </a:pPr>
-            <a:r>
-              <a:rPr lang="en-US" sz="3600" dirty="0">
-                <a:latin typeface="Arial" panose="020B0604020202020204" pitchFamily="34" charset="0"/>
-                <a:cs typeface="Arial" panose="020B0604020202020204" pitchFamily="34" charset="0"/>
-              </a:rPr>
-              <a:t>Learning Curve </a:t>
-            </a:r>
-          </a:p>
-        </p:txBody>
-      </p:sp>
-      <p:sp>
-        <p:nvSpPr>
-          <p:cNvPr id="71" name="Rectangle 70">
-            <a:extLst>
-              <a:ext uri="{FF2B5EF4-FFF2-40B4-BE49-F238E27FC236}">
-                <a16:creationId xmlns:a16="http://schemas.microsoft.com/office/drawing/2014/main" id="{23990DBB-37F6-48F5-B0A8-33E5F1941942}"/>
-              </a:ext>
-            </a:extLst>
-          </p:cNvPr>
-          <p:cNvSpPr/>
-          <p:nvPr/>
-        </p:nvSpPr>
-        <p:spPr>
-          <a:xfrm>
-            <a:off x="13548008" y="24557437"/>
-            <a:ext cx="8937760" cy="3031599"/>
-          </a:xfrm>
-          <a:prstGeom prst="rect">
-            <a:avLst/>
-          </a:prstGeom>
-        </p:spPr>
-        <p:txBody>
-          <a:bodyPr wrap="square">
-            <a:spAutoFit/>
-          </a:bodyPr>
-          <a:lstStyle/>
-          <a:p>
-            <a:pPr algn="just">
-              <a:spcAft>
-                <a:spcPts val="600"/>
-              </a:spcAft>
-            </a:pPr>
-            <a:r>
-              <a:rPr lang="en-US" sz="4000" u="sng" dirty="0">
-                <a:latin typeface="Arial" panose="020B0604020202020204" pitchFamily="34" charset="0"/>
-                <a:cs typeface="Arial" panose="020B0604020202020204" pitchFamily="34" charset="0"/>
-              </a:rPr>
-              <a:t>Hyperparameters Gridsearch:</a:t>
-            </a:r>
-          </a:p>
-          <a:p>
-            <a:pPr marL="571500" indent="-571500" algn="just">
-              <a:spcAft>
-                <a:spcPts val="600"/>
-              </a:spcAft>
-              <a:buFont typeface="Arial" panose="020B0604020202020204" pitchFamily="34" charset="0"/>
-              <a:buChar char="•"/>
-            </a:pPr>
-            <a:endParaRPr lang="en-US" sz="1100" dirty="0">
-              <a:latin typeface="Arial" panose="020B0604020202020204" pitchFamily="34" charset="0"/>
-              <a:cs typeface="Arial" panose="020B0604020202020204" pitchFamily="34" charset="0"/>
-            </a:endParaRPr>
-          </a:p>
-          <a:p>
-            <a:pPr marL="571500" indent="-571500" algn="just">
-              <a:spcAft>
-                <a:spcPts val="600"/>
-              </a:spcAft>
-              <a:buFont typeface="Arial" panose="020B0604020202020204" pitchFamily="34" charset="0"/>
-              <a:buChar char="•"/>
-            </a:pPr>
-            <a:r>
-              <a:rPr lang="en-US" sz="4000" dirty="0">
-                <a:latin typeface="Arial" panose="020B0604020202020204" pitchFamily="34" charset="0"/>
-                <a:cs typeface="Arial" panose="020B0604020202020204" pitchFamily="34" charset="0"/>
-              </a:rPr>
-              <a:t>No. of trees</a:t>
-            </a:r>
-          </a:p>
-          <a:p>
-            <a:pPr marL="571500" indent="-571500" algn="just">
-              <a:spcAft>
-                <a:spcPts val="600"/>
-              </a:spcAft>
-              <a:buFont typeface="Arial" panose="020B0604020202020204" pitchFamily="34" charset="0"/>
-              <a:buChar char="•"/>
-            </a:pPr>
-            <a:r>
-              <a:rPr lang="en-US" sz="4000" dirty="0">
-                <a:latin typeface="Arial" panose="020B0604020202020204" pitchFamily="34" charset="0"/>
-                <a:cs typeface="Arial" panose="020B0604020202020204" pitchFamily="34" charset="0"/>
-              </a:rPr>
-              <a:t>Function measuring split quality</a:t>
-            </a:r>
-          </a:p>
-          <a:p>
-            <a:pPr marL="571500" indent="-571500" algn="just">
-              <a:spcAft>
-                <a:spcPts val="600"/>
-              </a:spcAft>
-              <a:buFont typeface="Arial" panose="020B0604020202020204" pitchFamily="34" charset="0"/>
-              <a:buChar char="•"/>
-            </a:pPr>
-            <a:r>
-              <a:rPr lang="en-US" sz="4000" dirty="0">
-                <a:latin typeface="Arial" panose="020B0604020202020204" pitchFamily="34" charset="0"/>
-                <a:cs typeface="Arial" panose="020B0604020202020204" pitchFamily="34" charset="0"/>
-              </a:rPr>
-              <a:t>No. of features to consider for split</a:t>
-            </a:r>
-          </a:p>
-        </p:txBody>
-      </p:sp>
-      <p:sp>
-        <p:nvSpPr>
-          <p:cNvPr id="72" name="Rectangle 71">
-            <a:extLst>
-              <a:ext uri="{FF2B5EF4-FFF2-40B4-BE49-F238E27FC236}">
-                <a16:creationId xmlns:a16="http://schemas.microsoft.com/office/drawing/2014/main" id="{31B0242E-74F3-411F-8ED4-97B34E6C69D7}"/>
-              </a:ext>
-            </a:extLst>
-          </p:cNvPr>
-          <p:cNvSpPr/>
-          <p:nvPr/>
-        </p:nvSpPr>
-        <p:spPr>
-          <a:xfrm>
-            <a:off x="13530053" y="21294671"/>
-            <a:ext cx="8937760" cy="707886"/>
-          </a:xfrm>
-          <a:prstGeom prst="rect">
-            <a:avLst/>
-          </a:prstGeom>
-        </p:spPr>
-        <p:txBody>
-          <a:bodyPr wrap="square" numCol="1">
-            <a:spAutoFit/>
-          </a:bodyPr>
-          <a:lstStyle/>
-          <a:p>
-            <a:pPr algn="just">
-              <a:spcAft>
-                <a:spcPts val="600"/>
-              </a:spcAft>
-            </a:pPr>
-            <a:r>
-              <a:rPr lang="en-US" sz="4000" u="sng" dirty="0">
-                <a:latin typeface="Arial" panose="020B0604020202020204" pitchFamily="34" charset="0"/>
-                <a:cs typeface="Arial" panose="020B0604020202020204" pitchFamily="34" charset="0"/>
-              </a:rPr>
-              <a:t>Models Trained with 10-fold CV:</a:t>
-            </a:r>
-          </a:p>
-        </p:txBody>
-      </p:sp>
-      <p:sp>
-        <p:nvSpPr>
-          <p:cNvPr id="73" name="Rectangle 72">
-            <a:extLst>
-              <a:ext uri="{FF2B5EF4-FFF2-40B4-BE49-F238E27FC236}">
-                <a16:creationId xmlns:a16="http://schemas.microsoft.com/office/drawing/2014/main" id="{7E2951DC-1314-4536-BE44-3A5B2B23C480}"/>
-              </a:ext>
-            </a:extLst>
-          </p:cNvPr>
-          <p:cNvSpPr/>
-          <p:nvPr/>
-        </p:nvSpPr>
-        <p:spPr>
-          <a:xfrm>
-            <a:off x="17913984" y="22160807"/>
-            <a:ext cx="4915200" cy="1400383"/>
-          </a:xfrm>
-          <a:prstGeom prst="rect">
-            <a:avLst/>
-          </a:prstGeom>
-        </p:spPr>
-        <p:txBody>
-          <a:bodyPr wrap="square" numCol="1">
-            <a:spAutoFit/>
-          </a:bodyPr>
-          <a:lstStyle/>
-          <a:p>
-            <a:pPr marL="571500" indent="-571500" algn="just">
-              <a:spcAft>
-                <a:spcPts val="600"/>
-              </a:spcAft>
-              <a:buFont typeface="Arial" panose="020B0604020202020204" pitchFamily="34" charset="0"/>
-              <a:buChar char="•"/>
-            </a:pPr>
-            <a:r>
-              <a:rPr lang="en-US" sz="4000" dirty="0">
-                <a:latin typeface="Arial" panose="020B0604020202020204" pitchFamily="34" charset="0"/>
-                <a:cs typeface="Arial" panose="020B0604020202020204" pitchFamily="34" charset="0"/>
-              </a:rPr>
-              <a:t>Decision Tree</a:t>
-            </a:r>
-          </a:p>
-          <a:p>
-            <a:pPr marL="571500" indent="-571500" algn="just">
-              <a:spcAft>
-                <a:spcPts val="600"/>
-              </a:spcAft>
-              <a:buFont typeface="Arial" panose="020B0604020202020204" pitchFamily="34" charset="0"/>
-              <a:buChar char="•"/>
-            </a:pPr>
-            <a:r>
-              <a:rPr lang="en-US" sz="4000" b="1" dirty="0">
-                <a:latin typeface="Arial" panose="020B0604020202020204" pitchFamily="34" charset="0"/>
-                <a:cs typeface="Arial" panose="020B0604020202020204" pitchFamily="34" charset="0"/>
-              </a:rPr>
-              <a:t>Random Forest</a:t>
-            </a:r>
-          </a:p>
-        </p:txBody>
-      </p:sp>
-      <p:sp>
-        <p:nvSpPr>
-          <p:cNvPr id="74" name="Rectangle 73">
-            <a:extLst>
-              <a:ext uri="{FF2B5EF4-FFF2-40B4-BE49-F238E27FC236}">
-                <a16:creationId xmlns:a16="http://schemas.microsoft.com/office/drawing/2014/main" id="{83F898C6-B35D-4251-A7B1-80FD869995EF}"/>
-              </a:ext>
-            </a:extLst>
-          </p:cNvPr>
-          <p:cNvSpPr/>
-          <p:nvPr/>
-        </p:nvSpPr>
-        <p:spPr>
-          <a:xfrm>
-            <a:off x="13530053" y="29711050"/>
-            <a:ext cx="16500942" cy="2554545"/>
-          </a:xfrm>
-          <a:prstGeom prst="rect">
-            <a:avLst/>
-          </a:prstGeom>
-        </p:spPr>
-        <p:txBody>
-          <a:bodyPr wrap="square">
-            <a:spAutoFit/>
-          </a:bodyPr>
-          <a:lstStyle/>
-          <a:p>
-            <a:pPr algn="just">
-              <a:spcAft>
-                <a:spcPts val="600"/>
-              </a:spcAft>
-            </a:pPr>
-            <a:r>
-              <a:rPr lang="en-US" sz="4000" dirty="0">
-                <a:latin typeface="Arial" panose="020B0604020202020204" pitchFamily="34" charset="0"/>
-                <a:cs typeface="Arial" panose="020B0604020202020204" pitchFamily="34" charset="0"/>
-              </a:rPr>
-              <a:t>The robustness of the current model can be further improved with transfer learning so that the microscopy image inputs are not limited by microscope specifications, polymer and solvent types, and other environmental factors.</a:t>
-            </a:r>
+        <p:style>
+          <a:lnRef idx="2">
+            <a:schemeClr val="accent1">
+              <a:shade val="50000"/>
+            </a:schemeClr>
+          </a:lnRef>
+          <a:fillRef idx="1">
+            <a:schemeClr val="accent1"/>
+          </a:fillRef>
+          <a:effectRef idx="0">
+            <a:schemeClr val="accent1"/>
+          </a:effectRef>
+          <a:fontRef idx="minor">
+            <a:schemeClr val="lt1"/>
+          </a:fontRef>
+        </p:style>
+        <p:txBody>
+          <a:bodyPr rtlCol="0" anchor="ctr"/>
+          <a:lstStyle/>
+          <a:p>
+            <a:pPr algn="ctr"/>
+            <a:endParaRPr lang="en-US"/>
           </a:p>
         </p:txBody>
       </p:sp>
     </p:spTree>
     <p:extLst>
       <p:ext uri="{BB962C8B-B14F-4D97-AF65-F5344CB8AC3E}">
-        <p14:creationId xmlns:p14="http://schemas.microsoft.com/office/powerpoint/2010/main" val="3604875748"/>
+        <p14:creationId xmlns:p14="http://schemas.microsoft.com/office/powerpoint/2010/main" val="1606914108"/>
       </p:ext>
     </p:extLst>
   </p:cSld>
